--- a/Optimizing Angular.pptx
+++ b/Optimizing Angular.pptx
@@ -5,7 +5,7 @@
     <p:sldMasterId id="2147483672" r:id="rId1"/>
   </p:sldMasterIdLst>
   <p:notesMasterIdLst>
-    <p:notesMasterId r:id="rId15"/>
+    <p:notesMasterId r:id="rId17"/>
   </p:notesMasterIdLst>
   <p:sldIdLst>
     <p:sldId id="256" r:id="rId2"/>
@@ -13,14 +13,16 @@
     <p:sldId id="314" r:id="rId4"/>
     <p:sldId id="315" r:id="rId5"/>
     <p:sldId id="316" r:id="rId6"/>
-    <p:sldId id="317" r:id="rId7"/>
-    <p:sldId id="318" r:id="rId8"/>
-    <p:sldId id="319" r:id="rId9"/>
-    <p:sldId id="260" r:id="rId10"/>
-    <p:sldId id="320" r:id="rId11"/>
-    <p:sldId id="321" r:id="rId12"/>
-    <p:sldId id="322" r:id="rId13"/>
-    <p:sldId id="313" r:id="rId14"/>
+    <p:sldId id="323" r:id="rId7"/>
+    <p:sldId id="324" r:id="rId8"/>
+    <p:sldId id="317" r:id="rId9"/>
+    <p:sldId id="318" r:id="rId10"/>
+    <p:sldId id="319" r:id="rId11"/>
+    <p:sldId id="260" r:id="rId12"/>
+    <p:sldId id="320" r:id="rId13"/>
+    <p:sldId id="321" r:id="rId14"/>
+    <p:sldId id="322" r:id="rId15"/>
+    <p:sldId id="313" r:id="rId16"/>
   </p:sldIdLst>
   <p:sldSz cx="9144000" cy="6858000" type="screen4x3"/>
   <p:notesSz cx="6858000" cy="9144000"/>
@@ -225,7 +227,7 @@
             <a:fld id="{4991502B-FFA8-47B9-B4E5-980CA415BAFF}" type="datetimeFigureOut">
               <a:rPr lang="en-US" smtClean="0"/>
               <a:pPr/>
-              <a:t>1/21/2018</a:t>
+              <a:t>1/22/2018</a:t>
             </a:fld>
             <a:endParaRPr lang="en-US"/>
           </a:p>
@@ -4453,7 +4455,7 @@
           <p:cNvPr id="2" name="Title 1">
             <a:extLst>
               <a:ext uri="{FF2B5EF4-FFF2-40B4-BE49-F238E27FC236}">
-                <a16:creationId xmlns:a16="http://schemas.microsoft.com/office/drawing/2014/main" id="{9C055714-807D-4FCD-8D5F-6ADE371CAD05}"/>
+                <a16:creationId xmlns:a16="http://schemas.microsoft.com/office/drawing/2014/main" id="{BD3D2600-3F86-4A30-B56C-18843521D9AA}"/>
               </a:ext>
             </a:extLst>
           </p:cNvPr>
@@ -4471,7 +4473,7 @@
           <a:p>
             <a:r>
               <a:rPr lang="en-US" dirty="0"/>
-              <a:t>Memory Profiling</a:t>
+              <a:t>Take Full Control</a:t>
             </a:r>
             <a:endParaRPr lang="he-IL" dirty="0"/>
           </a:p>
@@ -4482,7 +4484,7 @@
           <p:cNvPr id="3" name="Footer Placeholder 2">
             <a:extLst>
               <a:ext uri="{FF2B5EF4-FFF2-40B4-BE49-F238E27FC236}">
-                <a16:creationId xmlns:a16="http://schemas.microsoft.com/office/drawing/2014/main" id="{431F83B4-98CA-454C-AE4E-E2B5CCEE26A1}"/>
+                <a16:creationId xmlns:a16="http://schemas.microsoft.com/office/drawing/2014/main" id="{0459BC2D-68DC-4FC7-85BB-C06F305464AC}"/>
               </a:ext>
             </a:extLst>
           </p:cNvPr>
@@ -4511,7 +4513,7 @@
           <p:cNvPr id="4" name="Slide Number Placeholder 3">
             <a:extLst>
               <a:ext uri="{FF2B5EF4-FFF2-40B4-BE49-F238E27FC236}">
-                <a16:creationId xmlns:a16="http://schemas.microsoft.com/office/drawing/2014/main" id="{75EC0604-7C31-4C75-8178-9FC2DAED6CDA}"/>
+                <a16:creationId xmlns:a16="http://schemas.microsoft.com/office/drawing/2014/main" id="{785FFF80-806F-4EE9-B4A9-5637537FA91C}"/>
               </a:ext>
             </a:extLst>
           </p:cNvPr>
@@ -4543,7 +4545,7 @@
           <p:cNvPr id="5" name="Content Placeholder 4">
             <a:extLst>
               <a:ext uri="{FF2B5EF4-FFF2-40B4-BE49-F238E27FC236}">
-                <a16:creationId xmlns:a16="http://schemas.microsoft.com/office/drawing/2014/main" id="{80E8F68E-5835-47C8-B3D0-FB5D4A0302F4}"/>
+                <a16:creationId xmlns:a16="http://schemas.microsoft.com/office/drawing/2014/main" id="{34145941-BB3A-43D4-BE6F-9DF2A9DCD78B}"/>
               </a:ext>
             </a:extLst>
           </p:cNvPr>
@@ -4566,7 +4568,7 @@
     </p:spTree>
     <p:extLst>
       <p:ext uri="{BB962C8B-B14F-4D97-AF65-F5344CB8AC3E}">
-        <p14:creationId xmlns:p14="http://schemas.microsoft.com/office/powerpoint/2010/main" val="1912152949"/>
+        <p14:creationId xmlns:p14="http://schemas.microsoft.com/office/powerpoint/2010/main" val="521662836"/>
       </p:ext>
     </p:extLst>
   </p:cSld>
@@ -4595,13 +4597,7 @@
       </p:grpSpPr>
       <p:sp>
         <p:nvSpPr>
-          <p:cNvPr id="2" name="Title 1">
-            <a:extLst>
-              <a:ext uri="{FF2B5EF4-FFF2-40B4-BE49-F238E27FC236}">
-                <a16:creationId xmlns:a16="http://schemas.microsoft.com/office/drawing/2014/main" id="{319EF3EC-649B-4053-B512-3CBFF9895B05}"/>
-              </a:ext>
-            </a:extLst>
-          </p:cNvPr>
+          <p:cNvPr id="2" name="Title 1"/>
           <p:cNvSpPr>
             <a:spLocks noGrp="1"/>
           </p:cNvSpPr>
@@ -4616,7 +4612,7 @@
           <a:p>
             <a:r>
               <a:rPr lang="en-US" dirty="0"/>
-              <a:t>Reduce Build Time</a:t>
+              <a:t>Be aware of Cascading</a:t>
             </a:r>
             <a:endParaRPr lang="he-IL" dirty="0"/>
           </a:p>
@@ -4624,13 +4620,7 @@
       </p:sp>
       <p:sp>
         <p:nvSpPr>
-          <p:cNvPr id="3" name="Footer Placeholder 2">
-            <a:extLst>
-              <a:ext uri="{FF2B5EF4-FFF2-40B4-BE49-F238E27FC236}">
-                <a16:creationId xmlns:a16="http://schemas.microsoft.com/office/drawing/2014/main" id="{5B1988C8-2EE8-47C9-BDE5-0CE76C34BF5D}"/>
-              </a:ext>
-            </a:extLst>
-          </p:cNvPr>
+          <p:cNvPr id="3" name="Footer Placeholder 2"/>
           <p:cNvSpPr>
             <a:spLocks noGrp="1"/>
           </p:cNvSpPr>
@@ -4653,13 +4643,7 @@
       </p:sp>
       <p:sp>
         <p:nvSpPr>
-          <p:cNvPr id="4" name="Slide Number Placeholder 3">
-            <a:extLst>
-              <a:ext uri="{FF2B5EF4-FFF2-40B4-BE49-F238E27FC236}">
-                <a16:creationId xmlns:a16="http://schemas.microsoft.com/office/drawing/2014/main" id="{DACFA08C-5E55-4B50-9AC8-E55886C68573}"/>
-              </a:ext>
-            </a:extLst>
-          </p:cNvPr>
+          <p:cNvPr id="4" name="Slide Number Placeholder 3"/>
           <p:cNvSpPr>
             <a:spLocks noGrp="1"/>
           </p:cNvSpPr>
@@ -4678,1534 +4662,6 @@
               <a:rPr lang="en-US" smtClean="0"/>
               <a:pPr/>
               <a:t>11</a:t>
-            </a:fld>
-            <a:endParaRPr lang="en-US"/>
-          </a:p>
-        </p:txBody>
-      </p:sp>
-      <p:sp>
-        <p:nvSpPr>
-          <p:cNvPr id="5" name="Content Placeholder 4">
-            <a:extLst>
-              <a:ext uri="{FF2B5EF4-FFF2-40B4-BE49-F238E27FC236}">
-                <a16:creationId xmlns:a16="http://schemas.microsoft.com/office/drawing/2014/main" id="{AB1D257E-9360-40F6-B9CA-382C9218B483}"/>
-              </a:ext>
-            </a:extLst>
-          </p:cNvPr>
-          <p:cNvSpPr>
-            <a:spLocks noGrp="1"/>
-          </p:cNvSpPr>
-          <p:nvPr>
-            <p:ph sz="quarter" idx="1"/>
-          </p:nvPr>
-        </p:nvSpPr>
-        <p:spPr/>
-        <p:txBody>
-          <a:bodyPr/>
-          <a:lstStyle/>
-          <a:p>
-            <a:endParaRPr lang="he-IL"/>
-          </a:p>
-        </p:txBody>
-      </p:sp>
-    </p:spTree>
-    <p:extLst>
-      <p:ext uri="{BB962C8B-B14F-4D97-AF65-F5344CB8AC3E}">
-        <p14:creationId xmlns:p14="http://schemas.microsoft.com/office/powerpoint/2010/main" val="1192187413"/>
-      </p:ext>
-    </p:extLst>
-  </p:cSld>
-  <p:clrMapOvr>
-    <a:masterClrMapping/>
-  </p:clrMapOvr>
-</p:sld>
-</file>
-
-<file path=ppt/slides/slide12.xml><?xml version="1.0" encoding="utf-8"?>
-<p:sld xmlns:a="http://schemas.openxmlformats.org/drawingml/2006/main" xmlns:r="http://schemas.openxmlformats.org/officeDocument/2006/relationships" xmlns:p="http://schemas.openxmlformats.org/presentationml/2006/main">
-  <p:cSld>
-    <p:spTree>
-      <p:nvGrpSpPr>
-        <p:cNvPr id="1" name=""/>
-        <p:cNvGrpSpPr/>
-        <p:nvPr/>
-      </p:nvGrpSpPr>
-      <p:grpSpPr>
-        <a:xfrm>
-          <a:off x="0" y="0"/>
-          <a:ext cx="0" cy="0"/>
-          <a:chOff x="0" y="0"/>
-          <a:chExt cx="0" cy="0"/>
-        </a:xfrm>
-      </p:grpSpPr>
-      <p:sp>
-        <p:nvSpPr>
-          <p:cNvPr id="2" name="Title 1">
-            <a:extLst>
-              <a:ext uri="{FF2B5EF4-FFF2-40B4-BE49-F238E27FC236}">
-                <a16:creationId xmlns:a16="http://schemas.microsoft.com/office/drawing/2014/main" id="{1CA7EAFB-3EB9-4B20-B49D-0642ECE1813E}"/>
-              </a:ext>
-            </a:extLst>
-          </p:cNvPr>
-          <p:cNvSpPr>
-            <a:spLocks noGrp="1"/>
-          </p:cNvSpPr>
-          <p:nvPr>
-            <p:ph type="title"/>
-          </p:nvPr>
-        </p:nvSpPr>
-        <p:spPr/>
-        <p:txBody>
-          <a:bodyPr/>
-          <a:lstStyle/>
-          <a:p>
-            <a:r>
-              <a:rPr lang="en-US" dirty="0"/>
-              <a:t>Reduce Bundle Size</a:t>
-            </a:r>
-            <a:endParaRPr lang="he-IL" dirty="0"/>
-          </a:p>
-        </p:txBody>
-      </p:sp>
-      <p:sp>
-        <p:nvSpPr>
-          <p:cNvPr id="3" name="Footer Placeholder 2">
-            <a:extLst>
-              <a:ext uri="{FF2B5EF4-FFF2-40B4-BE49-F238E27FC236}">
-                <a16:creationId xmlns:a16="http://schemas.microsoft.com/office/drawing/2014/main" id="{36244A4F-03D8-440D-BFF4-261DFF71B7AE}"/>
-              </a:ext>
-            </a:extLst>
-          </p:cNvPr>
-          <p:cNvSpPr>
-            <a:spLocks noGrp="1"/>
-          </p:cNvSpPr>
-          <p:nvPr>
-            <p:ph type="ftr" sz="quarter" idx="11"/>
-          </p:nvPr>
-        </p:nvSpPr>
-        <p:spPr/>
-        <p:txBody>
-          <a:bodyPr/>
-          <a:lstStyle/>
-          <a:p>
-            <a:r>
-              <a:rPr lang="en-US"/>
-              <a:t>© 2018 Ori Calvo</a:t>
-            </a:r>
-            <a:endParaRPr lang="en-US" dirty="0"/>
-          </a:p>
-        </p:txBody>
-      </p:sp>
-      <p:sp>
-        <p:nvSpPr>
-          <p:cNvPr id="4" name="Slide Number Placeholder 3">
-            <a:extLst>
-              <a:ext uri="{FF2B5EF4-FFF2-40B4-BE49-F238E27FC236}">
-                <a16:creationId xmlns:a16="http://schemas.microsoft.com/office/drawing/2014/main" id="{8D764C44-B2C9-4DB9-AB66-E30BD0515ACA}"/>
-              </a:ext>
-            </a:extLst>
-          </p:cNvPr>
-          <p:cNvSpPr>
-            <a:spLocks noGrp="1"/>
-          </p:cNvSpPr>
-          <p:nvPr>
-            <p:ph type="sldNum" sz="quarter" idx="12"/>
-          </p:nvPr>
-        </p:nvSpPr>
-        <p:spPr/>
-        <p:txBody>
-          <a:bodyPr>
-            <a:normAutofit fontScale="85000" lnSpcReduction="20000"/>
-          </a:bodyPr>
-          <a:lstStyle/>
-          <a:p>
-            <a:fld id="{6EDEC3BC-0694-4586-AE63-02B4D54ABF43}" type="slidenum">
-              <a:rPr lang="en-US" smtClean="0"/>
-              <a:pPr/>
-              <a:t>12</a:t>
-            </a:fld>
-            <a:endParaRPr lang="en-US"/>
-          </a:p>
-        </p:txBody>
-      </p:sp>
-      <p:sp>
-        <p:nvSpPr>
-          <p:cNvPr id="5" name="Content Placeholder 4">
-            <a:extLst>
-              <a:ext uri="{FF2B5EF4-FFF2-40B4-BE49-F238E27FC236}">
-                <a16:creationId xmlns:a16="http://schemas.microsoft.com/office/drawing/2014/main" id="{966F93F3-6F11-4C04-B115-55DDEF315133}"/>
-              </a:ext>
-            </a:extLst>
-          </p:cNvPr>
-          <p:cNvSpPr>
-            <a:spLocks noGrp="1"/>
-          </p:cNvSpPr>
-          <p:nvPr>
-            <p:ph sz="quarter" idx="1"/>
-          </p:nvPr>
-        </p:nvSpPr>
-        <p:spPr/>
-        <p:txBody>
-          <a:bodyPr/>
-          <a:lstStyle/>
-          <a:p>
-            <a:endParaRPr lang="he-IL"/>
-          </a:p>
-        </p:txBody>
-      </p:sp>
-    </p:spTree>
-    <p:extLst>
-      <p:ext uri="{BB962C8B-B14F-4D97-AF65-F5344CB8AC3E}">
-        <p14:creationId xmlns:p14="http://schemas.microsoft.com/office/powerpoint/2010/main" val="3665427136"/>
-      </p:ext>
-    </p:extLst>
-  </p:cSld>
-  <p:clrMapOvr>
-    <a:masterClrMapping/>
-  </p:clrMapOvr>
-</p:sld>
-</file>
-
-<file path=ppt/slides/slide13.xml><?xml version="1.0" encoding="utf-8"?>
-<p:sld xmlns:a="http://schemas.openxmlformats.org/drawingml/2006/main" xmlns:r="http://schemas.openxmlformats.org/officeDocument/2006/relationships" xmlns:p="http://schemas.openxmlformats.org/presentationml/2006/main">
-  <p:cSld>
-    <p:spTree>
-      <p:nvGrpSpPr>
-        <p:cNvPr id="1" name=""/>
-        <p:cNvGrpSpPr/>
-        <p:nvPr/>
-      </p:nvGrpSpPr>
-      <p:grpSpPr>
-        <a:xfrm>
-          <a:off x="0" y="0"/>
-          <a:ext cx="0" cy="0"/>
-          <a:chOff x="0" y="0"/>
-          <a:chExt cx="0" cy="0"/>
-        </a:xfrm>
-      </p:grpSpPr>
-      <p:sp>
-        <p:nvSpPr>
-          <p:cNvPr id="2" name="Title 1"/>
-          <p:cNvSpPr>
-            <a:spLocks noGrp="1"/>
-          </p:cNvSpPr>
-          <p:nvPr>
-            <p:ph type="title"/>
-          </p:nvPr>
-        </p:nvSpPr>
-        <p:spPr/>
-        <p:txBody>
-          <a:bodyPr/>
-          <a:lstStyle/>
-          <a:p>
-            <a:r>
-              <a:rPr lang="en-US" dirty="0"/>
-              <a:t>Summary</a:t>
-            </a:r>
-            <a:endParaRPr lang="he-IL" dirty="0"/>
-          </a:p>
-        </p:txBody>
-      </p:sp>
-      <p:sp>
-        <p:nvSpPr>
-          <p:cNvPr id="3" name="Footer Placeholder 2"/>
-          <p:cNvSpPr>
-            <a:spLocks noGrp="1"/>
-          </p:cNvSpPr>
-          <p:nvPr>
-            <p:ph type="ftr" sz="quarter" idx="11"/>
-          </p:nvPr>
-        </p:nvSpPr>
-        <p:spPr/>
-        <p:txBody>
-          <a:bodyPr/>
-          <a:lstStyle/>
-          <a:p>
-            <a:r>
-              <a:rPr lang="en-US"/>
-              <a:t>© 2018 Ori Calvo</a:t>
-            </a:r>
-            <a:endParaRPr lang="en-US" dirty="0"/>
-          </a:p>
-        </p:txBody>
-      </p:sp>
-      <p:sp>
-        <p:nvSpPr>
-          <p:cNvPr id="4" name="Slide Number Placeholder 3"/>
-          <p:cNvSpPr>
-            <a:spLocks noGrp="1"/>
-          </p:cNvSpPr>
-          <p:nvPr>
-            <p:ph type="sldNum" sz="quarter" idx="12"/>
-          </p:nvPr>
-        </p:nvSpPr>
-        <p:spPr/>
-        <p:txBody>
-          <a:bodyPr>
-            <a:normAutofit fontScale="85000" lnSpcReduction="20000"/>
-          </a:bodyPr>
-          <a:lstStyle/>
-          <a:p>
-            <a:fld id="{6EDEC3BC-0694-4586-AE63-02B4D54ABF43}" type="slidenum">
-              <a:rPr lang="en-US" smtClean="0"/>
-              <a:pPr/>
-              <a:t>13</a:t>
-            </a:fld>
-            <a:endParaRPr lang="en-US"/>
-          </a:p>
-        </p:txBody>
-      </p:sp>
-      <p:sp>
-        <p:nvSpPr>
-          <p:cNvPr id="5" name="Content Placeholder 4"/>
-          <p:cNvSpPr>
-            <a:spLocks noGrp="1"/>
-          </p:cNvSpPr>
-          <p:nvPr>
-            <p:ph sz="quarter" idx="1"/>
-          </p:nvPr>
-        </p:nvSpPr>
-        <p:spPr/>
-        <p:txBody>
-          <a:bodyPr/>
-          <a:lstStyle/>
-          <a:p>
-            <a:r>
-              <a:rPr lang="en-US" dirty="0"/>
-              <a:t>There are many aspects to consider when implementing a component</a:t>
-            </a:r>
-          </a:p>
-          <a:p>
-            <a:r>
-              <a:rPr lang="en-US" dirty="0"/>
-              <a:t>Most of the time Angular’s defaults are good enough</a:t>
-            </a:r>
-          </a:p>
-          <a:p>
-            <a:r>
-              <a:rPr lang="en-US" dirty="0"/>
-              <a:t>You may want to customize</a:t>
-            </a:r>
-          </a:p>
-          <a:p>
-            <a:pPr lvl="1"/>
-            <a:r>
-              <a:rPr lang="en-US" dirty="0"/>
-              <a:t>View Encapsulation</a:t>
-            </a:r>
-          </a:p>
-          <a:p>
-            <a:pPr lvl="1"/>
-            <a:r>
-              <a:rPr lang="en-US" dirty="0"/>
-              <a:t>Lifecyle Hooks</a:t>
-            </a:r>
-          </a:p>
-          <a:p>
-            <a:pPr lvl="1"/>
-            <a:r>
-              <a:rPr lang="en-US" dirty="0"/>
-              <a:t>Pipes</a:t>
-            </a:r>
-          </a:p>
-          <a:p>
-            <a:pPr lvl="1"/>
-            <a:r>
-              <a:rPr lang="en-US"/>
-              <a:t>More …</a:t>
-            </a:r>
-            <a:endParaRPr lang="he-IL" dirty="0"/>
-          </a:p>
-        </p:txBody>
-      </p:sp>
-    </p:spTree>
-    <p:extLst>
-      <p:ext uri="{BB962C8B-B14F-4D97-AF65-F5344CB8AC3E}">
-        <p14:creationId xmlns:p14="http://schemas.microsoft.com/office/powerpoint/2010/main" val="3213081550"/>
-      </p:ext>
-    </p:extLst>
-  </p:cSld>
-  <p:clrMapOvr>
-    <a:masterClrMapping/>
-  </p:clrMapOvr>
-</p:sld>
-</file>
-
-<file path=ppt/slides/slide2.xml><?xml version="1.0" encoding="utf-8"?>
-<p:sld xmlns:a="http://schemas.openxmlformats.org/drawingml/2006/main" xmlns:r="http://schemas.openxmlformats.org/officeDocument/2006/relationships" xmlns:p="http://schemas.openxmlformats.org/presentationml/2006/main">
-  <p:cSld>
-    <p:spTree>
-      <p:nvGrpSpPr>
-        <p:cNvPr id="1" name=""/>
-        <p:cNvGrpSpPr/>
-        <p:nvPr/>
-      </p:nvGrpSpPr>
-      <p:grpSpPr>
-        <a:xfrm>
-          <a:off x="0" y="0"/>
-          <a:ext cx="0" cy="0"/>
-          <a:chOff x="0" y="0"/>
-          <a:chExt cx="0" cy="0"/>
-        </a:xfrm>
-      </p:grpSpPr>
-      <p:sp>
-        <p:nvSpPr>
-          <p:cNvPr id="2" name="Title 1"/>
-          <p:cNvSpPr>
-            <a:spLocks noGrp="1"/>
-          </p:cNvSpPr>
-          <p:nvPr>
-            <p:ph type="title"/>
-          </p:nvPr>
-        </p:nvSpPr>
-        <p:spPr/>
-        <p:txBody>
-          <a:bodyPr/>
-          <a:lstStyle/>
-          <a:p>
-            <a:r>
-              <a:rPr lang="en-US" dirty="0"/>
-              <a:t>Objectives</a:t>
-            </a:r>
-            <a:endParaRPr lang="he-IL" dirty="0"/>
-          </a:p>
-        </p:txBody>
-      </p:sp>
-      <p:sp>
-        <p:nvSpPr>
-          <p:cNvPr id="3" name="Footer Placeholder 2"/>
-          <p:cNvSpPr>
-            <a:spLocks noGrp="1"/>
-          </p:cNvSpPr>
-          <p:nvPr>
-            <p:ph type="ftr" sz="quarter" idx="11"/>
-          </p:nvPr>
-        </p:nvSpPr>
-        <p:spPr/>
-        <p:txBody>
-          <a:bodyPr/>
-          <a:lstStyle/>
-          <a:p>
-            <a:r>
-              <a:rPr lang="en-US"/>
-              <a:t>© 2018 Ori Calvo</a:t>
-            </a:r>
-            <a:endParaRPr lang="en-US" dirty="0"/>
-          </a:p>
-        </p:txBody>
-      </p:sp>
-      <p:sp>
-        <p:nvSpPr>
-          <p:cNvPr id="4" name="Slide Number Placeholder 3"/>
-          <p:cNvSpPr>
-            <a:spLocks noGrp="1"/>
-          </p:cNvSpPr>
-          <p:nvPr>
-            <p:ph type="sldNum" sz="quarter" idx="12"/>
-          </p:nvPr>
-        </p:nvSpPr>
-        <p:spPr/>
-        <p:txBody>
-          <a:bodyPr>
-            <a:normAutofit fontScale="85000" lnSpcReduction="20000"/>
-          </a:bodyPr>
-          <a:lstStyle/>
-          <a:p>
-            <a:fld id="{6EDEC3BC-0694-4586-AE63-02B4D54ABF43}" type="slidenum">
-              <a:rPr lang="en-US" smtClean="0"/>
-              <a:pPr/>
-              <a:t>2</a:t>
-            </a:fld>
-            <a:endParaRPr lang="en-US"/>
-          </a:p>
-        </p:txBody>
-      </p:sp>
-      <p:sp>
-        <p:nvSpPr>
-          <p:cNvPr id="5" name="Content Placeholder 4"/>
-          <p:cNvSpPr>
-            <a:spLocks noGrp="1"/>
-          </p:cNvSpPr>
-          <p:nvPr>
-            <p:ph sz="quarter" idx="1"/>
-          </p:nvPr>
-        </p:nvSpPr>
-        <p:spPr/>
-        <p:txBody>
-          <a:bodyPr>
-            <a:normAutofit/>
-          </a:bodyPr>
-          <a:lstStyle/>
-          <a:p>
-            <a:r>
-              <a:rPr lang="en-US" dirty="0"/>
-              <a:t>Analyze common techniques for improving Angular performance</a:t>
-            </a:r>
-          </a:p>
-          <a:p>
-            <a:r>
-              <a:rPr lang="en-US" dirty="0"/>
-              <a:t>Not only runtime performance</a:t>
-            </a:r>
-          </a:p>
-        </p:txBody>
-      </p:sp>
-    </p:spTree>
-    <p:extLst>
-      <p:ext uri="{BB962C8B-B14F-4D97-AF65-F5344CB8AC3E}">
-        <p14:creationId xmlns:p14="http://schemas.microsoft.com/office/powerpoint/2010/main" val="2208052341"/>
-      </p:ext>
-    </p:extLst>
-  </p:cSld>
-  <p:clrMapOvr>
-    <a:masterClrMapping/>
-  </p:clrMapOvr>
-</p:sld>
-</file>
-
-<file path=ppt/slides/slide3.xml><?xml version="1.0" encoding="utf-8"?>
-<p:sld xmlns:a="http://schemas.openxmlformats.org/drawingml/2006/main" xmlns:r="http://schemas.openxmlformats.org/officeDocument/2006/relationships" xmlns:p="http://schemas.openxmlformats.org/presentationml/2006/main">
-  <p:cSld>
-    <p:spTree>
-      <p:nvGrpSpPr>
-        <p:cNvPr id="1" name=""/>
-        <p:cNvGrpSpPr/>
-        <p:nvPr/>
-      </p:nvGrpSpPr>
-      <p:grpSpPr>
-        <a:xfrm>
-          <a:off x="0" y="0"/>
-          <a:ext cx="0" cy="0"/>
-          <a:chOff x="0" y="0"/>
-          <a:chExt cx="0" cy="0"/>
-        </a:xfrm>
-      </p:grpSpPr>
-      <p:sp>
-        <p:nvSpPr>
-          <p:cNvPr id="2" name="Title 1">
-            <a:extLst>
-              <a:ext uri="{FF2B5EF4-FFF2-40B4-BE49-F238E27FC236}">
-                <a16:creationId xmlns:a16="http://schemas.microsoft.com/office/drawing/2014/main" id="{81E76ADD-675E-41FE-B580-E7421E6F7DDE}"/>
-              </a:ext>
-            </a:extLst>
-          </p:cNvPr>
-          <p:cNvSpPr>
-            <a:spLocks noGrp="1"/>
-          </p:cNvSpPr>
-          <p:nvPr>
-            <p:ph type="title"/>
-          </p:nvPr>
-        </p:nvSpPr>
-        <p:spPr/>
-        <p:txBody>
-          <a:bodyPr/>
-          <a:lstStyle/>
-          <a:p>
-            <a:r>
-              <a:rPr lang="en-US" dirty="0"/>
-              <a:t>Measure </a:t>
-            </a:r>
-            <a:r>
-              <a:rPr lang="en-US" dirty="0" err="1"/>
-              <a:t>Measure</a:t>
-            </a:r>
-            <a:r>
-              <a:rPr lang="en-US" dirty="0"/>
-              <a:t> </a:t>
-            </a:r>
-            <a:r>
-              <a:rPr lang="en-US" dirty="0" err="1"/>
-              <a:t>Measure</a:t>
-            </a:r>
-            <a:endParaRPr lang="he-IL" dirty="0"/>
-          </a:p>
-        </p:txBody>
-      </p:sp>
-      <p:sp>
-        <p:nvSpPr>
-          <p:cNvPr id="3" name="Footer Placeholder 2">
-            <a:extLst>
-              <a:ext uri="{FF2B5EF4-FFF2-40B4-BE49-F238E27FC236}">
-                <a16:creationId xmlns:a16="http://schemas.microsoft.com/office/drawing/2014/main" id="{28E692A5-A003-417E-8A9A-5D829F48CC6B}"/>
-              </a:ext>
-            </a:extLst>
-          </p:cNvPr>
-          <p:cNvSpPr>
-            <a:spLocks noGrp="1"/>
-          </p:cNvSpPr>
-          <p:nvPr>
-            <p:ph type="ftr" sz="quarter" idx="11"/>
-          </p:nvPr>
-        </p:nvSpPr>
-        <p:spPr/>
-        <p:txBody>
-          <a:bodyPr/>
-          <a:lstStyle/>
-          <a:p>
-            <a:r>
-              <a:rPr lang="en-US"/>
-              <a:t>© 2018 Ori Calvo</a:t>
-            </a:r>
-            <a:endParaRPr lang="en-US" dirty="0"/>
-          </a:p>
-        </p:txBody>
-      </p:sp>
-      <p:sp>
-        <p:nvSpPr>
-          <p:cNvPr id="4" name="Slide Number Placeholder 3">
-            <a:extLst>
-              <a:ext uri="{FF2B5EF4-FFF2-40B4-BE49-F238E27FC236}">
-                <a16:creationId xmlns:a16="http://schemas.microsoft.com/office/drawing/2014/main" id="{A36BB3AB-A2D0-4C99-9A41-386459E82F78}"/>
-              </a:ext>
-            </a:extLst>
-          </p:cNvPr>
-          <p:cNvSpPr>
-            <a:spLocks noGrp="1"/>
-          </p:cNvSpPr>
-          <p:nvPr>
-            <p:ph type="sldNum" sz="quarter" idx="12"/>
-          </p:nvPr>
-        </p:nvSpPr>
-        <p:spPr/>
-        <p:txBody>
-          <a:bodyPr>
-            <a:normAutofit fontScale="85000" lnSpcReduction="20000"/>
-          </a:bodyPr>
-          <a:lstStyle/>
-          <a:p>
-            <a:fld id="{6EDEC3BC-0694-4586-AE63-02B4D54ABF43}" type="slidenum">
-              <a:rPr lang="en-US" smtClean="0"/>
-              <a:pPr/>
-              <a:t>3</a:t>
-            </a:fld>
-            <a:endParaRPr lang="en-US"/>
-          </a:p>
-        </p:txBody>
-      </p:sp>
-      <p:sp>
-        <p:nvSpPr>
-          <p:cNvPr id="5" name="Content Placeholder 4">
-            <a:extLst>
-              <a:ext uri="{FF2B5EF4-FFF2-40B4-BE49-F238E27FC236}">
-                <a16:creationId xmlns:a16="http://schemas.microsoft.com/office/drawing/2014/main" id="{5876D726-1216-4756-B8E4-44634FB4257D}"/>
-              </a:ext>
-            </a:extLst>
-          </p:cNvPr>
-          <p:cNvSpPr>
-            <a:spLocks noGrp="1"/>
-          </p:cNvSpPr>
-          <p:nvPr>
-            <p:ph sz="quarter" idx="1"/>
-          </p:nvPr>
-        </p:nvSpPr>
-        <p:spPr/>
-        <p:txBody>
-          <a:bodyPr/>
-          <a:lstStyle/>
-          <a:p>
-            <a:r>
-              <a:rPr lang="en-US" dirty="0"/>
-              <a:t>The common developer is very concerned about writing efficient code</a:t>
-            </a:r>
-          </a:p>
-          <a:p>
-            <a:r>
-              <a:rPr lang="en-US" dirty="0"/>
-              <a:t>How come most of Software system do no perform well ?</a:t>
-            </a:r>
-            <a:endParaRPr lang="he-IL" dirty="0"/>
-          </a:p>
-        </p:txBody>
-      </p:sp>
-    </p:spTree>
-    <p:extLst>
-      <p:ext uri="{BB962C8B-B14F-4D97-AF65-F5344CB8AC3E}">
-        <p14:creationId xmlns:p14="http://schemas.microsoft.com/office/powerpoint/2010/main" val="2011314799"/>
-      </p:ext>
-    </p:extLst>
-  </p:cSld>
-  <p:clrMapOvr>
-    <a:masterClrMapping/>
-  </p:clrMapOvr>
-</p:sld>
-</file>
-
-<file path=ppt/slides/slide4.xml><?xml version="1.0" encoding="utf-8"?>
-<p:sld xmlns:a="http://schemas.openxmlformats.org/drawingml/2006/main" xmlns:r="http://schemas.openxmlformats.org/officeDocument/2006/relationships" xmlns:p="http://schemas.openxmlformats.org/presentationml/2006/main">
-  <p:cSld>
-    <p:spTree>
-      <p:nvGrpSpPr>
-        <p:cNvPr id="1" name=""/>
-        <p:cNvGrpSpPr/>
-        <p:nvPr/>
-      </p:nvGrpSpPr>
-      <p:grpSpPr>
-        <a:xfrm>
-          <a:off x="0" y="0"/>
-          <a:ext cx="0" cy="0"/>
-          <a:chOff x="0" y="0"/>
-          <a:chExt cx="0" cy="0"/>
-        </a:xfrm>
-      </p:grpSpPr>
-      <p:sp>
-        <p:nvSpPr>
-          <p:cNvPr id="2" name="Title 1">
-            <a:extLst>
-              <a:ext uri="{FF2B5EF4-FFF2-40B4-BE49-F238E27FC236}">
-                <a16:creationId xmlns:a16="http://schemas.microsoft.com/office/drawing/2014/main" id="{2625AE99-5722-4BFA-8724-E59E49F156B6}"/>
-              </a:ext>
-            </a:extLst>
-          </p:cNvPr>
-          <p:cNvSpPr>
-            <a:spLocks noGrp="1"/>
-          </p:cNvSpPr>
-          <p:nvPr>
-            <p:ph type="title"/>
-          </p:nvPr>
-        </p:nvSpPr>
-        <p:spPr/>
-        <p:txBody>
-          <a:bodyPr/>
-          <a:lstStyle/>
-          <a:p>
-            <a:r>
-              <a:rPr lang="en-US" dirty="0"/>
-              <a:t>Angular Stats</a:t>
-            </a:r>
-            <a:endParaRPr lang="he-IL" dirty="0"/>
-          </a:p>
-        </p:txBody>
-      </p:sp>
-      <p:sp>
-        <p:nvSpPr>
-          <p:cNvPr id="3" name="Footer Placeholder 2">
-            <a:extLst>
-              <a:ext uri="{FF2B5EF4-FFF2-40B4-BE49-F238E27FC236}">
-                <a16:creationId xmlns:a16="http://schemas.microsoft.com/office/drawing/2014/main" id="{EAD1C2D3-E7EE-45AA-9DD3-B27B45977E00}"/>
-              </a:ext>
-            </a:extLst>
-          </p:cNvPr>
-          <p:cNvSpPr>
-            <a:spLocks noGrp="1"/>
-          </p:cNvSpPr>
-          <p:nvPr>
-            <p:ph type="ftr" sz="quarter" idx="11"/>
-          </p:nvPr>
-        </p:nvSpPr>
-        <p:spPr/>
-        <p:txBody>
-          <a:bodyPr/>
-          <a:lstStyle/>
-          <a:p>
-            <a:r>
-              <a:rPr lang="en-US"/>
-              <a:t>© 2018 Ori Calvo</a:t>
-            </a:r>
-            <a:endParaRPr lang="en-US" dirty="0"/>
-          </a:p>
-        </p:txBody>
-      </p:sp>
-      <p:sp>
-        <p:nvSpPr>
-          <p:cNvPr id="4" name="Slide Number Placeholder 3">
-            <a:extLst>
-              <a:ext uri="{FF2B5EF4-FFF2-40B4-BE49-F238E27FC236}">
-                <a16:creationId xmlns:a16="http://schemas.microsoft.com/office/drawing/2014/main" id="{524CD62A-7EA5-4D3A-AAB3-DB58266E65A5}"/>
-              </a:ext>
-            </a:extLst>
-          </p:cNvPr>
-          <p:cNvSpPr>
-            <a:spLocks noGrp="1"/>
-          </p:cNvSpPr>
-          <p:nvPr>
-            <p:ph type="sldNum" sz="quarter" idx="12"/>
-          </p:nvPr>
-        </p:nvSpPr>
-        <p:spPr/>
-        <p:txBody>
-          <a:bodyPr>
-            <a:normAutofit fontScale="85000" lnSpcReduction="20000"/>
-          </a:bodyPr>
-          <a:lstStyle/>
-          <a:p>
-            <a:fld id="{6EDEC3BC-0694-4586-AE63-02B4D54ABF43}" type="slidenum">
-              <a:rPr lang="en-US" smtClean="0"/>
-              <a:pPr/>
-              <a:t>4</a:t>
-            </a:fld>
-            <a:endParaRPr lang="en-US"/>
-          </a:p>
-        </p:txBody>
-      </p:sp>
-      <p:sp>
-        <p:nvSpPr>
-          <p:cNvPr id="5" name="Content Placeholder 4">
-            <a:extLst>
-              <a:ext uri="{FF2B5EF4-FFF2-40B4-BE49-F238E27FC236}">
-                <a16:creationId xmlns:a16="http://schemas.microsoft.com/office/drawing/2014/main" id="{0D7F330D-1D59-4430-874C-03D812C05DF7}"/>
-              </a:ext>
-            </a:extLst>
-          </p:cNvPr>
-          <p:cNvSpPr>
-            <a:spLocks noGrp="1"/>
-          </p:cNvSpPr>
-          <p:nvPr>
-            <p:ph sz="quarter" idx="1"/>
-          </p:nvPr>
-        </p:nvSpPr>
-        <p:spPr/>
-        <p:txBody>
-          <a:bodyPr/>
-          <a:lstStyle/>
-          <a:p>
-            <a:r>
-              <a:rPr lang="en-US" dirty="0"/>
-              <a:t>Change detection</a:t>
-            </a:r>
-          </a:p>
-          <a:p>
-            <a:pPr lvl="1"/>
-            <a:r>
-              <a:rPr lang="en-US" dirty="0"/>
-              <a:t>Duration</a:t>
-            </a:r>
-          </a:p>
-          <a:p>
-            <a:pPr lvl="1"/>
-            <a:r>
-              <a:rPr lang="en-US" dirty="0"/>
-              <a:t>Occurrences</a:t>
-            </a:r>
-          </a:p>
-          <a:p>
-            <a:r>
-              <a:rPr lang="en-US" dirty="0"/>
-              <a:t>Components</a:t>
-            </a:r>
-          </a:p>
-          <a:p>
-            <a:r>
-              <a:rPr lang="en-US" dirty="0"/>
-              <a:t>Bindings</a:t>
-            </a:r>
-          </a:p>
-        </p:txBody>
-      </p:sp>
-    </p:spTree>
-    <p:extLst>
-      <p:ext uri="{BB962C8B-B14F-4D97-AF65-F5344CB8AC3E}">
-        <p14:creationId xmlns:p14="http://schemas.microsoft.com/office/powerpoint/2010/main" val="2427651972"/>
-      </p:ext>
-    </p:extLst>
-  </p:cSld>
-  <p:clrMapOvr>
-    <a:masterClrMapping/>
-  </p:clrMapOvr>
-</p:sld>
-</file>
-
-<file path=ppt/slides/slide5.xml><?xml version="1.0" encoding="utf-8"?>
-<p:sld xmlns:a="http://schemas.openxmlformats.org/drawingml/2006/main" xmlns:r="http://schemas.openxmlformats.org/officeDocument/2006/relationships" xmlns:p="http://schemas.openxmlformats.org/presentationml/2006/main">
-  <p:cSld>
-    <p:spTree>
-      <p:nvGrpSpPr>
-        <p:cNvPr id="1" name=""/>
-        <p:cNvGrpSpPr/>
-        <p:nvPr/>
-      </p:nvGrpSpPr>
-      <p:grpSpPr>
-        <a:xfrm>
-          <a:off x="0" y="0"/>
-          <a:ext cx="0" cy="0"/>
-          <a:chOff x="0" y="0"/>
-          <a:chExt cx="0" cy="0"/>
-        </a:xfrm>
-      </p:grpSpPr>
-      <p:sp>
-        <p:nvSpPr>
-          <p:cNvPr id="2" name="Title 1">
-            <a:extLst>
-              <a:ext uri="{FF2B5EF4-FFF2-40B4-BE49-F238E27FC236}">
-                <a16:creationId xmlns:a16="http://schemas.microsoft.com/office/drawing/2014/main" id="{4BCFC350-3C6B-43BD-9363-ECE7915C89CF}"/>
-              </a:ext>
-            </a:extLst>
-          </p:cNvPr>
-          <p:cNvSpPr>
-            <a:spLocks noGrp="1"/>
-          </p:cNvSpPr>
-          <p:nvPr>
-            <p:ph type="title"/>
-          </p:nvPr>
-        </p:nvSpPr>
-        <p:spPr/>
-        <p:txBody>
-          <a:bodyPr/>
-          <a:lstStyle/>
-          <a:p>
-            <a:r>
-              <a:rPr lang="en-US" dirty="0"/>
-              <a:t>Reducing Change Detection</a:t>
-            </a:r>
-            <a:endParaRPr lang="he-IL" dirty="0"/>
-          </a:p>
-        </p:txBody>
-      </p:sp>
-      <p:sp>
-        <p:nvSpPr>
-          <p:cNvPr id="3" name="Footer Placeholder 2">
-            <a:extLst>
-              <a:ext uri="{FF2B5EF4-FFF2-40B4-BE49-F238E27FC236}">
-                <a16:creationId xmlns:a16="http://schemas.microsoft.com/office/drawing/2014/main" id="{96C28ED3-8821-4EA2-B8CF-8EC2CBEC076C}"/>
-              </a:ext>
-            </a:extLst>
-          </p:cNvPr>
-          <p:cNvSpPr>
-            <a:spLocks noGrp="1"/>
-          </p:cNvSpPr>
-          <p:nvPr>
-            <p:ph type="ftr" sz="quarter" idx="11"/>
-          </p:nvPr>
-        </p:nvSpPr>
-        <p:spPr/>
-        <p:txBody>
-          <a:bodyPr/>
-          <a:lstStyle/>
-          <a:p>
-            <a:r>
-              <a:rPr lang="en-US"/>
-              <a:t>© 2018 Ori Calvo</a:t>
-            </a:r>
-            <a:endParaRPr lang="en-US" dirty="0"/>
-          </a:p>
-        </p:txBody>
-      </p:sp>
-      <p:sp>
-        <p:nvSpPr>
-          <p:cNvPr id="4" name="Slide Number Placeholder 3">
-            <a:extLst>
-              <a:ext uri="{FF2B5EF4-FFF2-40B4-BE49-F238E27FC236}">
-                <a16:creationId xmlns:a16="http://schemas.microsoft.com/office/drawing/2014/main" id="{981409FD-334F-4F82-AED7-7822B6B3CFFA}"/>
-              </a:ext>
-            </a:extLst>
-          </p:cNvPr>
-          <p:cNvSpPr>
-            <a:spLocks noGrp="1"/>
-          </p:cNvSpPr>
-          <p:nvPr>
-            <p:ph type="sldNum" sz="quarter" idx="12"/>
-          </p:nvPr>
-        </p:nvSpPr>
-        <p:spPr/>
-        <p:txBody>
-          <a:bodyPr>
-            <a:normAutofit fontScale="85000" lnSpcReduction="20000"/>
-          </a:bodyPr>
-          <a:lstStyle/>
-          <a:p>
-            <a:fld id="{6EDEC3BC-0694-4586-AE63-02B4D54ABF43}" type="slidenum">
-              <a:rPr lang="en-US" smtClean="0"/>
-              <a:pPr/>
-              <a:t>5</a:t>
-            </a:fld>
-            <a:endParaRPr lang="en-US"/>
-          </a:p>
-        </p:txBody>
-      </p:sp>
-      <p:sp>
-        <p:nvSpPr>
-          <p:cNvPr id="5" name="Content Placeholder 4">
-            <a:extLst>
-              <a:ext uri="{FF2B5EF4-FFF2-40B4-BE49-F238E27FC236}">
-                <a16:creationId xmlns:a16="http://schemas.microsoft.com/office/drawing/2014/main" id="{966965F0-E47E-4DD3-A68C-CE99032FC8FE}"/>
-              </a:ext>
-            </a:extLst>
-          </p:cNvPr>
-          <p:cNvSpPr>
-            <a:spLocks noGrp="1"/>
-          </p:cNvSpPr>
-          <p:nvPr>
-            <p:ph sz="quarter" idx="1"/>
-          </p:nvPr>
-        </p:nvSpPr>
-        <p:spPr/>
-        <p:txBody>
-          <a:bodyPr/>
-          <a:lstStyle/>
-          <a:p>
-            <a:r>
-              <a:rPr lang="en-US" dirty="0"/>
-              <a:t>Most public documentation deals with reducing single change detection cycle</a:t>
-            </a:r>
-          </a:p>
-          <a:p>
-            <a:pPr lvl="1"/>
-            <a:r>
-              <a:rPr lang="en-US" dirty="0" err="1"/>
-              <a:t>ChangeDetectionStrategy.OnPush</a:t>
-            </a:r>
-            <a:endParaRPr lang="en-US" dirty="0"/>
-          </a:p>
-          <a:p>
-            <a:pPr lvl="1"/>
-            <a:r>
-              <a:rPr lang="en-US" dirty="0" err="1"/>
-              <a:t>Async</a:t>
-            </a:r>
-            <a:r>
-              <a:rPr lang="en-US" dirty="0"/>
-              <a:t> Pipe</a:t>
-            </a:r>
-          </a:p>
-          <a:p>
-            <a:pPr lvl="1"/>
-            <a:r>
-              <a:rPr lang="en-US" dirty="0"/>
-              <a:t>Working directly with </a:t>
-            </a:r>
-            <a:r>
-              <a:rPr lang="en-US" dirty="0" err="1"/>
-              <a:t>ChangeDetectorRef</a:t>
-            </a:r>
-            <a:endParaRPr lang="he-IL" dirty="0"/>
-          </a:p>
-        </p:txBody>
-      </p:sp>
-    </p:spTree>
-    <p:extLst>
-      <p:ext uri="{BB962C8B-B14F-4D97-AF65-F5344CB8AC3E}">
-        <p14:creationId xmlns:p14="http://schemas.microsoft.com/office/powerpoint/2010/main" val="506124505"/>
-      </p:ext>
-    </p:extLst>
-  </p:cSld>
-  <p:clrMapOvr>
-    <a:masterClrMapping/>
-  </p:clrMapOvr>
-</p:sld>
-</file>
-
-<file path=ppt/slides/slide6.xml><?xml version="1.0" encoding="utf-8"?>
-<p:sld xmlns:a="http://schemas.openxmlformats.org/drawingml/2006/main" xmlns:r="http://schemas.openxmlformats.org/officeDocument/2006/relationships" xmlns:p="http://schemas.openxmlformats.org/presentationml/2006/main">
-  <p:cSld>
-    <p:spTree>
-      <p:nvGrpSpPr>
-        <p:cNvPr id="1" name=""/>
-        <p:cNvGrpSpPr/>
-        <p:nvPr/>
-      </p:nvGrpSpPr>
-      <p:grpSpPr>
-        <a:xfrm>
-          <a:off x="0" y="0"/>
-          <a:ext cx="0" cy="0"/>
-          <a:chOff x="0" y="0"/>
-          <a:chExt cx="0" cy="0"/>
-        </a:xfrm>
-      </p:grpSpPr>
-      <p:sp>
-        <p:nvSpPr>
-          <p:cNvPr id="2" name="Title 1">
-            <a:extLst>
-              <a:ext uri="{FF2B5EF4-FFF2-40B4-BE49-F238E27FC236}">
-                <a16:creationId xmlns:a16="http://schemas.microsoft.com/office/drawing/2014/main" id="{143D1544-6D68-4D71-AC59-460569F3DB22}"/>
-              </a:ext>
-            </a:extLst>
-          </p:cNvPr>
-          <p:cNvSpPr>
-            <a:spLocks noGrp="1"/>
-          </p:cNvSpPr>
-          <p:nvPr>
-            <p:ph type="title"/>
-          </p:nvPr>
-        </p:nvSpPr>
-        <p:spPr/>
-        <p:txBody>
-          <a:bodyPr/>
-          <a:lstStyle/>
-          <a:p>
-            <a:r>
-              <a:rPr lang="en-US" dirty="0" err="1"/>
-              <a:t>OnPush</a:t>
-            </a:r>
-            <a:endParaRPr lang="he-IL" dirty="0"/>
-          </a:p>
-        </p:txBody>
-      </p:sp>
-      <p:sp>
-        <p:nvSpPr>
-          <p:cNvPr id="3" name="Footer Placeholder 2">
-            <a:extLst>
-              <a:ext uri="{FF2B5EF4-FFF2-40B4-BE49-F238E27FC236}">
-                <a16:creationId xmlns:a16="http://schemas.microsoft.com/office/drawing/2014/main" id="{C5773D1D-9973-43E1-AE29-96235CCBDC84}"/>
-              </a:ext>
-            </a:extLst>
-          </p:cNvPr>
-          <p:cNvSpPr>
-            <a:spLocks noGrp="1"/>
-          </p:cNvSpPr>
-          <p:nvPr>
-            <p:ph type="ftr" sz="quarter" idx="11"/>
-          </p:nvPr>
-        </p:nvSpPr>
-        <p:spPr/>
-        <p:txBody>
-          <a:bodyPr/>
-          <a:lstStyle/>
-          <a:p>
-            <a:r>
-              <a:rPr lang="en-US"/>
-              <a:t>© 2018 Ori Calvo</a:t>
-            </a:r>
-            <a:endParaRPr lang="en-US" dirty="0"/>
-          </a:p>
-        </p:txBody>
-      </p:sp>
-      <p:sp>
-        <p:nvSpPr>
-          <p:cNvPr id="4" name="Slide Number Placeholder 3">
-            <a:extLst>
-              <a:ext uri="{FF2B5EF4-FFF2-40B4-BE49-F238E27FC236}">
-                <a16:creationId xmlns:a16="http://schemas.microsoft.com/office/drawing/2014/main" id="{2B263530-6B25-4A2F-BF24-4C591E2C6BCA}"/>
-              </a:ext>
-            </a:extLst>
-          </p:cNvPr>
-          <p:cNvSpPr>
-            <a:spLocks noGrp="1"/>
-          </p:cNvSpPr>
-          <p:nvPr>
-            <p:ph type="sldNum" sz="quarter" idx="12"/>
-          </p:nvPr>
-        </p:nvSpPr>
-        <p:spPr/>
-        <p:txBody>
-          <a:bodyPr>
-            <a:normAutofit fontScale="85000" lnSpcReduction="20000"/>
-          </a:bodyPr>
-          <a:lstStyle/>
-          <a:p>
-            <a:fld id="{6EDEC3BC-0694-4586-AE63-02B4D54ABF43}" type="slidenum">
-              <a:rPr lang="en-US" smtClean="0"/>
-              <a:pPr/>
-              <a:t>6</a:t>
-            </a:fld>
-            <a:endParaRPr lang="en-US"/>
-          </a:p>
-        </p:txBody>
-      </p:sp>
-      <p:sp>
-        <p:nvSpPr>
-          <p:cNvPr id="5" name="Content Placeholder 4">
-            <a:extLst>
-              <a:ext uri="{FF2B5EF4-FFF2-40B4-BE49-F238E27FC236}">
-                <a16:creationId xmlns:a16="http://schemas.microsoft.com/office/drawing/2014/main" id="{AE773C41-8672-4307-B862-07A792FC9BFA}"/>
-              </a:ext>
-            </a:extLst>
-          </p:cNvPr>
-          <p:cNvSpPr>
-            <a:spLocks noGrp="1"/>
-          </p:cNvSpPr>
-          <p:nvPr>
-            <p:ph sz="quarter" idx="1"/>
-          </p:nvPr>
-        </p:nvSpPr>
-        <p:spPr/>
-        <p:txBody>
-          <a:bodyPr/>
-          <a:lstStyle/>
-          <a:p>
-            <a:endParaRPr lang="he-IL"/>
-          </a:p>
-        </p:txBody>
-      </p:sp>
-    </p:spTree>
-    <p:extLst>
-      <p:ext uri="{BB962C8B-B14F-4D97-AF65-F5344CB8AC3E}">
-        <p14:creationId xmlns:p14="http://schemas.microsoft.com/office/powerpoint/2010/main" val="3554921720"/>
-      </p:ext>
-    </p:extLst>
-  </p:cSld>
-  <p:clrMapOvr>
-    <a:masterClrMapping/>
-  </p:clrMapOvr>
-</p:sld>
-</file>
-
-<file path=ppt/slides/slide7.xml><?xml version="1.0" encoding="utf-8"?>
-<p:sld xmlns:a="http://schemas.openxmlformats.org/drawingml/2006/main" xmlns:r="http://schemas.openxmlformats.org/officeDocument/2006/relationships" xmlns:p="http://schemas.openxmlformats.org/presentationml/2006/main">
-  <p:cSld>
-    <p:spTree>
-      <p:nvGrpSpPr>
-        <p:cNvPr id="1" name=""/>
-        <p:cNvGrpSpPr/>
-        <p:nvPr/>
-      </p:nvGrpSpPr>
-      <p:grpSpPr>
-        <a:xfrm>
-          <a:off x="0" y="0"/>
-          <a:ext cx="0" cy="0"/>
-          <a:chOff x="0" y="0"/>
-          <a:chExt cx="0" cy="0"/>
-        </a:xfrm>
-      </p:grpSpPr>
-      <p:sp>
-        <p:nvSpPr>
-          <p:cNvPr id="2" name="Title 1">
-            <a:extLst>
-              <a:ext uri="{FF2B5EF4-FFF2-40B4-BE49-F238E27FC236}">
-                <a16:creationId xmlns:a16="http://schemas.microsoft.com/office/drawing/2014/main" id="{5765550A-AFD1-48E5-94D9-036FCB638F95}"/>
-              </a:ext>
-            </a:extLst>
-          </p:cNvPr>
-          <p:cNvSpPr>
-            <a:spLocks noGrp="1"/>
-          </p:cNvSpPr>
-          <p:nvPr>
-            <p:ph type="title"/>
-          </p:nvPr>
-        </p:nvSpPr>
-        <p:spPr/>
-        <p:txBody>
-          <a:bodyPr/>
-          <a:lstStyle/>
-          <a:p>
-            <a:r>
-              <a:rPr lang="en-US" dirty="0" err="1"/>
-              <a:t>Async</a:t>
-            </a:r>
-            <a:r>
-              <a:rPr lang="en-US" dirty="0"/>
-              <a:t> Pipe</a:t>
-            </a:r>
-            <a:endParaRPr lang="he-IL" dirty="0"/>
-          </a:p>
-        </p:txBody>
-      </p:sp>
-      <p:sp>
-        <p:nvSpPr>
-          <p:cNvPr id="3" name="Footer Placeholder 2">
-            <a:extLst>
-              <a:ext uri="{FF2B5EF4-FFF2-40B4-BE49-F238E27FC236}">
-                <a16:creationId xmlns:a16="http://schemas.microsoft.com/office/drawing/2014/main" id="{F2A887BE-5082-40E9-95A4-EBE78F3816E6}"/>
-              </a:ext>
-            </a:extLst>
-          </p:cNvPr>
-          <p:cNvSpPr>
-            <a:spLocks noGrp="1"/>
-          </p:cNvSpPr>
-          <p:nvPr>
-            <p:ph type="ftr" sz="quarter" idx="11"/>
-          </p:nvPr>
-        </p:nvSpPr>
-        <p:spPr/>
-        <p:txBody>
-          <a:bodyPr/>
-          <a:lstStyle/>
-          <a:p>
-            <a:r>
-              <a:rPr lang="en-US"/>
-              <a:t>© 2018 Ori Calvo</a:t>
-            </a:r>
-            <a:endParaRPr lang="en-US" dirty="0"/>
-          </a:p>
-        </p:txBody>
-      </p:sp>
-      <p:sp>
-        <p:nvSpPr>
-          <p:cNvPr id="4" name="Slide Number Placeholder 3">
-            <a:extLst>
-              <a:ext uri="{FF2B5EF4-FFF2-40B4-BE49-F238E27FC236}">
-                <a16:creationId xmlns:a16="http://schemas.microsoft.com/office/drawing/2014/main" id="{C0BAE0D3-8712-4044-9695-056A29C72A36}"/>
-              </a:ext>
-            </a:extLst>
-          </p:cNvPr>
-          <p:cNvSpPr>
-            <a:spLocks noGrp="1"/>
-          </p:cNvSpPr>
-          <p:nvPr>
-            <p:ph type="sldNum" sz="quarter" idx="12"/>
-          </p:nvPr>
-        </p:nvSpPr>
-        <p:spPr/>
-        <p:txBody>
-          <a:bodyPr>
-            <a:normAutofit fontScale="85000" lnSpcReduction="20000"/>
-          </a:bodyPr>
-          <a:lstStyle/>
-          <a:p>
-            <a:fld id="{6EDEC3BC-0694-4586-AE63-02B4D54ABF43}" type="slidenum">
-              <a:rPr lang="en-US" smtClean="0"/>
-              <a:pPr/>
-              <a:t>7</a:t>
-            </a:fld>
-            <a:endParaRPr lang="en-US"/>
-          </a:p>
-        </p:txBody>
-      </p:sp>
-      <p:sp>
-        <p:nvSpPr>
-          <p:cNvPr id="5" name="Content Placeholder 4">
-            <a:extLst>
-              <a:ext uri="{FF2B5EF4-FFF2-40B4-BE49-F238E27FC236}">
-                <a16:creationId xmlns:a16="http://schemas.microsoft.com/office/drawing/2014/main" id="{6B2464DD-CC18-4B43-A154-DD8C7A83887B}"/>
-              </a:ext>
-            </a:extLst>
-          </p:cNvPr>
-          <p:cNvSpPr>
-            <a:spLocks noGrp="1"/>
-          </p:cNvSpPr>
-          <p:nvPr>
-            <p:ph sz="quarter" idx="1"/>
-          </p:nvPr>
-        </p:nvSpPr>
-        <p:spPr/>
-        <p:txBody>
-          <a:bodyPr/>
-          <a:lstStyle/>
-          <a:p>
-            <a:endParaRPr lang="he-IL"/>
-          </a:p>
-        </p:txBody>
-      </p:sp>
-    </p:spTree>
-    <p:extLst>
-      <p:ext uri="{BB962C8B-B14F-4D97-AF65-F5344CB8AC3E}">
-        <p14:creationId xmlns:p14="http://schemas.microsoft.com/office/powerpoint/2010/main" val="2185429748"/>
-      </p:ext>
-    </p:extLst>
-  </p:cSld>
-  <p:clrMapOvr>
-    <a:masterClrMapping/>
-  </p:clrMapOvr>
-</p:sld>
-</file>
-
-<file path=ppt/slides/slide8.xml><?xml version="1.0" encoding="utf-8"?>
-<p:sld xmlns:a="http://schemas.openxmlformats.org/drawingml/2006/main" xmlns:r="http://schemas.openxmlformats.org/officeDocument/2006/relationships" xmlns:p="http://schemas.openxmlformats.org/presentationml/2006/main">
-  <p:cSld>
-    <p:spTree>
-      <p:nvGrpSpPr>
-        <p:cNvPr id="1" name=""/>
-        <p:cNvGrpSpPr/>
-        <p:nvPr/>
-      </p:nvGrpSpPr>
-      <p:grpSpPr>
-        <a:xfrm>
-          <a:off x="0" y="0"/>
-          <a:ext cx="0" cy="0"/>
-          <a:chOff x="0" y="0"/>
-          <a:chExt cx="0" cy="0"/>
-        </a:xfrm>
-      </p:grpSpPr>
-      <p:sp>
-        <p:nvSpPr>
-          <p:cNvPr id="2" name="Title 1">
-            <a:extLst>
-              <a:ext uri="{FF2B5EF4-FFF2-40B4-BE49-F238E27FC236}">
-                <a16:creationId xmlns:a16="http://schemas.microsoft.com/office/drawing/2014/main" id="{BD3D2600-3F86-4A30-B56C-18843521D9AA}"/>
-              </a:ext>
-            </a:extLst>
-          </p:cNvPr>
-          <p:cNvSpPr>
-            <a:spLocks noGrp="1"/>
-          </p:cNvSpPr>
-          <p:nvPr>
-            <p:ph type="title"/>
-          </p:nvPr>
-        </p:nvSpPr>
-        <p:spPr/>
-        <p:txBody>
-          <a:bodyPr/>
-          <a:lstStyle/>
-          <a:p>
-            <a:r>
-              <a:rPr lang="en-US" dirty="0"/>
-              <a:t>Take Full Control</a:t>
-            </a:r>
-            <a:endParaRPr lang="he-IL" dirty="0"/>
-          </a:p>
-        </p:txBody>
-      </p:sp>
-      <p:sp>
-        <p:nvSpPr>
-          <p:cNvPr id="3" name="Footer Placeholder 2">
-            <a:extLst>
-              <a:ext uri="{FF2B5EF4-FFF2-40B4-BE49-F238E27FC236}">
-                <a16:creationId xmlns:a16="http://schemas.microsoft.com/office/drawing/2014/main" id="{0459BC2D-68DC-4FC7-85BB-C06F305464AC}"/>
-              </a:ext>
-            </a:extLst>
-          </p:cNvPr>
-          <p:cNvSpPr>
-            <a:spLocks noGrp="1"/>
-          </p:cNvSpPr>
-          <p:nvPr>
-            <p:ph type="ftr" sz="quarter" idx="11"/>
-          </p:nvPr>
-        </p:nvSpPr>
-        <p:spPr/>
-        <p:txBody>
-          <a:bodyPr/>
-          <a:lstStyle/>
-          <a:p>
-            <a:r>
-              <a:rPr lang="en-US"/>
-              <a:t>© 2018 Ori Calvo</a:t>
-            </a:r>
-            <a:endParaRPr lang="en-US" dirty="0"/>
-          </a:p>
-        </p:txBody>
-      </p:sp>
-      <p:sp>
-        <p:nvSpPr>
-          <p:cNvPr id="4" name="Slide Number Placeholder 3">
-            <a:extLst>
-              <a:ext uri="{FF2B5EF4-FFF2-40B4-BE49-F238E27FC236}">
-                <a16:creationId xmlns:a16="http://schemas.microsoft.com/office/drawing/2014/main" id="{785FFF80-806F-4EE9-B4A9-5637537FA91C}"/>
-              </a:ext>
-            </a:extLst>
-          </p:cNvPr>
-          <p:cNvSpPr>
-            <a:spLocks noGrp="1"/>
-          </p:cNvSpPr>
-          <p:nvPr>
-            <p:ph type="sldNum" sz="quarter" idx="12"/>
-          </p:nvPr>
-        </p:nvSpPr>
-        <p:spPr/>
-        <p:txBody>
-          <a:bodyPr>
-            <a:normAutofit fontScale="85000" lnSpcReduction="20000"/>
-          </a:bodyPr>
-          <a:lstStyle/>
-          <a:p>
-            <a:fld id="{6EDEC3BC-0694-4586-AE63-02B4D54ABF43}" type="slidenum">
-              <a:rPr lang="en-US" smtClean="0"/>
-              <a:pPr/>
-              <a:t>8</a:t>
-            </a:fld>
-            <a:endParaRPr lang="en-US"/>
-          </a:p>
-        </p:txBody>
-      </p:sp>
-      <p:sp>
-        <p:nvSpPr>
-          <p:cNvPr id="5" name="Content Placeholder 4">
-            <a:extLst>
-              <a:ext uri="{FF2B5EF4-FFF2-40B4-BE49-F238E27FC236}">
-                <a16:creationId xmlns:a16="http://schemas.microsoft.com/office/drawing/2014/main" id="{34145941-BB3A-43D4-BE6F-9DF2A9DCD78B}"/>
-              </a:ext>
-            </a:extLst>
-          </p:cNvPr>
-          <p:cNvSpPr>
-            <a:spLocks noGrp="1"/>
-          </p:cNvSpPr>
-          <p:nvPr>
-            <p:ph sz="quarter" idx="1"/>
-          </p:nvPr>
-        </p:nvSpPr>
-        <p:spPr/>
-        <p:txBody>
-          <a:bodyPr/>
-          <a:lstStyle/>
-          <a:p>
-            <a:endParaRPr lang="he-IL"/>
-          </a:p>
-        </p:txBody>
-      </p:sp>
-    </p:spTree>
-    <p:extLst>
-      <p:ext uri="{BB962C8B-B14F-4D97-AF65-F5344CB8AC3E}">
-        <p14:creationId xmlns:p14="http://schemas.microsoft.com/office/powerpoint/2010/main" val="521662836"/>
-      </p:ext>
-    </p:extLst>
-  </p:cSld>
-  <p:clrMapOvr>
-    <a:masterClrMapping/>
-  </p:clrMapOvr>
-</p:sld>
-</file>
-
-<file path=ppt/slides/slide9.xml><?xml version="1.0" encoding="utf-8"?>
-<p:sld xmlns:a="http://schemas.openxmlformats.org/drawingml/2006/main" xmlns:r="http://schemas.openxmlformats.org/officeDocument/2006/relationships" xmlns:p="http://schemas.openxmlformats.org/presentationml/2006/main">
-  <p:cSld>
-    <p:spTree>
-      <p:nvGrpSpPr>
-        <p:cNvPr id="1" name=""/>
-        <p:cNvGrpSpPr/>
-        <p:nvPr/>
-      </p:nvGrpSpPr>
-      <p:grpSpPr>
-        <a:xfrm>
-          <a:off x="0" y="0"/>
-          <a:ext cx="0" cy="0"/>
-          <a:chOff x="0" y="0"/>
-          <a:chExt cx="0" cy="0"/>
-        </a:xfrm>
-      </p:grpSpPr>
-      <p:sp>
-        <p:nvSpPr>
-          <p:cNvPr id="2" name="Title 1"/>
-          <p:cNvSpPr>
-            <a:spLocks noGrp="1"/>
-          </p:cNvSpPr>
-          <p:nvPr>
-            <p:ph type="title"/>
-          </p:nvPr>
-        </p:nvSpPr>
-        <p:spPr/>
-        <p:txBody>
-          <a:bodyPr/>
-          <a:lstStyle/>
-          <a:p>
-            <a:r>
-              <a:rPr lang="en-US" dirty="0"/>
-              <a:t>Be aware of Cascading</a:t>
-            </a:r>
-            <a:endParaRPr lang="he-IL" dirty="0"/>
-          </a:p>
-        </p:txBody>
-      </p:sp>
-      <p:sp>
-        <p:nvSpPr>
-          <p:cNvPr id="3" name="Footer Placeholder 2"/>
-          <p:cNvSpPr>
-            <a:spLocks noGrp="1"/>
-          </p:cNvSpPr>
-          <p:nvPr>
-            <p:ph type="ftr" sz="quarter" idx="11"/>
-          </p:nvPr>
-        </p:nvSpPr>
-        <p:spPr/>
-        <p:txBody>
-          <a:bodyPr/>
-          <a:lstStyle/>
-          <a:p>
-            <a:r>
-              <a:rPr lang="en-US"/>
-              <a:t>© 2018 Ori Calvo</a:t>
-            </a:r>
-            <a:endParaRPr lang="en-US" dirty="0"/>
-          </a:p>
-        </p:txBody>
-      </p:sp>
-      <p:sp>
-        <p:nvSpPr>
-          <p:cNvPr id="4" name="Slide Number Placeholder 3"/>
-          <p:cNvSpPr>
-            <a:spLocks noGrp="1"/>
-          </p:cNvSpPr>
-          <p:nvPr>
-            <p:ph type="sldNum" sz="quarter" idx="12"/>
-          </p:nvPr>
-        </p:nvSpPr>
-        <p:spPr/>
-        <p:txBody>
-          <a:bodyPr>
-            <a:normAutofit fontScale="85000" lnSpcReduction="20000"/>
-          </a:bodyPr>
-          <a:lstStyle/>
-          <a:p>
-            <a:fld id="{6EDEC3BC-0694-4586-AE63-02B4D54ABF43}" type="slidenum">
-              <a:rPr lang="en-US" smtClean="0"/>
-              <a:pPr/>
-              <a:t>9</a:t>
             </a:fld>
             <a:endParaRPr lang="en-US"/>
           </a:p>
@@ -7062,6 +5518,2172 @@
     <p:extLst>
       <p:ext uri="{BB962C8B-B14F-4D97-AF65-F5344CB8AC3E}">
         <p14:creationId xmlns:p14="http://schemas.microsoft.com/office/powerpoint/2010/main" val="374646537"/>
+      </p:ext>
+    </p:extLst>
+  </p:cSld>
+  <p:clrMapOvr>
+    <a:masterClrMapping/>
+  </p:clrMapOvr>
+</p:sld>
+</file>
+
+<file path=ppt/slides/slide12.xml><?xml version="1.0" encoding="utf-8"?>
+<p:sld xmlns:a="http://schemas.openxmlformats.org/drawingml/2006/main" xmlns:r="http://schemas.openxmlformats.org/officeDocument/2006/relationships" xmlns:p="http://schemas.openxmlformats.org/presentationml/2006/main">
+  <p:cSld>
+    <p:spTree>
+      <p:nvGrpSpPr>
+        <p:cNvPr id="1" name=""/>
+        <p:cNvGrpSpPr/>
+        <p:nvPr/>
+      </p:nvGrpSpPr>
+      <p:grpSpPr>
+        <a:xfrm>
+          <a:off x="0" y="0"/>
+          <a:ext cx="0" cy="0"/>
+          <a:chOff x="0" y="0"/>
+          <a:chExt cx="0" cy="0"/>
+        </a:xfrm>
+      </p:grpSpPr>
+      <p:sp>
+        <p:nvSpPr>
+          <p:cNvPr id="2" name="Title 1">
+            <a:extLst>
+              <a:ext uri="{FF2B5EF4-FFF2-40B4-BE49-F238E27FC236}">
+                <a16:creationId xmlns:a16="http://schemas.microsoft.com/office/drawing/2014/main" id="{9C055714-807D-4FCD-8D5F-6ADE371CAD05}"/>
+              </a:ext>
+            </a:extLst>
+          </p:cNvPr>
+          <p:cNvSpPr>
+            <a:spLocks noGrp="1"/>
+          </p:cNvSpPr>
+          <p:nvPr>
+            <p:ph type="title"/>
+          </p:nvPr>
+        </p:nvSpPr>
+        <p:spPr/>
+        <p:txBody>
+          <a:bodyPr/>
+          <a:lstStyle/>
+          <a:p>
+            <a:r>
+              <a:rPr lang="en-US" dirty="0"/>
+              <a:t>Memory Profiling</a:t>
+            </a:r>
+            <a:endParaRPr lang="he-IL" dirty="0"/>
+          </a:p>
+        </p:txBody>
+      </p:sp>
+      <p:sp>
+        <p:nvSpPr>
+          <p:cNvPr id="3" name="Footer Placeholder 2">
+            <a:extLst>
+              <a:ext uri="{FF2B5EF4-FFF2-40B4-BE49-F238E27FC236}">
+                <a16:creationId xmlns:a16="http://schemas.microsoft.com/office/drawing/2014/main" id="{431F83B4-98CA-454C-AE4E-E2B5CCEE26A1}"/>
+              </a:ext>
+            </a:extLst>
+          </p:cNvPr>
+          <p:cNvSpPr>
+            <a:spLocks noGrp="1"/>
+          </p:cNvSpPr>
+          <p:nvPr>
+            <p:ph type="ftr" sz="quarter" idx="11"/>
+          </p:nvPr>
+        </p:nvSpPr>
+        <p:spPr/>
+        <p:txBody>
+          <a:bodyPr/>
+          <a:lstStyle/>
+          <a:p>
+            <a:r>
+              <a:rPr lang="en-US"/>
+              <a:t>© 2018 Ori Calvo</a:t>
+            </a:r>
+            <a:endParaRPr lang="en-US" dirty="0"/>
+          </a:p>
+        </p:txBody>
+      </p:sp>
+      <p:sp>
+        <p:nvSpPr>
+          <p:cNvPr id="4" name="Slide Number Placeholder 3">
+            <a:extLst>
+              <a:ext uri="{FF2B5EF4-FFF2-40B4-BE49-F238E27FC236}">
+                <a16:creationId xmlns:a16="http://schemas.microsoft.com/office/drawing/2014/main" id="{75EC0604-7C31-4C75-8178-9FC2DAED6CDA}"/>
+              </a:ext>
+            </a:extLst>
+          </p:cNvPr>
+          <p:cNvSpPr>
+            <a:spLocks noGrp="1"/>
+          </p:cNvSpPr>
+          <p:nvPr>
+            <p:ph type="sldNum" sz="quarter" idx="12"/>
+          </p:nvPr>
+        </p:nvSpPr>
+        <p:spPr/>
+        <p:txBody>
+          <a:bodyPr>
+            <a:normAutofit fontScale="85000" lnSpcReduction="20000"/>
+          </a:bodyPr>
+          <a:lstStyle/>
+          <a:p>
+            <a:fld id="{6EDEC3BC-0694-4586-AE63-02B4D54ABF43}" type="slidenum">
+              <a:rPr lang="en-US" smtClean="0"/>
+              <a:pPr/>
+              <a:t>12</a:t>
+            </a:fld>
+            <a:endParaRPr lang="en-US"/>
+          </a:p>
+        </p:txBody>
+      </p:sp>
+      <p:sp>
+        <p:nvSpPr>
+          <p:cNvPr id="5" name="Content Placeholder 4">
+            <a:extLst>
+              <a:ext uri="{FF2B5EF4-FFF2-40B4-BE49-F238E27FC236}">
+                <a16:creationId xmlns:a16="http://schemas.microsoft.com/office/drawing/2014/main" id="{80E8F68E-5835-47C8-B3D0-FB5D4A0302F4}"/>
+              </a:ext>
+            </a:extLst>
+          </p:cNvPr>
+          <p:cNvSpPr>
+            <a:spLocks noGrp="1"/>
+          </p:cNvSpPr>
+          <p:nvPr>
+            <p:ph sz="quarter" idx="1"/>
+          </p:nvPr>
+        </p:nvSpPr>
+        <p:spPr/>
+        <p:txBody>
+          <a:bodyPr/>
+          <a:lstStyle/>
+          <a:p>
+            <a:endParaRPr lang="he-IL"/>
+          </a:p>
+        </p:txBody>
+      </p:sp>
+    </p:spTree>
+    <p:extLst>
+      <p:ext uri="{BB962C8B-B14F-4D97-AF65-F5344CB8AC3E}">
+        <p14:creationId xmlns:p14="http://schemas.microsoft.com/office/powerpoint/2010/main" val="1912152949"/>
+      </p:ext>
+    </p:extLst>
+  </p:cSld>
+  <p:clrMapOvr>
+    <a:masterClrMapping/>
+  </p:clrMapOvr>
+</p:sld>
+</file>
+
+<file path=ppt/slides/slide13.xml><?xml version="1.0" encoding="utf-8"?>
+<p:sld xmlns:a="http://schemas.openxmlformats.org/drawingml/2006/main" xmlns:r="http://schemas.openxmlformats.org/officeDocument/2006/relationships" xmlns:p="http://schemas.openxmlformats.org/presentationml/2006/main">
+  <p:cSld>
+    <p:spTree>
+      <p:nvGrpSpPr>
+        <p:cNvPr id="1" name=""/>
+        <p:cNvGrpSpPr/>
+        <p:nvPr/>
+      </p:nvGrpSpPr>
+      <p:grpSpPr>
+        <a:xfrm>
+          <a:off x="0" y="0"/>
+          <a:ext cx="0" cy="0"/>
+          <a:chOff x="0" y="0"/>
+          <a:chExt cx="0" cy="0"/>
+        </a:xfrm>
+      </p:grpSpPr>
+      <p:sp>
+        <p:nvSpPr>
+          <p:cNvPr id="2" name="Title 1">
+            <a:extLst>
+              <a:ext uri="{FF2B5EF4-FFF2-40B4-BE49-F238E27FC236}">
+                <a16:creationId xmlns:a16="http://schemas.microsoft.com/office/drawing/2014/main" id="{319EF3EC-649B-4053-B512-3CBFF9895B05}"/>
+              </a:ext>
+            </a:extLst>
+          </p:cNvPr>
+          <p:cNvSpPr>
+            <a:spLocks noGrp="1"/>
+          </p:cNvSpPr>
+          <p:nvPr>
+            <p:ph type="title"/>
+          </p:nvPr>
+        </p:nvSpPr>
+        <p:spPr/>
+        <p:txBody>
+          <a:bodyPr/>
+          <a:lstStyle/>
+          <a:p>
+            <a:r>
+              <a:rPr lang="en-US" dirty="0"/>
+              <a:t>Reduce Build Time</a:t>
+            </a:r>
+            <a:endParaRPr lang="he-IL" dirty="0"/>
+          </a:p>
+        </p:txBody>
+      </p:sp>
+      <p:sp>
+        <p:nvSpPr>
+          <p:cNvPr id="3" name="Footer Placeholder 2">
+            <a:extLst>
+              <a:ext uri="{FF2B5EF4-FFF2-40B4-BE49-F238E27FC236}">
+                <a16:creationId xmlns:a16="http://schemas.microsoft.com/office/drawing/2014/main" id="{5B1988C8-2EE8-47C9-BDE5-0CE76C34BF5D}"/>
+              </a:ext>
+            </a:extLst>
+          </p:cNvPr>
+          <p:cNvSpPr>
+            <a:spLocks noGrp="1"/>
+          </p:cNvSpPr>
+          <p:nvPr>
+            <p:ph type="ftr" sz="quarter" idx="11"/>
+          </p:nvPr>
+        </p:nvSpPr>
+        <p:spPr/>
+        <p:txBody>
+          <a:bodyPr/>
+          <a:lstStyle/>
+          <a:p>
+            <a:r>
+              <a:rPr lang="en-US"/>
+              <a:t>© 2018 Ori Calvo</a:t>
+            </a:r>
+            <a:endParaRPr lang="en-US" dirty="0"/>
+          </a:p>
+        </p:txBody>
+      </p:sp>
+      <p:sp>
+        <p:nvSpPr>
+          <p:cNvPr id="4" name="Slide Number Placeholder 3">
+            <a:extLst>
+              <a:ext uri="{FF2B5EF4-FFF2-40B4-BE49-F238E27FC236}">
+                <a16:creationId xmlns:a16="http://schemas.microsoft.com/office/drawing/2014/main" id="{DACFA08C-5E55-4B50-9AC8-E55886C68573}"/>
+              </a:ext>
+            </a:extLst>
+          </p:cNvPr>
+          <p:cNvSpPr>
+            <a:spLocks noGrp="1"/>
+          </p:cNvSpPr>
+          <p:nvPr>
+            <p:ph type="sldNum" sz="quarter" idx="12"/>
+          </p:nvPr>
+        </p:nvSpPr>
+        <p:spPr/>
+        <p:txBody>
+          <a:bodyPr>
+            <a:normAutofit fontScale="85000" lnSpcReduction="20000"/>
+          </a:bodyPr>
+          <a:lstStyle/>
+          <a:p>
+            <a:fld id="{6EDEC3BC-0694-4586-AE63-02B4D54ABF43}" type="slidenum">
+              <a:rPr lang="en-US" smtClean="0"/>
+              <a:pPr/>
+              <a:t>13</a:t>
+            </a:fld>
+            <a:endParaRPr lang="en-US"/>
+          </a:p>
+        </p:txBody>
+      </p:sp>
+      <p:sp>
+        <p:nvSpPr>
+          <p:cNvPr id="5" name="Content Placeholder 4">
+            <a:extLst>
+              <a:ext uri="{FF2B5EF4-FFF2-40B4-BE49-F238E27FC236}">
+                <a16:creationId xmlns:a16="http://schemas.microsoft.com/office/drawing/2014/main" id="{AB1D257E-9360-40F6-B9CA-382C9218B483}"/>
+              </a:ext>
+            </a:extLst>
+          </p:cNvPr>
+          <p:cNvSpPr>
+            <a:spLocks noGrp="1"/>
+          </p:cNvSpPr>
+          <p:nvPr>
+            <p:ph sz="quarter" idx="1"/>
+          </p:nvPr>
+        </p:nvSpPr>
+        <p:spPr/>
+        <p:txBody>
+          <a:bodyPr/>
+          <a:lstStyle/>
+          <a:p>
+            <a:endParaRPr lang="he-IL"/>
+          </a:p>
+        </p:txBody>
+      </p:sp>
+    </p:spTree>
+    <p:extLst>
+      <p:ext uri="{BB962C8B-B14F-4D97-AF65-F5344CB8AC3E}">
+        <p14:creationId xmlns:p14="http://schemas.microsoft.com/office/powerpoint/2010/main" val="1192187413"/>
+      </p:ext>
+    </p:extLst>
+  </p:cSld>
+  <p:clrMapOvr>
+    <a:masterClrMapping/>
+  </p:clrMapOvr>
+</p:sld>
+</file>
+
+<file path=ppt/slides/slide14.xml><?xml version="1.0" encoding="utf-8"?>
+<p:sld xmlns:a="http://schemas.openxmlformats.org/drawingml/2006/main" xmlns:r="http://schemas.openxmlformats.org/officeDocument/2006/relationships" xmlns:p="http://schemas.openxmlformats.org/presentationml/2006/main">
+  <p:cSld>
+    <p:spTree>
+      <p:nvGrpSpPr>
+        <p:cNvPr id="1" name=""/>
+        <p:cNvGrpSpPr/>
+        <p:nvPr/>
+      </p:nvGrpSpPr>
+      <p:grpSpPr>
+        <a:xfrm>
+          <a:off x="0" y="0"/>
+          <a:ext cx="0" cy="0"/>
+          <a:chOff x="0" y="0"/>
+          <a:chExt cx="0" cy="0"/>
+        </a:xfrm>
+      </p:grpSpPr>
+      <p:sp>
+        <p:nvSpPr>
+          <p:cNvPr id="2" name="Title 1">
+            <a:extLst>
+              <a:ext uri="{FF2B5EF4-FFF2-40B4-BE49-F238E27FC236}">
+                <a16:creationId xmlns:a16="http://schemas.microsoft.com/office/drawing/2014/main" id="{1CA7EAFB-3EB9-4B20-B49D-0642ECE1813E}"/>
+              </a:ext>
+            </a:extLst>
+          </p:cNvPr>
+          <p:cNvSpPr>
+            <a:spLocks noGrp="1"/>
+          </p:cNvSpPr>
+          <p:nvPr>
+            <p:ph type="title"/>
+          </p:nvPr>
+        </p:nvSpPr>
+        <p:spPr/>
+        <p:txBody>
+          <a:bodyPr/>
+          <a:lstStyle/>
+          <a:p>
+            <a:r>
+              <a:rPr lang="en-US" dirty="0"/>
+              <a:t>Reduce Bundle Size</a:t>
+            </a:r>
+            <a:endParaRPr lang="he-IL" dirty="0"/>
+          </a:p>
+        </p:txBody>
+      </p:sp>
+      <p:sp>
+        <p:nvSpPr>
+          <p:cNvPr id="3" name="Footer Placeholder 2">
+            <a:extLst>
+              <a:ext uri="{FF2B5EF4-FFF2-40B4-BE49-F238E27FC236}">
+                <a16:creationId xmlns:a16="http://schemas.microsoft.com/office/drawing/2014/main" id="{36244A4F-03D8-440D-BFF4-261DFF71B7AE}"/>
+              </a:ext>
+            </a:extLst>
+          </p:cNvPr>
+          <p:cNvSpPr>
+            <a:spLocks noGrp="1"/>
+          </p:cNvSpPr>
+          <p:nvPr>
+            <p:ph type="ftr" sz="quarter" idx="11"/>
+          </p:nvPr>
+        </p:nvSpPr>
+        <p:spPr/>
+        <p:txBody>
+          <a:bodyPr/>
+          <a:lstStyle/>
+          <a:p>
+            <a:r>
+              <a:rPr lang="en-US"/>
+              <a:t>© 2018 Ori Calvo</a:t>
+            </a:r>
+            <a:endParaRPr lang="en-US" dirty="0"/>
+          </a:p>
+        </p:txBody>
+      </p:sp>
+      <p:sp>
+        <p:nvSpPr>
+          <p:cNvPr id="4" name="Slide Number Placeholder 3">
+            <a:extLst>
+              <a:ext uri="{FF2B5EF4-FFF2-40B4-BE49-F238E27FC236}">
+                <a16:creationId xmlns:a16="http://schemas.microsoft.com/office/drawing/2014/main" id="{8D764C44-B2C9-4DB9-AB66-E30BD0515ACA}"/>
+              </a:ext>
+            </a:extLst>
+          </p:cNvPr>
+          <p:cNvSpPr>
+            <a:spLocks noGrp="1"/>
+          </p:cNvSpPr>
+          <p:nvPr>
+            <p:ph type="sldNum" sz="quarter" idx="12"/>
+          </p:nvPr>
+        </p:nvSpPr>
+        <p:spPr/>
+        <p:txBody>
+          <a:bodyPr>
+            <a:normAutofit fontScale="85000" lnSpcReduction="20000"/>
+          </a:bodyPr>
+          <a:lstStyle/>
+          <a:p>
+            <a:fld id="{6EDEC3BC-0694-4586-AE63-02B4D54ABF43}" type="slidenum">
+              <a:rPr lang="en-US" smtClean="0"/>
+              <a:pPr/>
+              <a:t>14</a:t>
+            </a:fld>
+            <a:endParaRPr lang="en-US"/>
+          </a:p>
+        </p:txBody>
+      </p:sp>
+      <p:sp>
+        <p:nvSpPr>
+          <p:cNvPr id="5" name="Content Placeholder 4">
+            <a:extLst>
+              <a:ext uri="{FF2B5EF4-FFF2-40B4-BE49-F238E27FC236}">
+                <a16:creationId xmlns:a16="http://schemas.microsoft.com/office/drawing/2014/main" id="{966F93F3-6F11-4C04-B115-55DDEF315133}"/>
+              </a:ext>
+            </a:extLst>
+          </p:cNvPr>
+          <p:cNvSpPr>
+            <a:spLocks noGrp="1"/>
+          </p:cNvSpPr>
+          <p:nvPr>
+            <p:ph sz="quarter" idx="1"/>
+          </p:nvPr>
+        </p:nvSpPr>
+        <p:spPr/>
+        <p:txBody>
+          <a:bodyPr/>
+          <a:lstStyle/>
+          <a:p>
+            <a:endParaRPr lang="he-IL"/>
+          </a:p>
+        </p:txBody>
+      </p:sp>
+    </p:spTree>
+    <p:extLst>
+      <p:ext uri="{BB962C8B-B14F-4D97-AF65-F5344CB8AC3E}">
+        <p14:creationId xmlns:p14="http://schemas.microsoft.com/office/powerpoint/2010/main" val="3665427136"/>
+      </p:ext>
+    </p:extLst>
+  </p:cSld>
+  <p:clrMapOvr>
+    <a:masterClrMapping/>
+  </p:clrMapOvr>
+</p:sld>
+</file>
+
+<file path=ppt/slides/slide15.xml><?xml version="1.0" encoding="utf-8"?>
+<p:sld xmlns:a="http://schemas.openxmlformats.org/drawingml/2006/main" xmlns:r="http://schemas.openxmlformats.org/officeDocument/2006/relationships" xmlns:p="http://schemas.openxmlformats.org/presentationml/2006/main">
+  <p:cSld>
+    <p:spTree>
+      <p:nvGrpSpPr>
+        <p:cNvPr id="1" name=""/>
+        <p:cNvGrpSpPr/>
+        <p:nvPr/>
+      </p:nvGrpSpPr>
+      <p:grpSpPr>
+        <a:xfrm>
+          <a:off x="0" y="0"/>
+          <a:ext cx="0" cy="0"/>
+          <a:chOff x="0" y="0"/>
+          <a:chExt cx="0" cy="0"/>
+        </a:xfrm>
+      </p:grpSpPr>
+      <p:sp>
+        <p:nvSpPr>
+          <p:cNvPr id="2" name="Title 1"/>
+          <p:cNvSpPr>
+            <a:spLocks noGrp="1"/>
+          </p:cNvSpPr>
+          <p:nvPr>
+            <p:ph type="title"/>
+          </p:nvPr>
+        </p:nvSpPr>
+        <p:spPr/>
+        <p:txBody>
+          <a:bodyPr/>
+          <a:lstStyle/>
+          <a:p>
+            <a:r>
+              <a:rPr lang="en-US" dirty="0"/>
+              <a:t>Summary</a:t>
+            </a:r>
+            <a:endParaRPr lang="he-IL" dirty="0"/>
+          </a:p>
+        </p:txBody>
+      </p:sp>
+      <p:sp>
+        <p:nvSpPr>
+          <p:cNvPr id="3" name="Footer Placeholder 2"/>
+          <p:cNvSpPr>
+            <a:spLocks noGrp="1"/>
+          </p:cNvSpPr>
+          <p:nvPr>
+            <p:ph type="ftr" sz="quarter" idx="11"/>
+          </p:nvPr>
+        </p:nvSpPr>
+        <p:spPr/>
+        <p:txBody>
+          <a:bodyPr/>
+          <a:lstStyle/>
+          <a:p>
+            <a:r>
+              <a:rPr lang="en-US"/>
+              <a:t>© 2018 Ori Calvo</a:t>
+            </a:r>
+            <a:endParaRPr lang="en-US" dirty="0"/>
+          </a:p>
+        </p:txBody>
+      </p:sp>
+      <p:sp>
+        <p:nvSpPr>
+          <p:cNvPr id="4" name="Slide Number Placeholder 3"/>
+          <p:cNvSpPr>
+            <a:spLocks noGrp="1"/>
+          </p:cNvSpPr>
+          <p:nvPr>
+            <p:ph type="sldNum" sz="quarter" idx="12"/>
+          </p:nvPr>
+        </p:nvSpPr>
+        <p:spPr/>
+        <p:txBody>
+          <a:bodyPr>
+            <a:normAutofit fontScale="85000" lnSpcReduction="20000"/>
+          </a:bodyPr>
+          <a:lstStyle/>
+          <a:p>
+            <a:fld id="{6EDEC3BC-0694-4586-AE63-02B4D54ABF43}" type="slidenum">
+              <a:rPr lang="en-US" smtClean="0"/>
+              <a:pPr/>
+              <a:t>15</a:t>
+            </a:fld>
+            <a:endParaRPr lang="en-US"/>
+          </a:p>
+        </p:txBody>
+      </p:sp>
+      <p:sp>
+        <p:nvSpPr>
+          <p:cNvPr id="5" name="Content Placeholder 4"/>
+          <p:cNvSpPr>
+            <a:spLocks noGrp="1"/>
+          </p:cNvSpPr>
+          <p:nvPr>
+            <p:ph sz="quarter" idx="1"/>
+          </p:nvPr>
+        </p:nvSpPr>
+        <p:spPr/>
+        <p:txBody>
+          <a:bodyPr/>
+          <a:lstStyle/>
+          <a:p>
+            <a:r>
+              <a:rPr lang="en-US" dirty="0"/>
+              <a:t>There are many aspects to consider when implementing a component</a:t>
+            </a:r>
+          </a:p>
+          <a:p>
+            <a:r>
+              <a:rPr lang="en-US" dirty="0"/>
+              <a:t>Most of the time Angular’s defaults are good enough</a:t>
+            </a:r>
+          </a:p>
+          <a:p>
+            <a:r>
+              <a:rPr lang="en-US" dirty="0"/>
+              <a:t>You may want to customize</a:t>
+            </a:r>
+          </a:p>
+          <a:p>
+            <a:pPr lvl="1"/>
+            <a:r>
+              <a:rPr lang="en-US" dirty="0"/>
+              <a:t>View Encapsulation</a:t>
+            </a:r>
+          </a:p>
+          <a:p>
+            <a:pPr lvl="1"/>
+            <a:r>
+              <a:rPr lang="en-US" dirty="0"/>
+              <a:t>Lifecyle Hooks</a:t>
+            </a:r>
+          </a:p>
+          <a:p>
+            <a:pPr lvl="1"/>
+            <a:r>
+              <a:rPr lang="en-US" dirty="0"/>
+              <a:t>Pipes</a:t>
+            </a:r>
+          </a:p>
+          <a:p>
+            <a:pPr lvl="1"/>
+            <a:r>
+              <a:rPr lang="en-US"/>
+              <a:t>More …</a:t>
+            </a:r>
+            <a:endParaRPr lang="he-IL" dirty="0"/>
+          </a:p>
+        </p:txBody>
+      </p:sp>
+    </p:spTree>
+    <p:extLst>
+      <p:ext uri="{BB962C8B-B14F-4D97-AF65-F5344CB8AC3E}">
+        <p14:creationId xmlns:p14="http://schemas.microsoft.com/office/powerpoint/2010/main" val="3213081550"/>
+      </p:ext>
+    </p:extLst>
+  </p:cSld>
+  <p:clrMapOvr>
+    <a:masterClrMapping/>
+  </p:clrMapOvr>
+</p:sld>
+</file>
+
+<file path=ppt/slides/slide2.xml><?xml version="1.0" encoding="utf-8"?>
+<p:sld xmlns:a="http://schemas.openxmlformats.org/drawingml/2006/main" xmlns:r="http://schemas.openxmlformats.org/officeDocument/2006/relationships" xmlns:p="http://schemas.openxmlformats.org/presentationml/2006/main">
+  <p:cSld>
+    <p:spTree>
+      <p:nvGrpSpPr>
+        <p:cNvPr id="1" name=""/>
+        <p:cNvGrpSpPr/>
+        <p:nvPr/>
+      </p:nvGrpSpPr>
+      <p:grpSpPr>
+        <a:xfrm>
+          <a:off x="0" y="0"/>
+          <a:ext cx="0" cy="0"/>
+          <a:chOff x="0" y="0"/>
+          <a:chExt cx="0" cy="0"/>
+        </a:xfrm>
+      </p:grpSpPr>
+      <p:sp>
+        <p:nvSpPr>
+          <p:cNvPr id="2" name="Title 1"/>
+          <p:cNvSpPr>
+            <a:spLocks noGrp="1"/>
+          </p:cNvSpPr>
+          <p:nvPr>
+            <p:ph type="title"/>
+          </p:nvPr>
+        </p:nvSpPr>
+        <p:spPr/>
+        <p:txBody>
+          <a:bodyPr/>
+          <a:lstStyle/>
+          <a:p>
+            <a:r>
+              <a:rPr lang="en-US" dirty="0"/>
+              <a:t>Objectives</a:t>
+            </a:r>
+            <a:endParaRPr lang="he-IL" dirty="0"/>
+          </a:p>
+        </p:txBody>
+      </p:sp>
+      <p:sp>
+        <p:nvSpPr>
+          <p:cNvPr id="3" name="Footer Placeholder 2"/>
+          <p:cNvSpPr>
+            <a:spLocks noGrp="1"/>
+          </p:cNvSpPr>
+          <p:nvPr>
+            <p:ph type="ftr" sz="quarter" idx="11"/>
+          </p:nvPr>
+        </p:nvSpPr>
+        <p:spPr/>
+        <p:txBody>
+          <a:bodyPr/>
+          <a:lstStyle/>
+          <a:p>
+            <a:r>
+              <a:rPr lang="en-US"/>
+              <a:t>© 2018 Ori Calvo</a:t>
+            </a:r>
+            <a:endParaRPr lang="en-US" dirty="0"/>
+          </a:p>
+        </p:txBody>
+      </p:sp>
+      <p:sp>
+        <p:nvSpPr>
+          <p:cNvPr id="4" name="Slide Number Placeholder 3"/>
+          <p:cNvSpPr>
+            <a:spLocks noGrp="1"/>
+          </p:cNvSpPr>
+          <p:nvPr>
+            <p:ph type="sldNum" sz="quarter" idx="12"/>
+          </p:nvPr>
+        </p:nvSpPr>
+        <p:spPr/>
+        <p:txBody>
+          <a:bodyPr>
+            <a:normAutofit fontScale="85000" lnSpcReduction="20000"/>
+          </a:bodyPr>
+          <a:lstStyle/>
+          <a:p>
+            <a:fld id="{6EDEC3BC-0694-4586-AE63-02B4D54ABF43}" type="slidenum">
+              <a:rPr lang="en-US" smtClean="0"/>
+              <a:pPr/>
+              <a:t>2</a:t>
+            </a:fld>
+            <a:endParaRPr lang="en-US"/>
+          </a:p>
+        </p:txBody>
+      </p:sp>
+      <p:sp>
+        <p:nvSpPr>
+          <p:cNvPr id="5" name="Content Placeholder 4"/>
+          <p:cNvSpPr>
+            <a:spLocks noGrp="1"/>
+          </p:cNvSpPr>
+          <p:nvPr>
+            <p:ph sz="quarter" idx="1"/>
+          </p:nvPr>
+        </p:nvSpPr>
+        <p:spPr/>
+        <p:txBody>
+          <a:bodyPr>
+            <a:normAutofit/>
+          </a:bodyPr>
+          <a:lstStyle/>
+          <a:p>
+            <a:r>
+              <a:rPr lang="en-US" dirty="0"/>
+              <a:t>Analyze common techniques for improving Angular performance</a:t>
+            </a:r>
+          </a:p>
+          <a:p>
+            <a:r>
+              <a:rPr lang="en-US" dirty="0"/>
+              <a:t>Not only runtime performance</a:t>
+            </a:r>
+          </a:p>
+        </p:txBody>
+      </p:sp>
+    </p:spTree>
+    <p:extLst>
+      <p:ext uri="{BB962C8B-B14F-4D97-AF65-F5344CB8AC3E}">
+        <p14:creationId xmlns:p14="http://schemas.microsoft.com/office/powerpoint/2010/main" val="2208052341"/>
+      </p:ext>
+    </p:extLst>
+  </p:cSld>
+  <p:clrMapOvr>
+    <a:masterClrMapping/>
+  </p:clrMapOvr>
+</p:sld>
+</file>
+
+<file path=ppt/slides/slide3.xml><?xml version="1.0" encoding="utf-8"?>
+<p:sld xmlns:a="http://schemas.openxmlformats.org/drawingml/2006/main" xmlns:r="http://schemas.openxmlformats.org/officeDocument/2006/relationships" xmlns:p="http://schemas.openxmlformats.org/presentationml/2006/main">
+  <p:cSld>
+    <p:spTree>
+      <p:nvGrpSpPr>
+        <p:cNvPr id="1" name=""/>
+        <p:cNvGrpSpPr/>
+        <p:nvPr/>
+      </p:nvGrpSpPr>
+      <p:grpSpPr>
+        <a:xfrm>
+          <a:off x="0" y="0"/>
+          <a:ext cx="0" cy="0"/>
+          <a:chOff x="0" y="0"/>
+          <a:chExt cx="0" cy="0"/>
+        </a:xfrm>
+      </p:grpSpPr>
+      <p:sp>
+        <p:nvSpPr>
+          <p:cNvPr id="2" name="Title 1">
+            <a:extLst>
+              <a:ext uri="{FF2B5EF4-FFF2-40B4-BE49-F238E27FC236}">
+                <a16:creationId xmlns:a16="http://schemas.microsoft.com/office/drawing/2014/main" id="{81E76ADD-675E-41FE-B580-E7421E6F7DDE}"/>
+              </a:ext>
+            </a:extLst>
+          </p:cNvPr>
+          <p:cNvSpPr>
+            <a:spLocks noGrp="1"/>
+          </p:cNvSpPr>
+          <p:nvPr>
+            <p:ph type="title"/>
+          </p:nvPr>
+        </p:nvSpPr>
+        <p:spPr/>
+        <p:txBody>
+          <a:bodyPr/>
+          <a:lstStyle/>
+          <a:p>
+            <a:r>
+              <a:rPr lang="en-US" dirty="0"/>
+              <a:t>Measure </a:t>
+            </a:r>
+            <a:r>
+              <a:rPr lang="en-US" dirty="0" err="1"/>
+              <a:t>Measure</a:t>
+            </a:r>
+            <a:r>
+              <a:rPr lang="en-US" dirty="0"/>
+              <a:t> </a:t>
+            </a:r>
+            <a:r>
+              <a:rPr lang="en-US" dirty="0" err="1"/>
+              <a:t>Measure</a:t>
+            </a:r>
+            <a:endParaRPr lang="he-IL" dirty="0"/>
+          </a:p>
+        </p:txBody>
+      </p:sp>
+      <p:sp>
+        <p:nvSpPr>
+          <p:cNvPr id="3" name="Footer Placeholder 2">
+            <a:extLst>
+              <a:ext uri="{FF2B5EF4-FFF2-40B4-BE49-F238E27FC236}">
+                <a16:creationId xmlns:a16="http://schemas.microsoft.com/office/drawing/2014/main" id="{28E692A5-A003-417E-8A9A-5D829F48CC6B}"/>
+              </a:ext>
+            </a:extLst>
+          </p:cNvPr>
+          <p:cNvSpPr>
+            <a:spLocks noGrp="1"/>
+          </p:cNvSpPr>
+          <p:nvPr>
+            <p:ph type="ftr" sz="quarter" idx="11"/>
+          </p:nvPr>
+        </p:nvSpPr>
+        <p:spPr/>
+        <p:txBody>
+          <a:bodyPr/>
+          <a:lstStyle/>
+          <a:p>
+            <a:r>
+              <a:rPr lang="en-US"/>
+              <a:t>© 2018 Ori Calvo</a:t>
+            </a:r>
+            <a:endParaRPr lang="en-US" dirty="0"/>
+          </a:p>
+        </p:txBody>
+      </p:sp>
+      <p:sp>
+        <p:nvSpPr>
+          <p:cNvPr id="4" name="Slide Number Placeholder 3">
+            <a:extLst>
+              <a:ext uri="{FF2B5EF4-FFF2-40B4-BE49-F238E27FC236}">
+                <a16:creationId xmlns:a16="http://schemas.microsoft.com/office/drawing/2014/main" id="{A36BB3AB-A2D0-4C99-9A41-386459E82F78}"/>
+              </a:ext>
+            </a:extLst>
+          </p:cNvPr>
+          <p:cNvSpPr>
+            <a:spLocks noGrp="1"/>
+          </p:cNvSpPr>
+          <p:nvPr>
+            <p:ph type="sldNum" sz="quarter" idx="12"/>
+          </p:nvPr>
+        </p:nvSpPr>
+        <p:spPr/>
+        <p:txBody>
+          <a:bodyPr>
+            <a:normAutofit fontScale="85000" lnSpcReduction="20000"/>
+          </a:bodyPr>
+          <a:lstStyle/>
+          <a:p>
+            <a:fld id="{6EDEC3BC-0694-4586-AE63-02B4D54ABF43}" type="slidenum">
+              <a:rPr lang="en-US" smtClean="0"/>
+              <a:pPr/>
+              <a:t>3</a:t>
+            </a:fld>
+            <a:endParaRPr lang="en-US"/>
+          </a:p>
+        </p:txBody>
+      </p:sp>
+      <p:sp>
+        <p:nvSpPr>
+          <p:cNvPr id="5" name="Content Placeholder 4">
+            <a:extLst>
+              <a:ext uri="{FF2B5EF4-FFF2-40B4-BE49-F238E27FC236}">
+                <a16:creationId xmlns:a16="http://schemas.microsoft.com/office/drawing/2014/main" id="{5876D726-1216-4756-B8E4-44634FB4257D}"/>
+              </a:ext>
+            </a:extLst>
+          </p:cNvPr>
+          <p:cNvSpPr>
+            <a:spLocks noGrp="1"/>
+          </p:cNvSpPr>
+          <p:nvPr>
+            <p:ph sz="quarter" idx="1"/>
+          </p:nvPr>
+        </p:nvSpPr>
+        <p:spPr/>
+        <p:txBody>
+          <a:bodyPr/>
+          <a:lstStyle/>
+          <a:p>
+            <a:r>
+              <a:rPr lang="en-US" dirty="0"/>
+              <a:t>We (as developers) are quite concerned about writing efficient code</a:t>
+            </a:r>
+          </a:p>
+          <a:p>
+            <a:r>
+              <a:rPr lang="en-US" dirty="0"/>
+              <a:t>How come most of our software systems do no perform well ?</a:t>
+            </a:r>
+            <a:endParaRPr lang="he-IL" dirty="0"/>
+          </a:p>
+        </p:txBody>
+      </p:sp>
+    </p:spTree>
+    <p:extLst>
+      <p:ext uri="{BB962C8B-B14F-4D97-AF65-F5344CB8AC3E}">
+        <p14:creationId xmlns:p14="http://schemas.microsoft.com/office/powerpoint/2010/main" val="2011314799"/>
+      </p:ext>
+    </p:extLst>
+  </p:cSld>
+  <p:clrMapOvr>
+    <a:masterClrMapping/>
+  </p:clrMapOvr>
+</p:sld>
+</file>
+
+<file path=ppt/slides/slide4.xml><?xml version="1.0" encoding="utf-8"?>
+<p:sld xmlns:a="http://schemas.openxmlformats.org/drawingml/2006/main" xmlns:r="http://schemas.openxmlformats.org/officeDocument/2006/relationships" xmlns:p="http://schemas.openxmlformats.org/presentationml/2006/main">
+  <p:cSld>
+    <p:spTree>
+      <p:nvGrpSpPr>
+        <p:cNvPr id="1" name=""/>
+        <p:cNvGrpSpPr/>
+        <p:nvPr/>
+      </p:nvGrpSpPr>
+      <p:grpSpPr>
+        <a:xfrm>
+          <a:off x="0" y="0"/>
+          <a:ext cx="0" cy="0"/>
+          <a:chOff x="0" y="0"/>
+          <a:chExt cx="0" cy="0"/>
+        </a:xfrm>
+      </p:grpSpPr>
+      <p:sp>
+        <p:nvSpPr>
+          <p:cNvPr id="2" name="Title 1">
+            <a:extLst>
+              <a:ext uri="{FF2B5EF4-FFF2-40B4-BE49-F238E27FC236}">
+                <a16:creationId xmlns:a16="http://schemas.microsoft.com/office/drawing/2014/main" id="{2625AE99-5722-4BFA-8724-E59E49F156B6}"/>
+              </a:ext>
+            </a:extLst>
+          </p:cNvPr>
+          <p:cNvSpPr>
+            <a:spLocks noGrp="1"/>
+          </p:cNvSpPr>
+          <p:nvPr>
+            <p:ph type="title"/>
+          </p:nvPr>
+        </p:nvSpPr>
+        <p:spPr/>
+        <p:txBody>
+          <a:bodyPr/>
+          <a:lstStyle/>
+          <a:p>
+            <a:r>
+              <a:rPr lang="en-US" dirty="0"/>
+              <a:t>Angular Stats</a:t>
+            </a:r>
+            <a:endParaRPr lang="he-IL" dirty="0"/>
+          </a:p>
+        </p:txBody>
+      </p:sp>
+      <p:sp>
+        <p:nvSpPr>
+          <p:cNvPr id="3" name="Footer Placeholder 2">
+            <a:extLst>
+              <a:ext uri="{FF2B5EF4-FFF2-40B4-BE49-F238E27FC236}">
+                <a16:creationId xmlns:a16="http://schemas.microsoft.com/office/drawing/2014/main" id="{EAD1C2D3-E7EE-45AA-9DD3-B27B45977E00}"/>
+              </a:ext>
+            </a:extLst>
+          </p:cNvPr>
+          <p:cNvSpPr>
+            <a:spLocks noGrp="1"/>
+          </p:cNvSpPr>
+          <p:nvPr>
+            <p:ph type="ftr" sz="quarter" idx="11"/>
+          </p:nvPr>
+        </p:nvSpPr>
+        <p:spPr/>
+        <p:txBody>
+          <a:bodyPr/>
+          <a:lstStyle/>
+          <a:p>
+            <a:r>
+              <a:rPr lang="en-US"/>
+              <a:t>© 2018 Ori Calvo</a:t>
+            </a:r>
+            <a:endParaRPr lang="en-US" dirty="0"/>
+          </a:p>
+        </p:txBody>
+      </p:sp>
+      <p:sp>
+        <p:nvSpPr>
+          <p:cNvPr id="4" name="Slide Number Placeholder 3">
+            <a:extLst>
+              <a:ext uri="{FF2B5EF4-FFF2-40B4-BE49-F238E27FC236}">
+                <a16:creationId xmlns:a16="http://schemas.microsoft.com/office/drawing/2014/main" id="{524CD62A-7EA5-4D3A-AAB3-DB58266E65A5}"/>
+              </a:ext>
+            </a:extLst>
+          </p:cNvPr>
+          <p:cNvSpPr>
+            <a:spLocks noGrp="1"/>
+          </p:cNvSpPr>
+          <p:nvPr>
+            <p:ph type="sldNum" sz="quarter" idx="12"/>
+          </p:nvPr>
+        </p:nvSpPr>
+        <p:spPr/>
+        <p:txBody>
+          <a:bodyPr>
+            <a:normAutofit fontScale="85000" lnSpcReduction="20000"/>
+          </a:bodyPr>
+          <a:lstStyle/>
+          <a:p>
+            <a:fld id="{6EDEC3BC-0694-4586-AE63-02B4D54ABF43}" type="slidenum">
+              <a:rPr lang="en-US" smtClean="0"/>
+              <a:pPr/>
+              <a:t>4</a:t>
+            </a:fld>
+            <a:endParaRPr lang="en-US"/>
+          </a:p>
+        </p:txBody>
+      </p:sp>
+      <p:sp>
+        <p:nvSpPr>
+          <p:cNvPr id="5" name="Content Placeholder 4">
+            <a:extLst>
+              <a:ext uri="{FF2B5EF4-FFF2-40B4-BE49-F238E27FC236}">
+                <a16:creationId xmlns:a16="http://schemas.microsoft.com/office/drawing/2014/main" id="{0D7F330D-1D59-4430-874C-03D812C05DF7}"/>
+              </a:ext>
+            </a:extLst>
+          </p:cNvPr>
+          <p:cNvSpPr>
+            <a:spLocks noGrp="1"/>
+          </p:cNvSpPr>
+          <p:nvPr>
+            <p:ph sz="quarter" idx="1"/>
+          </p:nvPr>
+        </p:nvSpPr>
+        <p:spPr/>
+        <p:txBody>
+          <a:bodyPr/>
+          <a:lstStyle/>
+          <a:p>
+            <a:r>
+              <a:rPr lang="en-US" dirty="0"/>
+              <a:t>Change detection</a:t>
+            </a:r>
+          </a:p>
+          <a:p>
+            <a:pPr lvl="1"/>
+            <a:r>
+              <a:rPr lang="en-US" dirty="0"/>
+              <a:t>Duration</a:t>
+            </a:r>
+          </a:p>
+          <a:p>
+            <a:pPr lvl="1"/>
+            <a:r>
+              <a:rPr lang="en-US" dirty="0"/>
+              <a:t>Occurrences</a:t>
+            </a:r>
+          </a:p>
+          <a:p>
+            <a:r>
+              <a:rPr lang="en-US" dirty="0"/>
+              <a:t>Components</a:t>
+            </a:r>
+          </a:p>
+          <a:p>
+            <a:r>
+              <a:rPr lang="en-US" dirty="0"/>
+              <a:t>Bindings</a:t>
+            </a:r>
+          </a:p>
+        </p:txBody>
+      </p:sp>
+    </p:spTree>
+    <p:extLst>
+      <p:ext uri="{BB962C8B-B14F-4D97-AF65-F5344CB8AC3E}">
+        <p14:creationId xmlns:p14="http://schemas.microsoft.com/office/powerpoint/2010/main" val="2427651972"/>
+      </p:ext>
+    </p:extLst>
+  </p:cSld>
+  <p:clrMapOvr>
+    <a:masterClrMapping/>
+  </p:clrMapOvr>
+</p:sld>
+</file>
+
+<file path=ppt/slides/slide5.xml><?xml version="1.0" encoding="utf-8"?>
+<p:sld xmlns:a="http://schemas.openxmlformats.org/drawingml/2006/main" xmlns:r="http://schemas.openxmlformats.org/officeDocument/2006/relationships" xmlns:p="http://schemas.openxmlformats.org/presentationml/2006/main">
+  <p:cSld>
+    <p:spTree>
+      <p:nvGrpSpPr>
+        <p:cNvPr id="1" name=""/>
+        <p:cNvGrpSpPr/>
+        <p:nvPr/>
+      </p:nvGrpSpPr>
+      <p:grpSpPr>
+        <a:xfrm>
+          <a:off x="0" y="0"/>
+          <a:ext cx="0" cy="0"/>
+          <a:chOff x="0" y="0"/>
+          <a:chExt cx="0" cy="0"/>
+        </a:xfrm>
+      </p:grpSpPr>
+      <p:sp>
+        <p:nvSpPr>
+          <p:cNvPr id="2" name="Title 1">
+            <a:extLst>
+              <a:ext uri="{FF2B5EF4-FFF2-40B4-BE49-F238E27FC236}">
+                <a16:creationId xmlns:a16="http://schemas.microsoft.com/office/drawing/2014/main" id="{4BCFC350-3C6B-43BD-9363-ECE7915C89CF}"/>
+              </a:ext>
+            </a:extLst>
+          </p:cNvPr>
+          <p:cNvSpPr>
+            <a:spLocks noGrp="1"/>
+          </p:cNvSpPr>
+          <p:nvPr>
+            <p:ph type="title"/>
+          </p:nvPr>
+        </p:nvSpPr>
+        <p:spPr/>
+        <p:txBody>
+          <a:bodyPr/>
+          <a:lstStyle/>
+          <a:p>
+            <a:r>
+              <a:rPr lang="en-US" dirty="0"/>
+              <a:t>Reducing Change Detection</a:t>
+            </a:r>
+            <a:endParaRPr lang="he-IL" dirty="0"/>
+          </a:p>
+        </p:txBody>
+      </p:sp>
+      <p:sp>
+        <p:nvSpPr>
+          <p:cNvPr id="3" name="Footer Placeholder 2">
+            <a:extLst>
+              <a:ext uri="{FF2B5EF4-FFF2-40B4-BE49-F238E27FC236}">
+                <a16:creationId xmlns:a16="http://schemas.microsoft.com/office/drawing/2014/main" id="{96C28ED3-8821-4EA2-B8CF-8EC2CBEC076C}"/>
+              </a:ext>
+            </a:extLst>
+          </p:cNvPr>
+          <p:cNvSpPr>
+            <a:spLocks noGrp="1"/>
+          </p:cNvSpPr>
+          <p:nvPr>
+            <p:ph type="ftr" sz="quarter" idx="11"/>
+          </p:nvPr>
+        </p:nvSpPr>
+        <p:spPr/>
+        <p:txBody>
+          <a:bodyPr/>
+          <a:lstStyle/>
+          <a:p>
+            <a:r>
+              <a:rPr lang="en-US"/>
+              <a:t>© 2018 Ori Calvo</a:t>
+            </a:r>
+            <a:endParaRPr lang="en-US" dirty="0"/>
+          </a:p>
+        </p:txBody>
+      </p:sp>
+      <p:sp>
+        <p:nvSpPr>
+          <p:cNvPr id="4" name="Slide Number Placeholder 3">
+            <a:extLst>
+              <a:ext uri="{FF2B5EF4-FFF2-40B4-BE49-F238E27FC236}">
+                <a16:creationId xmlns:a16="http://schemas.microsoft.com/office/drawing/2014/main" id="{981409FD-334F-4F82-AED7-7822B6B3CFFA}"/>
+              </a:ext>
+            </a:extLst>
+          </p:cNvPr>
+          <p:cNvSpPr>
+            <a:spLocks noGrp="1"/>
+          </p:cNvSpPr>
+          <p:nvPr>
+            <p:ph type="sldNum" sz="quarter" idx="12"/>
+          </p:nvPr>
+        </p:nvSpPr>
+        <p:spPr/>
+        <p:txBody>
+          <a:bodyPr>
+            <a:normAutofit fontScale="85000" lnSpcReduction="20000"/>
+          </a:bodyPr>
+          <a:lstStyle/>
+          <a:p>
+            <a:fld id="{6EDEC3BC-0694-4586-AE63-02B4D54ABF43}" type="slidenum">
+              <a:rPr lang="en-US" smtClean="0"/>
+              <a:pPr/>
+              <a:t>5</a:t>
+            </a:fld>
+            <a:endParaRPr lang="en-US"/>
+          </a:p>
+        </p:txBody>
+      </p:sp>
+      <p:sp>
+        <p:nvSpPr>
+          <p:cNvPr id="5" name="Content Placeholder 4">
+            <a:extLst>
+              <a:ext uri="{FF2B5EF4-FFF2-40B4-BE49-F238E27FC236}">
+                <a16:creationId xmlns:a16="http://schemas.microsoft.com/office/drawing/2014/main" id="{966965F0-E47E-4DD3-A68C-CE99032FC8FE}"/>
+              </a:ext>
+            </a:extLst>
+          </p:cNvPr>
+          <p:cNvSpPr>
+            <a:spLocks noGrp="1"/>
+          </p:cNvSpPr>
+          <p:nvPr>
+            <p:ph sz="quarter" idx="1"/>
+          </p:nvPr>
+        </p:nvSpPr>
+        <p:spPr/>
+        <p:txBody>
+          <a:bodyPr/>
+          <a:lstStyle/>
+          <a:p>
+            <a:r>
+              <a:rPr lang="en-US" dirty="0"/>
+              <a:t>Most public documentation deals with reducing a single change detection cycle</a:t>
+            </a:r>
+          </a:p>
+          <a:p>
+            <a:r>
+              <a:rPr lang="en-US" dirty="0"/>
+              <a:t>However, the number of times Angular performs change detection is probably more significant</a:t>
+            </a:r>
+            <a:endParaRPr lang="he-IL" dirty="0"/>
+          </a:p>
+        </p:txBody>
+      </p:sp>
+    </p:spTree>
+    <p:extLst>
+      <p:ext uri="{BB962C8B-B14F-4D97-AF65-F5344CB8AC3E}">
+        <p14:creationId xmlns:p14="http://schemas.microsoft.com/office/powerpoint/2010/main" val="506124505"/>
+      </p:ext>
+    </p:extLst>
+  </p:cSld>
+  <p:clrMapOvr>
+    <a:masterClrMapping/>
+  </p:clrMapOvr>
+</p:sld>
+</file>
+
+<file path=ppt/slides/slide6.xml><?xml version="1.0" encoding="utf-8"?>
+<p:sld xmlns:a="http://schemas.openxmlformats.org/drawingml/2006/main" xmlns:r="http://schemas.openxmlformats.org/officeDocument/2006/relationships" xmlns:p="http://schemas.openxmlformats.org/presentationml/2006/main">
+  <p:cSld>
+    <p:spTree>
+      <p:nvGrpSpPr>
+        <p:cNvPr id="1" name=""/>
+        <p:cNvGrpSpPr/>
+        <p:nvPr/>
+      </p:nvGrpSpPr>
+      <p:grpSpPr>
+        <a:xfrm>
+          <a:off x="0" y="0"/>
+          <a:ext cx="0" cy="0"/>
+          <a:chOff x="0" y="0"/>
+          <a:chExt cx="0" cy="0"/>
+        </a:xfrm>
+      </p:grpSpPr>
+      <p:sp>
+        <p:nvSpPr>
+          <p:cNvPr id="2" name="Title 1">
+            <a:extLst>
+              <a:ext uri="{FF2B5EF4-FFF2-40B4-BE49-F238E27FC236}">
+                <a16:creationId xmlns:a16="http://schemas.microsoft.com/office/drawing/2014/main" id="{50B52349-D267-4B48-9D3F-BDCFCEA6CC83}"/>
+              </a:ext>
+            </a:extLst>
+          </p:cNvPr>
+          <p:cNvSpPr>
+            <a:spLocks noGrp="1"/>
+          </p:cNvSpPr>
+          <p:nvPr>
+            <p:ph type="title"/>
+          </p:nvPr>
+        </p:nvSpPr>
+        <p:spPr/>
+        <p:txBody>
+          <a:bodyPr/>
+          <a:lstStyle/>
+          <a:p>
+            <a:r>
+              <a:rPr lang="en-US" dirty="0" err="1"/>
+              <a:t>runOutsideAngular</a:t>
+            </a:r>
+            <a:endParaRPr lang="he-IL" dirty="0"/>
+          </a:p>
+        </p:txBody>
+      </p:sp>
+      <p:sp>
+        <p:nvSpPr>
+          <p:cNvPr id="3" name="Footer Placeholder 2">
+            <a:extLst>
+              <a:ext uri="{FF2B5EF4-FFF2-40B4-BE49-F238E27FC236}">
+                <a16:creationId xmlns:a16="http://schemas.microsoft.com/office/drawing/2014/main" id="{63EB58A0-616C-4F76-AC9A-69625EBD5063}"/>
+              </a:ext>
+            </a:extLst>
+          </p:cNvPr>
+          <p:cNvSpPr>
+            <a:spLocks noGrp="1"/>
+          </p:cNvSpPr>
+          <p:nvPr>
+            <p:ph type="ftr" sz="quarter" idx="11"/>
+          </p:nvPr>
+        </p:nvSpPr>
+        <p:spPr/>
+        <p:txBody>
+          <a:bodyPr/>
+          <a:lstStyle/>
+          <a:p>
+            <a:r>
+              <a:rPr lang="en-US"/>
+              <a:t>© 2018 Ori Calvo</a:t>
+            </a:r>
+            <a:endParaRPr lang="en-US" dirty="0"/>
+          </a:p>
+        </p:txBody>
+      </p:sp>
+      <p:sp>
+        <p:nvSpPr>
+          <p:cNvPr id="4" name="Slide Number Placeholder 3">
+            <a:extLst>
+              <a:ext uri="{FF2B5EF4-FFF2-40B4-BE49-F238E27FC236}">
+                <a16:creationId xmlns:a16="http://schemas.microsoft.com/office/drawing/2014/main" id="{9DA94382-C66A-46A1-9BB6-3C1AB0504AC8}"/>
+              </a:ext>
+            </a:extLst>
+          </p:cNvPr>
+          <p:cNvSpPr>
+            <a:spLocks noGrp="1"/>
+          </p:cNvSpPr>
+          <p:nvPr>
+            <p:ph type="sldNum" sz="quarter" idx="12"/>
+          </p:nvPr>
+        </p:nvSpPr>
+        <p:spPr/>
+        <p:txBody>
+          <a:bodyPr>
+            <a:normAutofit fontScale="85000" lnSpcReduction="20000"/>
+          </a:bodyPr>
+          <a:lstStyle/>
+          <a:p>
+            <a:fld id="{6EDEC3BC-0694-4586-AE63-02B4D54ABF43}" type="slidenum">
+              <a:rPr lang="en-US" smtClean="0"/>
+              <a:pPr/>
+              <a:t>6</a:t>
+            </a:fld>
+            <a:endParaRPr lang="en-US"/>
+          </a:p>
+        </p:txBody>
+      </p:sp>
+      <p:sp>
+        <p:nvSpPr>
+          <p:cNvPr id="6" name="Rectangle 5">
+            <a:extLst>
+              <a:ext uri="{FF2B5EF4-FFF2-40B4-BE49-F238E27FC236}">
+                <a16:creationId xmlns:a16="http://schemas.microsoft.com/office/drawing/2014/main" id="{A8DD0F3B-3571-4517-9CB9-E4C7A6C33756}"/>
+              </a:ext>
+            </a:extLst>
+          </p:cNvPr>
+          <p:cNvSpPr/>
+          <p:nvPr/>
+        </p:nvSpPr>
+        <p:spPr>
+          <a:xfrm>
+            <a:off x="495300" y="2780928"/>
+            <a:ext cx="8153400" cy="923330"/>
+          </a:xfrm>
+          <a:prstGeom prst="rect">
+            <a:avLst/>
+          </a:prstGeom>
+          <a:solidFill>
+            <a:schemeClr val="accent1">
+              <a:lumMod val="40000"/>
+              <a:lumOff val="60000"/>
+            </a:schemeClr>
+          </a:solidFill>
+        </p:spPr>
+        <p:txBody>
+          <a:bodyPr wrap="square">
+            <a:spAutoFit/>
+          </a:bodyPr>
+          <a:lstStyle/>
+          <a:p>
+            <a:r>
+              <a:rPr lang="en-US" b="1" dirty="0" err="1">
+                <a:solidFill>
+                  <a:srgbClr val="000080"/>
+                </a:solidFill>
+                <a:latin typeface="Courier New" panose="02070309020205020404" pitchFamily="49" charset="0"/>
+                <a:ea typeface="Times New Roman" panose="02020603050405020304" pitchFamily="18" charset="0"/>
+              </a:rPr>
+              <a:t>this</a:t>
+            </a:r>
+            <a:r>
+              <a:rPr lang="en-US" dirty="0" err="1">
+                <a:solidFill>
+                  <a:srgbClr val="000000"/>
+                </a:solidFill>
+                <a:latin typeface="Courier New" panose="02070309020205020404" pitchFamily="49" charset="0"/>
+                <a:ea typeface="Times New Roman" panose="02020603050405020304" pitchFamily="18" charset="0"/>
+              </a:rPr>
+              <a:t>.</a:t>
+            </a:r>
+            <a:r>
+              <a:rPr lang="en-US" b="1" dirty="0" err="1">
+                <a:solidFill>
+                  <a:srgbClr val="660E7A"/>
+                </a:solidFill>
+                <a:latin typeface="Courier New" panose="02070309020205020404" pitchFamily="49" charset="0"/>
+                <a:ea typeface="Times New Roman" panose="02020603050405020304" pitchFamily="18" charset="0"/>
+              </a:rPr>
+              <a:t>ngZone</a:t>
+            </a:r>
+            <a:r>
+              <a:rPr lang="en-US" dirty="0" err="1">
+                <a:solidFill>
+                  <a:srgbClr val="000000"/>
+                </a:solidFill>
+                <a:latin typeface="Courier New" panose="02070309020205020404" pitchFamily="49" charset="0"/>
+                <a:ea typeface="Times New Roman" panose="02020603050405020304" pitchFamily="18" charset="0"/>
+              </a:rPr>
+              <a:t>.</a:t>
+            </a:r>
+            <a:r>
+              <a:rPr lang="en-US" dirty="0" err="1">
+                <a:solidFill>
+                  <a:srgbClr val="7A7A43"/>
+                </a:solidFill>
+                <a:latin typeface="Courier New" panose="02070309020205020404" pitchFamily="49" charset="0"/>
+                <a:ea typeface="Times New Roman" panose="02020603050405020304" pitchFamily="18" charset="0"/>
+              </a:rPr>
+              <a:t>runOutsideAngular</a:t>
+            </a:r>
+            <a:r>
+              <a:rPr lang="en-US" dirty="0">
+                <a:solidFill>
+                  <a:srgbClr val="000000"/>
+                </a:solidFill>
+                <a:latin typeface="Courier New" panose="02070309020205020404" pitchFamily="49" charset="0"/>
+                <a:ea typeface="Times New Roman" panose="02020603050405020304" pitchFamily="18" charset="0"/>
+              </a:rPr>
+              <a:t>(()=&gt; {</a:t>
+            </a:r>
+            <a:br>
+              <a:rPr lang="en-US" dirty="0">
+                <a:solidFill>
+                  <a:srgbClr val="000000"/>
+                </a:solidFill>
+                <a:latin typeface="Courier New" panose="02070309020205020404" pitchFamily="49" charset="0"/>
+                <a:ea typeface="Times New Roman" panose="02020603050405020304" pitchFamily="18" charset="0"/>
+              </a:rPr>
+            </a:br>
+            <a:r>
+              <a:rPr lang="en-US" dirty="0">
+                <a:solidFill>
+                  <a:srgbClr val="000000"/>
+                </a:solidFill>
+                <a:latin typeface="Courier New" panose="02070309020205020404" pitchFamily="49" charset="0"/>
+                <a:ea typeface="Times New Roman" panose="02020603050405020304" pitchFamily="18" charset="0"/>
+              </a:rPr>
+              <a:t>  </a:t>
+            </a:r>
+            <a:r>
+              <a:rPr lang="en-US" b="1" dirty="0" err="1">
+                <a:solidFill>
+                  <a:srgbClr val="000080"/>
+                </a:solidFill>
+                <a:latin typeface="Courier New" panose="02070309020205020404" pitchFamily="49" charset="0"/>
+                <a:ea typeface="Times New Roman" panose="02020603050405020304" pitchFamily="18" charset="0"/>
+              </a:rPr>
+              <a:t>var</a:t>
+            </a:r>
+            <a:r>
+              <a:rPr lang="en-US" b="1" dirty="0">
+                <a:solidFill>
+                  <a:srgbClr val="000080"/>
+                </a:solidFill>
+                <a:latin typeface="Courier New" panose="02070309020205020404" pitchFamily="49" charset="0"/>
+                <a:ea typeface="Times New Roman" panose="02020603050405020304" pitchFamily="18" charset="0"/>
+              </a:rPr>
+              <a:t> </a:t>
+            </a:r>
+            <a:r>
+              <a:rPr lang="en-US" dirty="0" err="1">
+                <a:solidFill>
+                  <a:srgbClr val="458383"/>
+                </a:solidFill>
+                <a:latin typeface="Courier New" panose="02070309020205020404" pitchFamily="49" charset="0"/>
+                <a:ea typeface="Times New Roman" panose="02020603050405020304" pitchFamily="18" charset="0"/>
+              </a:rPr>
+              <a:t>mymap</a:t>
+            </a:r>
+            <a:r>
+              <a:rPr lang="en-US" dirty="0">
+                <a:solidFill>
+                  <a:srgbClr val="458383"/>
+                </a:solidFill>
+                <a:latin typeface="Courier New" panose="02070309020205020404" pitchFamily="49" charset="0"/>
+                <a:ea typeface="Times New Roman" panose="02020603050405020304" pitchFamily="18" charset="0"/>
+              </a:rPr>
+              <a:t> </a:t>
+            </a:r>
+            <a:r>
+              <a:rPr lang="en-US" dirty="0">
+                <a:solidFill>
+                  <a:srgbClr val="000000"/>
+                </a:solidFill>
+                <a:latin typeface="Courier New" panose="02070309020205020404" pitchFamily="49" charset="0"/>
+                <a:ea typeface="Times New Roman" panose="02020603050405020304" pitchFamily="18" charset="0"/>
+              </a:rPr>
+              <a:t>= </a:t>
+            </a:r>
+            <a:r>
+              <a:rPr lang="en-US" dirty="0" err="1">
+                <a:solidFill>
+                  <a:srgbClr val="458383"/>
+                </a:solidFill>
+                <a:latin typeface="Courier New" panose="02070309020205020404" pitchFamily="49" charset="0"/>
+                <a:ea typeface="Times New Roman" panose="02020603050405020304" pitchFamily="18" charset="0"/>
+              </a:rPr>
+              <a:t>L</a:t>
+            </a:r>
+            <a:r>
+              <a:rPr lang="en-US" dirty="0" err="1">
+                <a:solidFill>
+                  <a:srgbClr val="000000"/>
+                </a:solidFill>
+                <a:latin typeface="Courier New" panose="02070309020205020404" pitchFamily="49" charset="0"/>
+                <a:ea typeface="Times New Roman" panose="02020603050405020304" pitchFamily="18" charset="0"/>
+              </a:rPr>
+              <a:t>.</a:t>
+            </a:r>
+            <a:r>
+              <a:rPr lang="en-US" dirty="0" err="1">
+                <a:solidFill>
+                  <a:srgbClr val="7A7A43"/>
+                </a:solidFill>
+                <a:latin typeface="Courier New" panose="02070309020205020404" pitchFamily="49" charset="0"/>
+                <a:ea typeface="Times New Roman" panose="02020603050405020304" pitchFamily="18" charset="0"/>
+              </a:rPr>
+              <a:t>map</a:t>
+            </a:r>
+            <a:r>
+              <a:rPr lang="en-US" dirty="0">
+                <a:solidFill>
+                  <a:srgbClr val="000000"/>
+                </a:solidFill>
+                <a:latin typeface="Courier New" panose="02070309020205020404" pitchFamily="49" charset="0"/>
+                <a:ea typeface="Times New Roman" panose="02020603050405020304" pitchFamily="18" charset="0"/>
+              </a:rPr>
+              <a:t>(</a:t>
+            </a:r>
+            <a:r>
+              <a:rPr lang="en-US" b="1" dirty="0">
+                <a:solidFill>
+                  <a:srgbClr val="008000"/>
+                </a:solidFill>
+                <a:latin typeface="Courier New" panose="02070309020205020404" pitchFamily="49" charset="0"/>
+                <a:ea typeface="Times New Roman" panose="02020603050405020304" pitchFamily="18" charset="0"/>
+              </a:rPr>
+              <a:t>'</a:t>
+            </a:r>
+            <a:r>
+              <a:rPr lang="en-US" b="1" dirty="0" err="1">
+                <a:solidFill>
+                  <a:srgbClr val="008000"/>
+                </a:solidFill>
+                <a:latin typeface="Courier New" panose="02070309020205020404" pitchFamily="49" charset="0"/>
+                <a:ea typeface="Times New Roman" panose="02020603050405020304" pitchFamily="18" charset="0"/>
+              </a:rPr>
+              <a:t>mapid</a:t>
+            </a:r>
+            <a:r>
+              <a:rPr lang="en-US" b="1" dirty="0">
+                <a:solidFill>
+                  <a:srgbClr val="008000"/>
+                </a:solidFill>
+                <a:latin typeface="Courier New" panose="02070309020205020404" pitchFamily="49" charset="0"/>
+                <a:ea typeface="Times New Roman" panose="02020603050405020304" pitchFamily="18" charset="0"/>
+              </a:rPr>
+              <a:t>'</a:t>
+            </a:r>
+            <a:r>
+              <a:rPr lang="en-US" dirty="0">
+                <a:solidFill>
+                  <a:srgbClr val="000000"/>
+                </a:solidFill>
+                <a:latin typeface="Courier New" panose="02070309020205020404" pitchFamily="49" charset="0"/>
+                <a:ea typeface="Times New Roman" panose="02020603050405020304" pitchFamily="18" charset="0"/>
+              </a:rPr>
+              <a:t>).</a:t>
+            </a:r>
+            <a:r>
+              <a:rPr lang="en-US" dirty="0" err="1">
+                <a:solidFill>
+                  <a:srgbClr val="000000"/>
+                </a:solidFill>
+                <a:latin typeface="Courier New" panose="02070309020205020404" pitchFamily="49" charset="0"/>
+                <a:ea typeface="Times New Roman" panose="02020603050405020304" pitchFamily="18" charset="0"/>
+              </a:rPr>
+              <a:t>setView</a:t>
+            </a:r>
+            <a:r>
+              <a:rPr lang="en-US" dirty="0">
+                <a:solidFill>
+                  <a:srgbClr val="000000"/>
+                </a:solidFill>
+                <a:latin typeface="Courier New" panose="02070309020205020404" pitchFamily="49" charset="0"/>
+                <a:ea typeface="Times New Roman" panose="02020603050405020304" pitchFamily="18" charset="0"/>
+              </a:rPr>
+              <a:t>([</a:t>
+            </a:r>
+            <a:r>
+              <a:rPr lang="en-US" dirty="0">
+                <a:solidFill>
+                  <a:srgbClr val="0000FF"/>
+                </a:solidFill>
+                <a:latin typeface="Courier New" panose="02070309020205020404" pitchFamily="49" charset="0"/>
+                <a:ea typeface="Times New Roman" panose="02020603050405020304" pitchFamily="18" charset="0"/>
+              </a:rPr>
+              <a:t>51.505</a:t>
+            </a:r>
+            <a:r>
+              <a:rPr lang="en-US" dirty="0">
+                <a:solidFill>
+                  <a:srgbClr val="000000"/>
+                </a:solidFill>
+                <a:latin typeface="Courier New" panose="02070309020205020404" pitchFamily="49" charset="0"/>
+                <a:ea typeface="Times New Roman" panose="02020603050405020304" pitchFamily="18" charset="0"/>
+              </a:rPr>
+              <a:t>, -</a:t>
+            </a:r>
+            <a:r>
+              <a:rPr lang="en-US" dirty="0">
+                <a:solidFill>
+                  <a:srgbClr val="0000FF"/>
+                </a:solidFill>
+                <a:latin typeface="Courier New" panose="02070309020205020404" pitchFamily="49" charset="0"/>
+                <a:ea typeface="Times New Roman" panose="02020603050405020304" pitchFamily="18" charset="0"/>
+              </a:rPr>
+              <a:t>0.09</a:t>
+            </a:r>
+            <a:r>
+              <a:rPr lang="en-US" dirty="0">
+                <a:solidFill>
+                  <a:srgbClr val="000000"/>
+                </a:solidFill>
+                <a:latin typeface="Courier New" panose="02070309020205020404" pitchFamily="49" charset="0"/>
+                <a:ea typeface="Times New Roman" panose="02020603050405020304" pitchFamily="18" charset="0"/>
+              </a:rPr>
+              <a:t>], </a:t>
+            </a:r>
+            <a:r>
+              <a:rPr lang="en-US" dirty="0">
+                <a:solidFill>
+                  <a:srgbClr val="0000FF"/>
+                </a:solidFill>
+                <a:latin typeface="Courier New" panose="02070309020205020404" pitchFamily="49" charset="0"/>
+                <a:ea typeface="Times New Roman" panose="02020603050405020304" pitchFamily="18" charset="0"/>
+              </a:rPr>
+              <a:t>13</a:t>
+            </a:r>
+            <a:r>
+              <a:rPr lang="en-US" dirty="0">
+                <a:solidFill>
+                  <a:srgbClr val="000000"/>
+                </a:solidFill>
+                <a:latin typeface="Courier New" panose="02070309020205020404" pitchFamily="49" charset="0"/>
+                <a:ea typeface="Times New Roman" panose="02020603050405020304" pitchFamily="18" charset="0"/>
+              </a:rPr>
+              <a:t>);</a:t>
+            </a:r>
+            <a:br>
+              <a:rPr lang="en-US" dirty="0">
+                <a:solidFill>
+                  <a:srgbClr val="000000"/>
+                </a:solidFill>
+                <a:latin typeface="Courier New" panose="02070309020205020404" pitchFamily="49" charset="0"/>
+                <a:ea typeface="Times New Roman" panose="02020603050405020304" pitchFamily="18" charset="0"/>
+              </a:rPr>
+            </a:br>
+            <a:r>
+              <a:rPr lang="en-US" dirty="0">
+                <a:solidFill>
+                  <a:srgbClr val="000000"/>
+                </a:solidFill>
+                <a:latin typeface="Courier New" panose="02070309020205020404" pitchFamily="49" charset="0"/>
+                <a:ea typeface="Times New Roman" panose="02020603050405020304" pitchFamily="18" charset="0"/>
+              </a:rPr>
+              <a:t>});</a:t>
+            </a:r>
+            <a:endParaRPr lang="he-IL" dirty="0"/>
+          </a:p>
+        </p:txBody>
+      </p:sp>
+    </p:spTree>
+    <p:extLst>
+      <p:ext uri="{BB962C8B-B14F-4D97-AF65-F5344CB8AC3E}">
+        <p14:creationId xmlns:p14="http://schemas.microsoft.com/office/powerpoint/2010/main" val="3925592148"/>
+      </p:ext>
+    </p:extLst>
+  </p:cSld>
+  <p:clrMapOvr>
+    <a:masterClrMapping/>
+  </p:clrMapOvr>
+</p:sld>
+</file>
+
+<file path=ppt/slides/slide7.xml><?xml version="1.0" encoding="utf-8"?>
+<p:sld xmlns:a="http://schemas.openxmlformats.org/drawingml/2006/main" xmlns:r="http://schemas.openxmlformats.org/officeDocument/2006/relationships" xmlns:p="http://schemas.openxmlformats.org/presentationml/2006/main">
+  <p:cSld>
+    <p:spTree>
+      <p:nvGrpSpPr>
+        <p:cNvPr id="1" name=""/>
+        <p:cNvGrpSpPr/>
+        <p:nvPr/>
+      </p:nvGrpSpPr>
+      <p:grpSpPr>
+        <a:xfrm>
+          <a:off x="0" y="0"/>
+          <a:ext cx="0" cy="0"/>
+          <a:chOff x="0" y="0"/>
+          <a:chExt cx="0" cy="0"/>
+        </a:xfrm>
+      </p:grpSpPr>
+      <p:sp>
+        <p:nvSpPr>
+          <p:cNvPr id="2" name="Title 1">
+            <a:extLst>
+              <a:ext uri="{FF2B5EF4-FFF2-40B4-BE49-F238E27FC236}">
+                <a16:creationId xmlns:a16="http://schemas.microsoft.com/office/drawing/2014/main" id="{C7E8F571-D9D5-4A3A-BF88-59AF6FF4A545}"/>
+              </a:ext>
+            </a:extLst>
+          </p:cNvPr>
+          <p:cNvSpPr>
+            <a:spLocks noGrp="1"/>
+          </p:cNvSpPr>
+          <p:nvPr>
+            <p:ph type="title"/>
+          </p:nvPr>
+        </p:nvSpPr>
+        <p:spPr/>
+        <p:txBody>
+          <a:bodyPr/>
+          <a:lstStyle/>
+          <a:p>
+            <a:r>
+              <a:rPr lang="en-US" dirty="0"/>
+              <a:t>Reducing Change Detection</a:t>
+            </a:r>
+            <a:endParaRPr lang="he-IL" dirty="0"/>
+          </a:p>
+        </p:txBody>
+      </p:sp>
+      <p:sp>
+        <p:nvSpPr>
+          <p:cNvPr id="3" name="Footer Placeholder 2">
+            <a:extLst>
+              <a:ext uri="{FF2B5EF4-FFF2-40B4-BE49-F238E27FC236}">
+                <a16:creationId xmlns:a16="http://schemas.microsoft.com/office/drawing/2014/main" id="{365D1AD2-6B8D-4F7E-B3CD-E2B618D4230E}"/>
+              </a:ext>
+            </a:extLst>
+          </p:cNvPr>
+          <p:cNvSpPr>
+            <a:spLocks noGrp="1"/>
+          </p:cNvSpPr>
+          <p:nvPr>
+            <p:ph type="ftr" sz="quarter" idx="11"/>
+          </p:nvPr>
+        </p:nvSpPr>
+        <p:spPr/>
+        <p:txBody>
+          <a:bodyPr/>
+          <a:lstStyle/>
+          <a:p>
+            <a:r>
+              <a:rPr lang="en-US"/>
+              <a:t>© 2018 Ori Calvo</a:t>
+            </a:r>
+            <a:endParaRPr lang="en-US" dirty="0"/>
+          </a:p>
+        </p:txBody>
+      </p:sp>
+      <p:sp>
+        <p:nvSpPr>
+          <p:cNvPr id="4" name="Slide Number Placeholder 3">
+            <a:extLst>
+              <a:ext uri="{FF2B5EF4-FFF2-40B4-BE49-F238E27FC236}">
+                <a16:creationId xmlns:a16="http://schemas.microsoft.com/office/drawing/2014/main" id="{9A320F99-262A-41A5-B849-99467775E002}"/>
+              </a:ext>
+            </a:extLst>
+          </p:cNvPr>
+          <p:cNvSpPr>
+            <a:spLocks noGrp="1"/>
+          </p:cNvSpPr>
+          <p:nvPr>
+            <p:ph type="sldNum" sz="quarter" idx="12"/>
+          </p:nvPr>
+        </p:nvSpPr>
+        <p:spPr/>
+        <p:txBody>
+          <a:bodyPr>
+            <a:normAutofit fontScale="85000" lnSpcReduction="20000"/>
+          </a:bodyPr>
+          <a:lstStyle/>
+          <a:p>
+            <a:fld id="{6EDEC3BC-0694-4586-AE63-02B4D54ABF43}" type="slidenum">
+              <a:rPr lang="en-US" smtClean="0"/>
+              <a:pPr/>
+              <a:t>7</a:t>
+            </a:fld>
+            <a:endParaRPr lang="en-US"/>
+          </a:p>
+        </p:txBody>
+      </p:sp>
+      <p:sp>
+        <p:nvSpPr>
+          <p:cNvPr id="5" name="Content Placeholder 4">
+            <a:extLst>
+              <a:ext uri="{FF2B5EF4-FFF2-40B4-BE49-F238E27FC236}">
+                <a16:creationId xmlns:a16="http://schemas.microsoft.com/office/drawing/2014/main" id="{E4C7BE46-A9E5-4847-B71E-14755EB8F06F}"/>
+              </a:ext>
+            </a:extLst>
+          </p:cNvPr>
+          <p:cNvSpPr>
+            <a:spLocks noGrp="1"/>
+          </p:cNvSpPr>
+          <p:nvPr>
+            <p:ph sz="quarter" idx="1"/>
+          </p:nvPr>
+        </p:nvSpPr>
+        <p:spPr/>
+        <p:txBody>
+          <a:bodyPr/>
+          <a:lstStyle/>
+          <a:p>
+            <a:r>
+              <a:rPr lang="en-US" dirty="0" err="1"/>
+              <a:t>ChangeDetectionStrategy.OnPush</a:t>
+            </a:r>
+            <a:endParaRPr lang="en-US" dirty="0"/>
+          </a:p>
+          <a:p>
+            <a:r>
+              <a:rPr lang="en-US" dirty="0" err="1"/>
+              <a:t>Async</a:t>
+            </a:r>
+            <a:r>
+              <a:rPr lang="en-US" dirty="0"/>
+              <a:t> Pipe</a:t>
+            </a:r>
+          </a:p>
+          <a:p>
+            <a:r>
+              <a:rPr lang="en-US" dirty="0"/>
+              <a:t>Working directly with </a:t>
+            </a:r>
+            <a:r>
+              <a:rPr lang="en-US" dirty="0" err="1"/>
+              <a:t>ChangeDetectorRef</a:t>
+            </a:r>
+            <a:endParaRPr lang="en-US" dirty="0"/>
+          </a:p>
+          <a:p>
+            <a:r>
+              <a:rPr lang="en-US" dirty="0"/>
+              <a:t>Long running properties/methods</a:t>
+            </a:r>
+          </a:p>
+          <a:p>
+            <a:endParaRPr lang="he-IL" dirty="0"/>
+          </a:p>
+        </p:txBody>
+      </p:sp>
+    </p:spTree>
+    <p:extLst>
+      <p:ext uri="{BB962C8B-B14F-4D97-AF65-F5344CB8AC3E}">
+        <p14:creationId xmlns:p14="http://schemas.microsoft.com/office/powerpoint/2010/main" val="919454451"/>
+      </p:ext>
+    </p:extLst>
+  </p:cSld>
+  <p:clrMapOvr>
+    <a:masterClrMapping/>
+  </p:clrMapOvr>
+</p:sld>
+</file>
+
+<file path=ppt/slides/slide8.xml><?xml version="1.0" encoding="utf-8"?>
+<p:sld xmlns:a="http://schemas.openxmlformats.org/drawingml/2006/main" xmlns:r="http://schemas.openxmlformats.org/officeDocument/2006/relationships" xmlns:p="http://schemas.openxmlformats.org/presentationml/2006/main">
+  <p:cSld>
+    <p:spTree>
+      <p:nvGrpSpPr>
+        <p:cNvPr id="1" name=""/>
+        <p:cNvGrpSpPr/>
+        <p:nvPr/>
+      </p:nvGrpSpPr>
+      <p:grpSpPr>
+        <a:xfrm>
+          <a:off x="0" y="0"/>
+          <a:ext cx="0" cy="0"/>
+          <a:chOff x="0" y="0"/>
+          <a:chExt cx="0" cy="0"/>
+        </a:xfrm>
+      </p:grpSpPr>
+      <p:sp>
+        <p:nvSpPr>
+          <p:cNvPr id="2" name="Title 1">
+            <a:extLst>
+              <a:ext uri="{FF2B5EF4-FFF2-40B4-BE49-F238E27FC236}">
+                <a16:creationId xmlns:a16="http://schemas.microsoft.com/office/drawing/2014/main" id="{143D1544-6D68-4D71-AC59-460569F3DB22}"/>
+              </a:ext>
+            </a:extLst>
+          </p:cNvPr>
+          <p:cNvSpPr>
+            <a:spLocks noGrp="1"/>
+          </p:cNvSpPr>
+          <p:nvPr>
+            <p:ph type="title"/>
+          </p:nvPr>
+        </p:nvSpPr>
+        <p:spPr/>
+        <p:txBody>
+          <a:bodyPr/>
+          <a:lstStyle/>
+          <a:p>
+            <a:r>
+              <a:rPr lang="en-US" dirty="0" err="1"/>
+              <a:t>OnPush</a:t>
+            </a:r>
+            <a:endParaRPr lang="he-IL" dirty="0"/>
+          </a:p>
+        </p:txBody>
+      </p:sp>
+      <p:sp>
+        <p:nvSpPr>
+          <p:cNvPr id="3" name="Footer Placeholder 2">
+            <a:extLst>
+              <a:ext uri="{FF2B5EF4-FFF2-40B4-BE49-F238E27FC236}">
+                <a16:creationId xmlns:a16="http://schemas.microsoft.com/office/drawing/2014/main" id="{C5773D1D-9973-43E1-AE29-96235CCBDC84}"/>
+              </a:ext>
+            </a:extLst>
+          </p:cNvPr>
+          <p:cNvSpPr>
+            <a:spLocks noGrp="1"/>
+          </p:cNvSpPr>
+          <p:nvPr>
+            <p:ph type="ftr" sz="quarter" idx="11"/>
+          </p:nvPr>
+        </p:nvSpPr>
+        <p:spPr/>
+        <p:txBody>
+          <a:bodyPr/>
+          <a:lstStyle/>
+          <a:p>
+            <a:r>
+              <a:rPr lang="en-US"/>
+              <a:t>© 2018 Ori Calvo</a:t>
+            </a:r>
+            <a:endParaRPr lang="en-US" dirty="0"/>
+          </a:p>
+        </p:txBody>
+      </p:sp>
+      <p:sp>
+        <p:nvSpPr>
+          <p:cNvPr id="4" name="Slide Number Placeholder 3">
+            <a:extLst>
+              <a:ext uri="{FF2B5EF4-FFF2-40B4-BE49-F238E27FC236}">
+                <a16:creationId xmlns:a16="http://schemas.microsoft.com/office/drawing/2014/main" id="{2B263530-6B25-4A2F-BF24-4C591E2C6BCA}"/>
+              </a:ext>
+            </a:extLst>
+          </p:cNvPr>
+          <p:cNvSpPr>
+            <a:spLocks noGrp="1"/>
+          </p:cNvSpPr>
+          <p:nvPr>
+            <p:ph type="sldNum" sz="quarter" idx="12"/>
+          </p:nvPr>
+        </p:nvSpPr>
+        <p:spPr/>
+        <p:txBody>
+          <a:bodyPr>
+            <a:normAutofit fontScale="85000" lnSpcReduction="20000"/>
+          </a:bodyPr>
+          <a:lstStyle/>
+          <a:p>
+            <a:fld id="{6EDEC3BC-0694-4586-AE63-02B4D54ABF43}" type="slidenum">
+              <a:rPr lang="en-US" smtClean="0"/>
+              <a:pPr/>
+              <a:t>8</a:t>
+            </a:fld>
+            <a:endParaRPr lang="en-US"/>
+          </a:p>
+        </p:txBody>
+      </p:sp>
+      <p:sp>
+        <p:nvSpPr>
+          <p:cNvPr id="5" name="Content Placeholder 4">
+            <a:extLst>
+              <a:ext uri="{FF2B5EF4-FFF2-40B4-BE49-F238E27FC236}">
+                <a16:creationId xmlns:a16="http://schemas.microsoft.com/office/drawing/2014/main" id="{AE773C41-8672-4307-B862-07A792FC9BFA}"/>
+              </a:ext>
+            </a:extLst>
+          </p:cNvPr>
+          <p:cNvSpPr>
+            <a:spLocks noGrp="1"/>
+          </p:cNvSpPr>
+          <p:nvPr>
+            <p:ph sz="quarter" idx="1"/>
+          </p:nvPr>
+        </p:nvSpPr>
+        <p:spPr/>
+        <p:txBody>
+          <a:bodyPr/>
+          <a:lstStyle/>
+          <a:p>
+            <a:endParaRPr lang="he-IL"/>
+          </a:p>
+        </p:txBody>
+      </p:sp>
+    </p:spTree>
+    <p:extLst>
+      <p:ext uri="{BB962C8B-B14F-4D97-AF65-F5344CB8AC3E}">
+        <p14:creationId xmlns:p14="http://schemas.microsoft.com/office/powerpoint/2010/main" val="3554921720"/>
+      </p:ext>
+    </p:extLst>
+  </p:cSld>
+  <p:clrMapOvr>
+    <a:masterClrMapping/>
+  </p:clrMapOvr>
+</p:sld>
+</file>
+
+<file path=ppt/slides/slide9.xml><?xml version="1.0" encoding="utf-8"?>
+<p:sld xmlns:a="http://schemas.openxmlformats.org/drawingml/2006/main" xmlns:r="http://schemas.openxmlformats.org/officeDocument/2006/relationships" xmlns:p="http://schemas.openxmlformats.org/presentationml/2006/main">
+  <p:cSld>
+    <p:spTree>
+      <p:nvGrpSpPr>
+        <p:cNvPr id="1" name=""/>
+        <p:cNvGrpSpPr/>
+        <p:nvPr/>
+      </p:nvGrpSpPr>
+      <p:grpSpPr>
+        <a:xfrm>
+          <a:off x="0" y="0"/>
+          <a:ext cx="0" cy="0"/>
+          <a:chOff x="0" y="0"/>
+          <a:chExt cx="0" cy="0"/>
+        </a:xfrm>
+      </p:grpSpPr>
+      <p:sp>
+        <p:nvSpPr>
+          <p:cNvPr id="2" name="Title 1">
+            <a:extLst>
+              <a:ext uri="{FF2B5EF4-FFF2-40B4-BE49-F238E27FC236}">
+                <a16:creationId xmlns:a16="http://schemas.microsoft.com/office/drawing/2014/main" id="{5765550A-AFD1-48E5-94D9-036FCB638F95}"/>
+              </a:ext>
+            </a:extLst>
+          </p:cNvPr>
+          <p:cNvSpPr>
+            <a:spLocks noGrp="1"/>
+          </p:cNvSpPr>
+          <p:nvPr>
+            <p:ph type="title"/>
+          </p:nvPr>
+        </p:nvSpPr>
+        <p:spPr/>
+        <p:txBody>
+          <a:bodyPr/>
+          <a:lstStyle/>
+          <a:p>
+            <a:r>
+              <a:rPr lang="en-US" dirty="0" err="1"/>
+              <a:t>Async</a:t>
+            </a:r>
+            <a:r>
+              <a:rPr lang="en-US" dirty="0"/>
+              <a:t> Pipe</a:t>
+            </a:r>
+            <a:endParaRPr lang="he-IL" dirty="0"/>
+          </a:p>
+        </p:txBody>
+      </p:sp>
+      <p:sp>
+        <p:nvSpPr>
+          <p:cNvPr id="3" name="Footer Placeholder 2">
+            <a:extLst>
+              <a:ext uri="{FF2B5EF4-FFF2-40B4-BE49-F238E27FC236}">
+                <a16:creationId xmlns:a16="http://schemas.microsoft.com/office/drawing/2014/main" id="{F2A887BE-5082-40E9-95A4-EBE78F3816E6}"/>
+              </a:ext>
+            </a:extLst>
+          </p:cNvPr>
+          <p:cNvSpPr>
+            <a:spLocks noGrp="1"/>
+          </p:cNvSpPr>
+          <p:nvPr>
+            <p:ph type="ftr" sz="quarter" idx="11"/>
+          </p:nvPr>
+        </p:nvSpPr>
+        <p:spPr/>
+        <p:txBody>
+          <a:bodyPr/>
+          <a:lstStyle/>
+          <a:p>
+            <a:r>
+              <a:rPr lang="en-US"/>
+              <a:t>© 2018 Ori Calvo</a:t>
+            </a:r>
+            <a:endParaRPr lang="en-US" dirty="0"/>
+          </a:p>
+        </p:txBody>
+      </p:sp>
+      <p:sp>
+        <p:nvSpPr>
+          <p:cNvPr id="4" name="Slide Number Placeholder 3">
+            <a:extLst>
+              <a:ext uri="{FF2B5EF4-FFF2-40B4-BE49-F238E27FC236}">
+                <a16:creationId xmlns:a16="http://schemas.microsoft.com/office/drawing/2014/main" id="{C0BAE0D3-8712-4044-9695-056A29C72A36}"/>
+              </a:ext>
+            </a:extLst>
+          </p:cNvPr>
+          <p:cNvSpPr>
+            <a:spLocks noGrp="1"/>
+          </p:cNvSpPr>
+          <p:nvPr>
+            <p:ph type="sldNum" sz="quarter" idx="12"/>
+          </p:nvPr>
+        </p:nvSpPr>
+        <p:spPr/>
+        <p:txBody>
+          <a:bodyPr>
+            <a:normAutofit fontScale="85000" lnSpcReduction="20000"/>
+          </a:bodyPr>
+          <a:lstStyle/>
+          <a:p>
+            <a:fld id="{6EDEC3BC-0694-4586-AE63-02B4D54ABF43}" type="slidenum">
+              <a:rPr lang="en-US" smtClean="0"/>
+              <a:pPr/>
+              <a:t>9</a:t>
+            </a:fld>
+            <a:endParaRPr lang="en-US"/>
+          </a:p>
+        </p:txBody>
+      </p:sp>
+      <p:sp>
+        <p:nvSpPr>
+          <p:cNvPr id="5" name="Content Placeholder 4">
+            <a:extLst>
+              <a:ext uri="{FF2B5EF4-FFF2-40B4-BE49-F238E27FC236}">
+                <a16:creationId xmlns:a16="http://schemas.microsoft.com/office/drawing/2014/main" id="{6B2464DD-CC18-4B43-A154-DD8C7A83887B}"/>
+              </a:ext>
+            </a:extLst>
+          </p:cNvPr>
+          <p:cNvSpPr>
+            <a:spLocks noGrp="1"/>
+          </p:cNvSpPr>
+          <p:nvPr>
+            <p:ph sz="quarter" idx="1"/>
+          </p:nvPr>
+        </p:nvSpPr>
+        <p:spPr/>
+        <p:txBody>
+          <a:bodyPr/>
+          <a:lstStyle/>
+          <a:p>
+            <a:endParaRPr lang="he-IL"/>
+          </a:p>
+        </p:txBody>
+      </p:sp>
+    </p:spTree>
+    <p:extLst>
+      <p:ext uri="{BB962C8B-B14F-4D97-AF65-F5344CB8AC3E}">
+        <p14:creationId xmlns:p14="http://schemas.microsoft.com/office/powerpoint/2010/main" val="2185429748"/>
       </p:ext>
     </p:extLst>
   </p:cSld>

--- a/Optimizing Angular.pptx
+++ b/Optimizing Angular.pptx
@@ -5,7 +5,7 @@
     <p:sldMasterId id="2147483672" r:id="rId1"/>
   </p:sldMasterIdLst>
   <p:notesMasterIdLst>
-    <p:notesMasterId r:id="rId17"/>
+    <p:notesMasterId r:id="rId14"/>
   </p:notesMasterIdLst>
   <p:sldIdLst>
     <p:sldId id="256" r:id="rId2"/>
@@ -15,14 +15,11 @@
     <p:sldId id="316" r:id="rId6"/>
     <p:sldId id="323" r:id="rId7"/>
     <p:sldId id="324" r:id="rId8"/>
-    <p:sldId id="317" r:id="rId9"/>
-    <p:sldId id="318" r:id="rId10"/>
-    <p:sldId id="319" r:id="rId11"/>
-    <p:sldId id="260" r:id="rId12"/>
-    <p:sldId id="320" r:id="rId13"/>
-    <p:sldId id="321" r:id="rId14"/>
-    <p:sldId id="322" r:id="rId15"/>
-    <p:sldId id="313" r:id="rId16"/>
+    <p:sldId id="325" r:id="rId9"/>
+    <p:sldId id="320" r:id="rId10"/>
+    <p:sldId id="321" r:id="rId11"/>
+    <p:sldId id="326" r:id="rId12"/>
+    <p:sldId id="313" r:id="rId13"/>
   </p:sldIdLst>
   <p:sldSz cx="9144000" cy="6858000" type="screen4x3"/>
   <p:notesSz cx="6858000" cy="9144000"/>
@@ -4455,7 +4452,7 @@
           <p:cNvPr id="2" name="Title 1">
             <a:extLst>
               <a:ext uri="{FF2B5EF4-FFF2-40B4-BE49-F238E27FC236}">
-                <a16:creationId xmlns:a16="http://schemas.microsoft.com/office/drawing/2014/main" id="{BD3D2600-3F86-4A30-B56C-18843521D9AA}"/>
+                <a16:creationId xmlns:a16="http://schemas.microsoft.com/office/drawing/2014/main" id="{319EF3EC-649B-4053-B512-3CBFF9895B05}"/>
               </a:ext>
             </a:extLst>
           </p:cNvPr>
@@ -4473,7 +4470,7 @@
           <a:p>
             <a:r>
               <a:rPr lang="en-US" dirty="0"/>
-              <a:t>Take Full Control</a:t>
+              <a:t>Reduce Build Time</a:t>
             </a:r>
             <a:endParaRPr lang="he-IL" dirty="0"/>
           </a:p>
@@ -4484,7 +4481,7 @@
           <p:cNvPr id="3" name="Footer Placeholder 2">
             <a:extLst>
               <a:ext uri="{FF2B5EF4-FFF2-40B4-BE49-F238E27FC236}">
-                <a16:creationId xmlns:a16="http://schemas.microsoft.com/office/drawing/2014/main" id="{0459BC2D-68DC-4FC7-85BB-C06F305464AC}"/>
+                <a16:creationId xmlns:a16="http://schemas.microsoft.com/office/drawing/2014/main" id="{5B1988C8-2EE8-47C9-BDE5-0CE76C34BF5D}"/>
               </a:ext>
             </a:extLst>
           </p:cNvPr>
@@ -4513,7 +4510,7 @@
           <p:cNvPr id="4" name="Slide Number Placeholder 3">
             <a:extLst>
               <a:ext uri="{FF2B5EF4-FFF2-40B4-BE49-F238E27FC236}">
-                <a16:creationId xmlns:a16="http://schemas.microsoft.com/office/drawing/2014/main" id="{785FFF80-806F-4EE9-B4A9-5637537FA91C}"/>
+                <a16:creationId xmlns:a16="http://schemas.microsoft.com/office/drawing/2014/main" id="{DACFA08C-5E55-4B50-9AC8-E55886C68573}"/>
               </a:ext>
             </a:extLst>
           </p:cNvPr>
@@ -4545,7 +4542,7 @@
           <p:cNvPr id="5" name="Content Placeholder 4">
             <a:extLst>
               <a:ext uri="{FF2B5EF4-FFF2-40B4-BE49-F238E27FC236}">
-                <a16:creationId xmlns:a16="http://schemas.microsoft.com/office/drawing/2014/main" id="{34145941-BB3A-43D4-BE6F-9DF2A9DCD78B}"/>
+                <a16:creationId xmlns:a16="http://schemas.microsoft.com/office/drawing/2014/main" id="{AB1D257E-9360-40F6-B9CA-382C9218B483}"/>
               </a:ext>
             </a:extLst>
           </p:cNvPr>
@@ -4568,7 +4565,7 @@
     </p:spTree>
     <p:extLst>
       <p:ext uri="{BB962C8B-B14F-4D97-AF65-F5344CB8AC3E}">
-        <p14:creationId xmlns:p14="http://schemas.microsoft.com/office/powerpoint/2010/main" val="521662836"/>
+        <p14:creationId xmlns:p14="http://schemas.microsoft.com/office/powerpoint/2010/main" val="1192187413"/>
       </p:ext>
     </p:extLst>
   </p:cSld>
@@ -4597,7 +4594,13 @@
       </p:grpSpPr>
       <p:sp>
         <p:nvSpPr>
-          <p:cNvPr id="2" name="Title 1"/>
+          <p:cNvPr id="2" name="Title 1">
+            <a:extLst>
+              <a:ext uri="{FF2B5EF4-FFF2-40B4-BE49-F238E27FC236}">
+                <a16:creationId xmlns:a16="http://schemas.microsoft.com/office/drawing/2014/main" id="{B0170519-BEC0-4C63-A98E-725B8E4B039F}"/>
+              </a:ext>
+            </a:extLst>
+          </p:cNvPr>
           <p:cNvSpPr>
             <a:spLocks noGrp="1"/>
           </p:cNvSpPr>
@@ -4612,7 +4615,7 @@
           <a:p>
             <a:r>
               <a:rPr lang="en-US" dirty="0"/>
-              <a:t>Be aware of Cascading</a:t>
+              <a:t>HMR</a:t>
             </a:r>
             <a:endParaRPr lang="he-IL" dirty="0"/>
           </a:p>
@@ -4620,7 +4623,13 @@
       </p:sp>
       <p:sp>
         <p:nvSpPr>
-          <p:cNvPr id="3" name="Footer Placeholder 2"/>
+          <p:cNvPr id="3" name="Footer Placeholder 2">
+            <a:extLst>
+              <a:ext uri="{FF2B5EF4-FFF2-40B4-BE49-F238E27FC236}">
+                <a16:creationId xmlns:a16="http://schemas.microsoft.com/office/drawing/2014/main" id="{CBE90FFB-1331-4E2A-880A-4E12A721EA2D}"/>
+              </a:ext>
+            </a:extLst>
+          </p:cNvPr>
           <p:cNvSpPr>
             <a:spLocks noGrp="1"/>
           </p:cNvSpPr>
@@ -4643,7 +4652,13 @@
       </p:sp>
       <p:sp>
         <p:nvSpPr>
-          <p:cNvPr id="4" name="Slide Number Placeholder 3"/>
+          <p:cNvPr id="4" name="Slide Number Placeholder 3">
+            <a:extLst>
+              <a:ext uri="{FF2B5EF4-FFF2-40B4-BE49-F238E27FC236}">
+                <a16:creationId xmlns:a16="http://schemas.microsoft.com/office/drawing/2014/main" id="{9A9BE35D-D035-45AC-B8ED-345E886DECB6}"/>
+              </a:ext>
+            </a:extLst>
+          </p:cNvPr>
           <p:cNvSpPr>
             <a:spLocks noGrp="1"/>
           </p:cNvSpPr>
@@ -4669,7 +4684,13 @@
       </p:sp>
       <p:sp>
         <p:nvSpPr>
-          <p:cNvPr id="5" name="Content Placeholder 4"/>
+          <p:cNvPr id="5" name="Content Placeholder 4">
+            <a:extLst>
+              <a:ext uri="{FF2B5EF4-FFF2-40B4-BE49-F238E27FC236}">
+                <a16:creationId xmlns:a16="http://schemas.microsoft.com/office/drawing/2014/main" id="{A3476A0E-525B-42F1-B3AD-C617423E9B00}"/>
+              </a:ext>
+            </a:extLst>
+          </p:cNvPr>
           <p:cNvSpPr>
             <a:spLocks noGrp="1"/>
           </p:cNvSpPr>
@@ -4677,847 +4698,19 @@
             <p:ph sz="quarter" idx="1"/>
           </p:nvPr>
         </p:nvSpPr>
-        <p:spPr>
-          <a:xfrm>
-            <a:off x="612648" y="1600200"/>
-            <a:ext cx="8153400" cy="4495800"/>
-          </a:xfrm>
-        </p:spPr>
+        <p:spPr/>
         <p:txBody>
           <a:bodyPr/>
           <a:lstStyle/>
           <a:p>
-            <a:r>
-              <a:rPr lang="en-US" dirty="0"/>
-              <a:t>Assume the following </a:t>
-            </a:r>
-            <a:r>
-              <a:rPr lang="en-US" dirty="0" err="1"/>
-              <a:t>ContactListComponent</a:t>
-            </a:r>
-            <a:endParaRPr lang="en-US" dirty="0"/>
-          </a:p>
-          <a:p>
-            <a:pPr lvl="2"/>
-            <a:endParaRPr lang="en-US" dirty="0"/>
-          </a:p>
-          <a:p>
-            <a:endParaRPr lang="en-US" dirty="0"/>
-          </a:p>
-          <a:p>
-            <a:endParaRPr lang="en-US" dirty="0"/>
-          </a:p>
-          <a:p>
-            <a:endParaRPr lang="en-US" dirty="0"/>
-          </a:p>
-          <a:p>
-            <a:r>
-              <a:rPr lang="en-US" dirty="0"/>
-              <a:t>And the following parent component</a:t>
-            </a:r>
-            <a:endParaRPr lang="he-IL" dirty="0"/>
-          </a:p>
-        </p:txBody>
-      </p:sp>
-      <p:sp>
-        <p:nvSpPr>
-          <p:cNvPr id="6" name="Rectangle 5"/>
-          <p:cNvSpPr/>
-          <p:nvPr/>
-        </p:nvSpPr>
-        <p:spPr>
-          <a:xfrm>
-            <a:off x="2100955" y="2420888"/>
-            <a:ext cx="4626052" cy="1384995"/>
-          </a:xfrm>
-          <a:prstGeom prst="rect">
-            <a:avLst/>
-          </a:prstGeom>
-          <a:solidFill>
-            <a:schemeClr val="accent1">
-              <a:lumMod val="40000"/>
-              <a:lumOff val="60000"/>
-            </a:schemeClr>
-          </a:solidFill>
-        </p:spPr>
-        <p:txBody>
-          <a:bodyPr wrap="square">
-            <a:spAutoFit/>
-          </a:bodyPr>
-          <a:lstStyle/>
-          <a:p>
-            <a:r>
-              <a:rPr lang="en-US" sz="1400" dirty="0">
-                <a:solidFill>
-                  <a:srgbClr val="000000"/>
-                </a:solidFill>
-                <a:latin typeface="Courier New" panose="02070309020205020404" pitchFamily="49" charset="0"/>
-                <a:ea typeface="Times New Roman" panose="02020603050405020304" pitchFamily="18" charset="0"/>
-              </a:rPr>
-              <a:t>&lt;</a:t>
-            </a:r>
-            <a:r>
-              <a:rPr lang="en-US" sz="1400" b="1" dirty="0" err="1">
-                <a:solidFill>
-                  <a:srgbClr val="000080"/>
-                </a:solidFill>
-                <a:latin typeface="Courier New" panose="02070309020205020404" pitchFamily="49" charset="0"/>
-                <a:ea typeface="Times New Roman" panose="02020603050405020304" pitchFamily="18" charset="0"/>
-              </a:rPr>
-              <a:t>ul</a:t>
-            </a:r>
-            <a:r>
-              <a:rPr lang="en-US" sz="1400" dirty="0">
-                <a:solidFill>
-                  <a:srgbClr val="000000"/>
-                </a:solidFill>
-                <a:latin typeface="Courier New" panose="02070309020205020404" pitchFamily="49" charset="0"/>
-                <a:ea typeface="Times New Roman" panose="02020603050405020304" pitchFamily="18" charset="0"/>
-              </a:rPr>
-              <a:t>&gt;</a:t>
-            </a:r>
-            <a:br>
-              <a:rPr lang="en-US" sz="1400" dirty="0">
-                <a:solidFill>
-                  <a:srgbClr val="000000"/>
-                </a:solidFill>
-                <a:latin typeface="Courier New" panose="02070309020205020404" pitchFamily="49" charset="0"/>
-                <a:ea typeface="Times New Roman" panose="02020603050405020304" pitchFamily="18" charset="0"/>
-              </a:rPr>
-            </a:br>
-            <a:r>
-              <a:rPr lang="en-US" sz="1400" dirty="0">
-                <a:solidFill>
-                  <a:srgbClr val="000000"/>
-                </a:solidFill>
-                <a:latin typeface="Courier New" panose="02070309020205020404" pitchFamily="49" charset="0"/>
-                <a:ea typeface="Times New Roman" panose="02020603050405020304" pitchFamily="18" charset="0"/>
-              </a:rPr>
-              <a:t>    &lt;</a:t>
-            </a:r>
-            <a:r>
-              <a:rPr lang="en-US" sz="1400" b="1" dirty="0">
-                <a:solidFill>
-                  <a:srgbClr val="000080"/>
-                </a:solidFill>
-                <a:latin typeface="Courier New" panose="02070309020205020404" pitchFamily="49" charset="0"/>
-                <a:ea typeface="Times New Roman" panose="02020603050405020304" pitchFamily="18" charset="0"/>
-              </a:rPr>
-              <a:t>li </a:t>
-            </a:r>
-            <a:r>
-              <a:rPr lang="en-US" sz="1400" b="1" dirty="0">
-                <a:solidFill>
-                  <a:srgbClr val="0000FF"/>
-                </a:solidFill>
-                <a:latin typeface="Courier New" panose="02070309020205020404" pitchFamily="49" charset="0"/>
-                <a:ea typeface="Times New Roman" panose="02020603050405020304" pitchFamily="18" charset="0"/>
-              </a:rPr>
-              <a:t>*</a:t>
-            </a:r>
-            <a:r>
-              <a:rPr lang="en-US" sz="1400" b="1" dirty="0" err="1">
-                <a:solidFill>
-                  <a:srgbClr val="0000FF"/>
-                </a:solidFill>
-                <a:latin typeface="Courier New" panose="02070309020205020404" pitchFamily="49" charset="0"/>
-                <a:ea typeface="Times New Roman" panose="02020603050405020304" pitchFamily="18" charset="0"/>
-              </a:rPr>
-              <a:t>ngFor</a:t>
-            </a:r>
-            <a:r>
-              <a:rPr lang="en-US" sz="1400" b="1" dirty="0">
-                <a:solidFill>
-                  <a:srgbClr val="0000FF"/>
-                </a:solidFill>
-                <a:latin typeface="Courier New" panose="02070309020205020404" pitchFamily="49" charset="0"/>
-                <a:ea typeface="Times New Roman" panose="02020603050405020304" pitchFamily="18" charset="0"/>
-              </a:rPr>
-              <a:t>=</a:t>
-            </a:r>
-            <a:r>
-              <a:rPr lang="en-US" sz="1400" b="1" dirty="0">
-                <a:solidFill>
-                  <a:srgbClr val="008000"/>
-                </a:solidFill>
-                <a:latin typeface="Courier New" panose="02070309020205020404" pitchFamily="49" charset="0"/>
-                <a:ea typeface="Times New Roman" panose="02020603050405020304" pitchFamily="18" charset="0"/>
-              </a:rPr>
-              <a:t>"let </a:t>
-            </a:r>
-            <a:r>
-              <a:rPr lang="en-US" sz="1400" b="1" i="1" dirty="0">
-                <a:solidFill>
-                  <a:srgbClr val="660E7A"/>
-                </a:solidFill>
-                <a:latin typeface="Courier New" panose="02070309020205020404" pitchFamily="49" charset="0"/>
-                <a:ea typeface="Times New Roman" panose="02020603050405020304" pitchFamily="18" charset="0"/>
-              </a:rPr>
-              <a:t>contact</a:t>
-            </a:r>
-            <a:r>
-              <a:rPr lang="en-US" sz="1400" b="1" dirty="0">
-                <a:solidFill>
-                  <a:srgbClr val="008000"/>
-                </a:solidFill>
-                <a:latin typeface="Courier New" panose="02070309020205020404" pitchFamily="49" charset="0"/>
-                <a:ea typeface="Times New Roman" panose="02020603050405020304" pitchFamily="18" charset="0"/>
-              </a:rPr>
-              <a:t> of </a:t>
-            </a:r>
-            <a:r>
-              <a:rPr lang="en-US" sz="1400" b="1" dirty="0">
-                <a:solidFill>
-                  <a:srgbClr val="660E7A"/>
-                </a:solidFill>
-                <a:latin typeface="Courier New" panose="02070309020205020404" pitchFamily="49" charset="0"/>
-                <a:ea typeface="Times New Roman" panose="02020603050405020304" pitchFamily="18" charset="0"/>
-              </a:rPr>
-              <a:t>contacts</a:t>
-            </a:r>
-            <a:r>
-              <a:rPr lang="en-US" sz="1400" b="1" dirty="0">
-                <a:solidFill>
-                  <a:srgbClr val="008000"/>
-                </a:solidFill>
-                <a:latin typeface="Courier New" panose="02070309020205020404" pitchFamily="49" charset="0"/>
-                <a:ea typeface="Times New Roman" panose="02020603050405020304" pitchFamily="18" charset="0"/>
-              </a:rPr>
-              <a:t>"</a:t>
-            </a:r>
-            <a:r>
-              <a:rPr lang="en-US" sz="1400" dirty="0">
-                <a:solidFill>
-                  <a:srgbClr val="000000"/>
-                </a:solidFill>
-                <a:latin typeface="Courier New" panose="02070309020205020404" pitchFamily="49" charset="0"/>
-                <a:ea typeface="Times New Roman" panose="02020603050405020304" pitchFamily="18" charset="0"/>
-              </a:rPr>
-              <a:t>&gt;</a:t>
-            </a:r>
-            <a:br>
-              <a:rPr lang="en-US" sz="1400" dirty="0">
-                <a:solidFill>
-                  <a:srgbClr val="000000"/>
-                </a:solidFill>
-                <a:latin typeface="Courier New" panose="02070309020205020404" pitchFamily="49" charset="0"/>
-                <a:ea typeface="Times New Roman" panose="02020603050405020304" pitchFamily="18" charset="0"/>
-              </a:rPr>
-            </a:br>
-            <a:r>
-              <a:rPr lang="en-US" sz="1400" dirty="0">
-                <a:solidFill>
-                  <a:srgbClr val="000000"/>
-                </a:solidFill>
-                <a:latin typeface="Courier New" panose="02070309020205020404" pitchFamily="49" charset="0"/>
-                <a:ea typeface="Times New Roman" panose="02020603050405020304" pitchFamily="18" charset="0"/>
-              </a:rPr>
-              <a:t>        &lt;</a:t>
-            </a:r>
-            <a:r>
-              <a:rPr lang="en-US" sz="1400" b="1" dirty="0">
-                <a:solidFill>
-                  <a:srgbClr val="000080"/>
-                </a:solidFill>
-                <a:latin typeface="Courier New" panose="02070309020205020404" pitchFamily="49" charset="0"/>
-                <a:ea typeface="Times New Roman" panose="02020603050405020304" pitchFamily="18" charset="0"/>
-              </a:rPr>
-              <a:t>span</a:t>
-            </a:r>
-            <a:r>
-              <a:rPr lang="en-US" sz="1400" dirty="0">
-                <a:solidFill>
-                  <a:srgbClr val="000000"/>
-                </a:solidFill>
-                <a:latin typeface="Courier New" panose="02070309020205020404" pitchFamily="49" charset="0"/>
-                <a:ea typeface="Times New Roman" panose="02020603050405020304" pitchFamily="18" charset="0"/>
-              </a:rPr>
-              <a:t>&gt;{{</a:t>
-            </a:r>
-            <a:r>
-              <a:rPr lang="en-US" sz="1400" b="1" i="1" dirty="0">
-                <a:solidFill>
-                  <a:srgbClr val="660E7A"/>
-                </a:solidFill>
-                <a:latin typeface="Courier New" panose="02070309020205020404" pitchFamily="49" charset="0"/>
-                <a:ea typeface="Times New Roman" panose="02020603050405020304" pitchFamily="18" charset="0"/>
-              </a:rPr>
-              <a:t>contact</a:t>
-            </a:r>
-            <a:r>
-              <a:rPr lang="en-US" sz="1400" dirty="0">
-                <a:solidFill>
-                  <a:srgbClr val="000000"/>
-                </a:solidFill>
-                <a:latin typeface="Courier New" panose="02070309020205020404" pitchFamily="49" charset="0"/>
-                <a:ea typeface="Times New Roman" panose="02020603050405020304" pitchFamily="18" charset="0"/>
-              </a:rPr>
-              <a:t>.name}}&lt;/</a:t>
-            </a:r>
-            <a:r>
-              <a:rPr lang="en-US" sz="1400" b="1" dirty="0">
-                <a:solidFill>
-                  <a:srgbClr val="000080"/>
-                </a:solidFill>
-                <a:latin typeface="Courier New" panose="02070309020205020404" pitchFamily="49" charset="0"/>
-                <a:ea typeface="Times New Roman" panose="02020603050405020304" pitchFamily="18" charset="0"/>
-              </a:rPr>
-              <a:t>span</a:t>
-            </a:r>
-            <a:r>
-              <a:rPr lang="en-US" sz="1400" dirty="0">
-                <a:solidFill>
-                  <a:srgbClr val="000000"/>
-                </a:solidFill>
-                <a:latin typeface="Courier New" panose="02070309020205020404" pitchFamily="49" charset="0"/>
-                <a:ea typeface="Times New Roman" panose="02020603050405020304" pitchFamily="18" charset="0"/>
-              </a:rPr>
-              <a:t>&gt;</a:t>
-            </a:r>
-            <a:br>
-              <a:rPr lang="en-US" sz="1400" dirty="0">
-                <a:solidFill>
-                  <a:srgbClr val="000000"/>
-                </a:solidFill>
-                <a:latin typeface="Courier New" panose="02070309020205020404" pitchFamily="49" charset="0"/>
-                <a:ea typeface="Times New Roman" panose="02020603050405020304" pitchFamily="18" charset="0"/>
-              </a:rPr>
-            </a:br>
-            <a:r>
-              <a:rPr lang="en-US" sz="1400" dirty="0">
-                <a:solidFill>
-                  <a:srgbClr val="000000"/>
-                </a:solidFill>
-                <a:latin typeface="Courier New" panose="02070309020205020404" pitchFamily="49" charset="0"/>
-                <a:ea typeface="Times New Roman" panose="02020603050405020304" pitchFamily="18" charset="0"/>
-              </a:rPr>
-              <a:t>        &lt;</a:t>
-            </a:r>
-            <a:r>
-              <a:rPr lang="en-US" sz="1400" b="1" dirty="0">
-                <a:solidFill>
-                  <a:srgbClr val="000080"/>
-                </a:solidFill>
-                <a:latin typeface="Courier New" panose="02070309020205020404" pitchFamily="49" charset="0"/>
-                <a:ea typeface="Times New Roman" panose="02020603050405020304" pitchFamily="18" charset="0"/>
-              </a:rPr>
-              <a:t>button</a:t>
-            </a:r>
-            <a:r>
-              <a:rPr lang="en-US" sz="1400" dirty="0">
-                <a:solidFill>
-                  <a:srgbClr val="000000"/>
-                </a:solidFill>
-                <a:latin typeface="Courier New" panose="02070309020205020404" pitchFamily="49" charset="0"/>
-                <a:ea typeface="Times New Roman" panose="02020603050405020304" pitchFamily="18" charset="0"/>
-              </a:rPr>
-              <a:t>&gt;Delete&lt;/</a:t>
-            </a:r>
-            <a:r>
-              <a:rPr lang="en-US" sz="1400" b="1" dirty="0">
-                <a:solidFill>
-                  <a:srgbClr val="000080"/>
-                </a:solidFill>
-                <a:latin typeface="Courier New" panose="02070309020205020404" pitchFamily="49" charset="0"/>
-                <a:ea typeface="Times New Roman" panose="02020603050405020304" pitchFamily="18" charset="0"/>
-              </a:rPr>
-              <a:t>button</a:t>
-            </a:r>
-            <a:r>
-              <a:rPr lang="en-US" sz="1400" dirty="0">
-                <a:solidFill>
-                  <a:srgbClr val="000000"/>
-                </a:solidFill>
-                <a:latin typeface="Courier New" panose="02070309020205020404" pitchFamily="49" charset="0"/>
-                <a:ea typeface="Times New Roman" panose="02020603050405020304" pitchFamily="18" charset="0"/>
-              </a:rPr>
-              <a:t>&gt;</a:t>
-            </a:r>
-            <a:br>
-              <a:rPr lang="en-US" sz="1400" dirty="0">
-                <a:solidFill>
-                  <a:srgbClr val="000000"/>
-                </a:solidFill>
-                <a:latin typeface="Courier New" panose="02070309020205020404" pitchFamily="49" charset="0"/>
-                <a:ea typeface="Times New Roman" panose="02020603050405020304" pitchFamily="18" charset="0"/>
-              </a:rPr>
-            </a:br>
-            <a:r>
-              <a:rPr lang="en-US" sz="1400" dirty="0">
-                <a:solidFill>
-                  <a:srgbClr val="000000"/>
-                </a:solidFill>
-                <a:latin typeface="Courier New" panose="02070309020205020404" pitchFamily="49" charset="0"/>
-                <a:ea typeface="Times New Roman" panose="02020603050405020304" pitchFamily="18" charset="0"/>
-              </a:rPr>
-              <a:t>    &lt;/</a:t>
-            </a:r>
-            <a:r>
-              <a:rPr lang="en-US" sz="1400" b="1" dirty="0">
-                <a:solidFill>
-                  <a:srgbClr val="000080"/>
-                </a:solidFill>
-                <a:latin typeface="Courier New" panose="02070309020205020404" pitchFamily="49" charset="0"/>
-                <a:ea typeface="Times New Roman" panose="02020603050405020304" pitchFamily="18" charset="0"/>
-              </a:rPr>
-              <a:t>li</a:t>
-            </a:r>
-            <a:r>
-              <a:rPr lang="en-US" sz="1400" dirty="0">
-                <a:solidFill>
-                  <a:srgbClr val="000000"/>
-                </a:solidFill>
-                <a:latin typeface="Courier New" panose="02070309020205020404" pitchFamily="49" charset="0"/>
-                <a:ea typeface="Times New Roman" panose="02020603050405020304" pitchFamily="18" charset="0"/>
-              </a:rPr>
-              <a:t>&gt;</a:t>
-            </a:r>
-            <a:br>
-              <a:rPr lang="en-US" sz="1400" dirty="0">
-                <a:solidFill>
-                  <a:srgbClr val="000000"/>
-                </a:solidFill>
-                <a:latin typeface="Courier New" panose="02070309020205020404" pitchFamily="49" charset="0"/>
-                <a:ea typeface="Times New Roman" panose="02020603050405020304" pitchFamily="18" charset="0"/>
-              </a:rPr>
-            </a:br>
-            <a:r>
-              <a:rPr lang="en-US" sz="1400" dirty="0">
-                <a:solidFill>
-                  <a:srgbClr val="000000"/>
-                </a:solidFill>
-                <a:latin typeface="Courier New" panose="02070309020205020404" pitchFamily="49" charset="0"/>
-                <a:ea typeface="Times New Roman" panose="02020603050405020304" pitchFamily="18" charset="0"/>
-              </a:rPr>
-              <a:t>&lt;/</a:t>
-            </a:r>
-            <a:r>
-              <a:rPr lang="en-US" sz="1400" b="1" dirty="0" err="1">
-                <a:solidFill>
-                  <a:srgbClr val="000080"/>
-                </a:solidFill>
-                <a:latin typeface="Courier New" panose="02070309020205020404" pitchFamily="49" charset="0"/>
-                <a:ea typeface="Times New Roman" panose="02020603050405020304" pitchFamily="18" charset="0"/>
-              </a:rPr>
-              <a:t>ul</a:t>
-            </a:r>
-            <a:r>
-              <a:rPr lang="en-US" sz="1400" dirty="0">
-                <a:solidFill>
-                  <a:srgbClr val="000000"/>
-                </a:solidFill>
-                <a:latin typeface="Courier New" panose="02070309020205020404" pitchFamily="49" charset="0"/>
-                <a:ea typeface="Times New Roman" panose="02020603050405020304" pitchFamily="18" charset="0"/>
-              </a:rPr>
-              <a:t>&gt;</a:t>
-            </a:r>
-            <a:endParaRPr lang="he-IL" sz="1400" dirty="0"/>
-          </a:p>
-        </p:txBody>
-      </p:sp>
-      <p:sp>
-        <p:nvSpPr>
-          <p:cNvPr id="7" name="Rectangle 6"/>
-          <p:cNvSpPr/>
-          <p:nvPr/>
-        </p:nvSpPr>
-        <p:spPr>
-          <a:xfrm>
-            <a:off x="2438146" y="4875456"/>
-            <a:ext cx="3951670" cy="1169551"/>
-          </a:xfrm>
-          <a:prstGeom prst="rect">
-            <a:avLst/>
-          </a:prstGeom>
-          <a:solidFill>
-            <a:schemeClr val="accent1">
-              <a:lumMod val="40000"/>
-              <a:lumOff val="60000"/>
-            </a:schemeClr>
-          </a:solidFill>
-        </p:spPr>
-        <p:txBody>
-          <a:bodyPr wrap="square">
-            <a:spAutoFit/>
-          </a:bodyPr>
-          <a:lstStyle/>
-          <a:p>
-            <a:r>
-              <a:rPr lang="en-US" sz="1400" dirty="0">
-                <a:solidFill>
-                  <a:srgbClr val="000000"/>
-                </a:solidFill>
-                <a:latin typeface="Courier New" panose="02070309020205020404" pitchFamily="49" charset="0"/>
-                <a:ea typeface="Calibri" panose="020F0502020204030204" pitchFamily="34" charset="0"/>
-                <a:cs typeface="Courier New" panose="02070309020205020404" pitchFamily="49" charset="0"/>
-              </a:rPr>
-              <a:t>&lt;</a:t>
-            </a:r>
-            <a:r>
-              <a:rPr lang="en-US" sz="1400" b="1" dirty="0">
-                <a:solidFill>
-                  <a:srgbClr val="000080"/>
-                </a:solidFill>
-                <a:latin typeface="Courier New" panose="02070309020205020404" pitchFamily="49" charset="0"/>
-                <a:ea typeface="Calibri" panose="020F0502020204030204" pitchFamily="34" charset="0"/>
-                <a:cs typeface="Courier New" panose="02070309020205020404" pitchFamily="49" charset="0"/>
-              </a:rPr>
-              <a:t>div </a:t>
-            </a:r>
-            <a:r>
-              <a:rPr lang="en-US" sz="1400" b="1" dirty="0">
-                <a:solidFill>
-                  <a:srgbClr val="0000FF"/>
-                </a:solidFill>
-                <a:latin typeface="Courier New" panose="02070309020205020404" pitchFamily="49" charset="0"/>
-                <a:ea typeface="Calibri" panose="020F0502020204030204" pitchFamily="34" charset="0"/>
-                <a:cs typeface="Courier New" panose="02070309020205020404" pitchFamily="49" charset="0"/>
-              </a:rPr>
-              <a:t>class=</a:t>
-            </a:r>
-            <a:r>
-              <a:rPr lang="en-US" sz="1400" b="1" dirty="0">
-                <a:solidFill>
-                  <a:srgbClr val="008000"/>
-                </a:solidFill>
-                <a:latin typeface="Courier New" panose="02070309020205020404" pitchFamily="49" charset="0"/>
-                <a:ea typeface="Calibri" panose="020F0502020204030204" pitchFamily="34" charset="0"/>
-                <a:cs typeface="Courier New" panose="02070309020205020404" pitchFamily="49" charset="0"/>
-              </a:rPr>
-              <a:t>"buttons"</a:t>
-            </a:r>
-            <a:r>
-              <a:rPr lang="en-US" sz="1400" dirty="0">
-                <a:solidFill>
-                  <a:srgbClr val="000000"/>
-                </a:solidFill>
-                <a:latin typeface="Courier New" panose="02070309020205020404" pitchFamily="49" charset="0"/>
-                <a:ea typeface="Calibri" panose="020F0502020204030204" pitchFamily="34" charset="0"/>
-                <a:cs typeface="Courier New" panose="02070309020205020404" pitchFamily="49" charset="0"/>
-              </a:rPr>
-              <a:t>&gt;</a:t>
-            </a:r>
-            <a:br>
-              <a:rPr lang="en-US" sz="1400" dirty="0">
-                <a:solidFill>
-                  <a:srgbClr val="000000"/>
-                </a:solidFill>
-                <a:latin typeface="Courier New" panose="02070309020205020404" pitchFamily="49" charset="0"/>
-                <a:ea typeface="Calibri" panose="020F0502020204030204" pitchFamily="34" charset="0"/>
-                <a:cs typeface="Courier New" panose="02070309020205020404" pitchFamily="49" charset="0"/>
-              </a:rPr>
-            </a:br>
-            <a:r>
-              <a:rPr lang="en-US" sz="1400" dirty="0">
-                <a:solidFill>
-                  <a:srgbClr val="000000"/>
-                </a:solidFill>
-                <a:latin typeface="Courier New" panose="02070309020205020404" pitchFamily="49" charset="0"/>
-                <a:ea typeface="Calibri" panose="020F0502020204030204" pitchFamily="34" charset="0"/>
-                <a:cs typeface="Courier New" panose="02070309020205020404" pitchFamily="49" charset="0"/>
-              </a:rPr>
-              <a:t>    &lt;</a:t>
-            </a:r>
-            <a:r>
-              <a:rPr lang="en-US" sz="1400" b="1" dirty="0">
-                <a:solidFill>
-                  <a:srgbClr val="000080"/>
-                </a:solidFill>
-                <a:latin typeface="Courier New" panose="02070309020205020404" pitchFamily="49" charset="0"/>
-                <a:ea typeface="Calibri" panose="020F0502020204030204" pitchFamily="34" charset="0"/>
-                <a:cs typeface="Courier New" panose="02070309020205020404" pitchFamily="49" charset="0"/>
-              </a:rPr>
-              <a:t>button</a:t>
-            </a:r>
-            <a:r>
-              <a:rPr lang="en-US" sz="1400" dirty="0">
-                <a:solidFill>
-                  <a:srgbClr val="000000"/>
-                </a:solidFill>
-                <a:latin typeface="Courier New" panose="02070309020205020404" pitchFamily="49" charset="0"/>
-                <a:ea typeface="Calibri" panose="020F0502020204030204" pitchFamily="34" charset="0"/>
-                <a:cs typeface="Courier New" panose="02070309020205020404" pitchFamily="49" charset="0"/>
-              </a:rPr>
-              <a:t>&gt;Refresh&lt;/</a:t>
-            </a:r>
-            <a:r>
-              <a:rPr lang="en-US" sz="1400" b="1" dirty="0">
-                <a:solidFill>
-                  <a:srgbClr val="000080"/>
-                </a:solidFill>
-                <a:latin typeface="Courier New" panose="02070309020205020404" pitchFamily="49" charset="0"/>
-                <a:ea typeface="Calibri" panose="020F0502020204030204" pitchFamily="34" charset="0"/>
-                <a:cs typeface="Courier New" panose="02070309020205020404" pitchFamily="49" charset="0"/>
-              </a:rPr>
-              <a:t>button</a:t>
-            </a:r>
-            <a:r>
-              <a:rPr lang="en-US" sz="1400" dirty="0">
-                <a:solidFill>
-                  <a:srgbClr val="000000"/>
-                </a:solidFill>
-                <a:latin typeface="Courier New" panose="02070309020205020404" pitchFamily="49" charset="0"/>
-                <a:ea typeface="Calibri" panose="020F0502020204030204" pitchFamily="34" charset="0"/>
-                <a:cs typeface="Courier New" panose="02070309020205020404" pitchFamily="49" charset="0"/>
-              </a:rPr>
-              <a:t>&gt;</a:t>
-            </a:r>
-            <a:br>
-              <a:rPr lang="en-US" sz="1400" dirty="0">
-                <a:solidFill>
-                  <a:srgbClr val="000000"/>
-                </a:solidFill>
-                <a:latin typeface="Courier New" panose="02070309020205020404" pitchFamily="49" charset="0"/>
-                <a:ea typeface="Calibri" panose="020F0502020204030204" pitchFamily="34" charset="0"/>
-                <a:cs typeface="Courier New" panose="02070309020205020404" pitchFamily="49" charset="0"/>
-              </a:rPr>
-            </a:br>
-            <a:r>
-              <a:rPr lang="en-US" sz="1400" dirty="0">
-                <a:solidFill>
-                  <a:srgbClr val="000000"/>
-                </a:solidFill>
-                <a:latin typeface="Courier New" panose="02070309020205020404" pitchFamily="49" charset="0"/>
-                <a:ea typeface="Calibri" panose="020F0502020204030204" pitchFamily="34" charset="0"/>
-                <a:cs typeface="Courier New" panose="02070309020205020404" pitchFamily="49" charset="0"/>
-              </a:rPr>
-              <a:t>&lt;/</a:t>
-            </a:r>
-            <a:r>
-              <a:rPr lang="en-US" sz="1400" b="1" dirty="0">
-                <a:solidFill>
-                  <a:srgbClr val="000080"/>
-                </a:solidFill>
-                <a:latin typeface="Courier New" panose="02070309020205020404" pitchFamily="49" charset="0"/>
-                <a:ea typeface="Calibri" panose="020F0502020204030204" pitchFamily="34" charset="0"/>
-                <a:cs typeface="Courier New" panose="02070309020205020404" pitchFamily="49" charset="0"/>
-              </a:rPr>
-              <a:t>div</a:t>
-            </a:r>
-            <a:r>
-              <a:rPr lang="en-US" sz="1400" dirty="0">
-                <a:solidFill>
-                  <a:srgbClr val="000000"/>
-                </a:solidFill>
-                <a:latin typeface="Courier New" panose="02070309020205020404" pitchFamily="49" charset="0"/>
-                <a:ea typeface="Calibri" panose="020F0502020204030204" pitchFamily="34" charset="0"/>
-                <a:cs typeface="Courier New" panose="02070309020205020404" pitchFamily="49" charset="0"/>
-              </a:rPr>
-              <a:t>&gt;</a:t>
-            </a:r>
-            <a:br>
-              <a:rPr lang="en-US" sz="1400" dirty="0">
-                <a:solidFill>
-                  <a:srgbClr val="000000"/>
-                </a:solidFill>
-                <a:latin typeface="Courier New" panose="02070309020205020404" pitchFamily="49" charset="0"/>
-                <a:ea typeface="Calibri" panose="020F0502020204030204" pitchFamily="34" charset="0"/>
-                <a:cs typeface="Courier New" panose="02070309020205020404" pitchFamily="49" charset="0"/>
-              </a:rPr>
-            </a:br>
-            <a:br>
-              <a:rPr lang="en-US" sz="1400" dirty="0">
-                <a:solidFill>
-                  <a:srgbClr val="000000"/>
-                </a:solidFill>
-                <a:latin typeface="Courier New" panose="02070309020205020404" pitchFamily="49" charset="0"/>
-                <a:ea typeface="Calibri" panose="020F0502020204030204" pitchFamily="34" charset="0"/>
-                <a:cs typeface="Courier New" panose="02070309020205020404" pitchFamily="49" charset="0"/>
-              </a:rPr>
-            </a:br>
-            <a:r>
-              <a:rPr lang="en-US" sz="1400" dirty="0">
-                <a:solidFill>
-                  <a:srgbClr val="000000"/>
-                </a:solidFill>
-                <a:latin typeface="Courier New" panose="02070309020205020404" pitchFamily="49" charset="0"/>
-                <a:ea typeface="Calibri" panose="020F0502020204030204" pitchFamily="34" charset="0"/>
-                <a:cs typeface="Courier New" panose="02070309020205020404" pitchFamily="49" charset="0"/>
-              </a:rPr>
-              <a:t>&lt;</a:t>
-            </a:r>
-            <a:r>
-              <a:rPr lang="en-US" sz="1400" b="1" dirty="0">
-                <a:solidFill>
-                  <a:srgbClr val="000080"/>
-                </a:solidFill>
-                <a:latin typeface="Courier New" panose="02070309020205020404" pitchFamily="49" charset="0"/>
-                <a:ea typeface="Calibri" panose="020F0502020204030204" pitchFamily="34" charset="0"/>
-                <a:cs typeface="Courier New" panose="02070309020205020404" pitchFamily="49" charset="0"/>
-              </a:rPr>
-              <a:t>my-contact-list</a:t>
-            </a:r>
-            <a:r>
-              <a:rPr lang="en-US" sz="1400" dirty="0">
-                <a:solidFill>
-                  <a:srgbClr val="000000"/>
-                </a:solidFill>
-                <a:latin typeface="Courier New" panose="02070309020205020404" pitchFamily="49" charset="0"/>
-                <a:ea typeface="Calibri" panose="020F0502020204030204" pitchFamily="34" charset="0"/>
-                <a:cs typeface="Courier New" panose="02070309020205020404" pitchFamily="49" charset="0"/>
-              </a:rPr>
-              <a:t>&gt;&lt;/</a:t>
-            </a:r>
-            <a:r>
-              <a:rPr lang="en-US" sz="1400" b="1" dirty="0">
-                <a:solidFill>
-                  <a:srgbClr val="000080"/>
-                </a:solidFill>
-                <a:latin typeface="Courier New" panose="02070309020205020404" pitchFamily="49" charset="0"/>
-                <a:ea typeface="Calibri" panose="020F0502020204030204" pitchFamily="34" charset="0"/>
-                <a:cs typeface="Courier New" panose="02070309020205020404" pitchFamily="49" charset="0"/>
-              </a:rPr>
-              <a:t>my-contact-list</a:t>
-            </a:r>
-            <a:r>
-              <a:rPr lang="en-US" sz="1400" dirty="0">
-                <a:solidFill>
-                  <a:srgbClr val="000000"/>
-                </a:solidFill>
-                <a:latin typeface="Courier New" panose="02070309020205020404" pitchFamily="49" charset="0"/>
-                <a:ea typeface="Calibri" panose="020F0502020204030204" pitchFamily="34" charset="0"/>
-                <a:cs typeface="Courier New" panose="02070309020205020404" pitchFamily="49" charset="0"/>
-              </a:rPr>
-              <a:t>&gt;</a:t>
-            </a:r>
-            <a:endParaRPr lang="he-IL" sz="1400" dirty="0">
-              <a:latin typeface="Courier New" panose="02070309020205020404" pitchFamily="49" charset="0"/>
-              <a:cs typeface="Courier New" panose="02070309020205020404" pitchFamily="49" charset="0"/>
-            </a:endParaRPr>
-          </a:p>
-        </p:txBody>
-      </p:sp>
-      <p:sp>
-        <p:nvSpPr>
-          <p:cNvPr id="8" name="Callout: Bent Line with No Border 7"/>
-          <p:cNvSpPr/>
-          <p:nvPr/>
-        </p:nvSpPr>
-        <p:spPr>
-          <a:xfrm>
-            <a:off x="7016126" y="3501008"/>
-            <a:ext cx="1566618" cy="1296144"/>
-          </a:xfrm>
-          <a:prstGeom prst="callout2">
-            <a:avLst>
-              <a:gd name="adj1" fmla="val 134055"/>
-              <a:gd name="adj2" fmla="val -93739"/>
-              <a:gd name="adj3" fmla="val 18750"/>
-              <a:gd name="adj4" fmla="val -16667"/>
-              <a:gd name="adj5" fmla="val -21588"/>
-              <a:gd name="adj6" fmla="val -94016"/>
-            </a:avLst>
-          </a:prstGeom>
-        </p:spPr>
-        <p:style>
-          <a:lnRef idx="2">
-            <a:schemeClr val="accent4">
-              <a:shade val="50000"/>
-            </a:schemeClr>
-          </a:lnRef>
-          <a:fillRef idx="1">
-            <a:schemeClr val="accent4"/>
-          </a:fillRef>
-          <a:effectRef idx="0">
-            <a:schemeClr val="accent4"/>
-          </a:effectRef>
-          <a:fontRef idx="minor">
-            <a:schemeClr val="lt1"/>
-          </a:fontRef>
-        </p:style>
-        <p:txBody>
-          <a:bodyPr rtlCol="1" anchor="ctr"/>
-          <a:lstStyle/>
-          <a:p>
-            <a:pPr algn="ctr"/>
-            <a:r>
-              <a:rPr lang="en-US" dirty="0"/>
-              <a:t>How easily can we style each button differently ?</a:t>
-            </a:r>
-            <a:endParaRPr lang="he-IL" dirty="0"/>
-          </a:p>
-        </p:txBody>
-      </p:sp>
-      <p:sp>
-        <p:nvSpPr>
-          <p:cNvPr id="9" name="TextBox 8"/>
-          <p:cNvSpPr txBox="1"/>
-          <p:nvPr/>
-        </p:nvSpPr>
-        <p:spPr>
-          <a:xfrm>
-            <a:off x="323528" y="2418687"/>
-            <a:ext cx="1775867" cy="307777"/>
-          </a:xfrm>
-          <a:prstGeom prst="rect">
-            <a:avLst/>
-          </a:prstGeom>
-          <a:noFill/>
-        </p:spPr>
-        <p:txBody>
-          <a:bodyPr wrap="square" rtlCol="1">
-            <a:spAutoFit/>
-          </a:bodyPr>
-          <a:lstStyle/>
-          <a:p>
-            <a:r>
-              <a:rPr lang="en-US" sz="1400" dirty="0">
-                <a:solidFill>
-                  <a:srgbClr val="FF0000"/>
-                </a:solidFill>
-              </a:rPr>
-              <a:t>parent.component.html</a:t>
-            </a:r>
-            <a:endParaRPr lang="he-IL" sz="1400" dirty="0">
-              <a:solidFill>
-                <a:srgbClr val="FF0000"/>
-              </a:solidFill>
-            </a:endParaRPr>
-          </a:p>
-        </p:txBody>
-      </p:sp>
-      <p:sp>
-        <p:nvSpPr>
-          <p:cNvPr id="10" name="TextBox 9"/>
-          <p:cNvSpPr txBox="1"/>
-          <p:nvPr/>
-        </p:nvSpPr>
-        <p:spPr>
-          <a:xfrm>
-            <a:off x="323529" y="4875456"/>
-            <a:ext cx="2114618" cy="307777"/>
-          </a:xfrm>
-          <a:prstGeom prst="rect">
-            <a:avLst/>
-          </a:prstGeom>
-          <a:noFill/>
-        </p:spPr>
-        <p:txBody>
-          <a:bodyPr wrap="square" rtlCol="1">
-            <a:spAutoFit/>
-          </a:bodyPr>
-          <a:lstStyle/>
-          <a:p>
-            <a:r>
-              <a:rPr lang="en-US" sz="1400" dirty="0">
-                <a:solidFill>
-                  <a:srgbClr val="FF0000"/>
-                </a:solidFill>
-              </a:rPr>
-              <a:t>contactList.component.html</a:t>
-            </a:r>
-            <a:endParaRPr lang="he-IL" sz="1400" dirty="0">
-              <a:solidFill>
-                <a:srgbClr val="FF0000"/>
-              </a:solidFill>
-            </a:endParaRPr>
+            <a:endParaRPr lang="he-IL"/>
           </a:p>
         </p:txBody>
       </p:sp>
     </p:spTree>
     <p:extLst>
       <p:ext uri="{BB962C8B-B14F-4D97-AF65-F5344CB8AC3E}">
-        <p14:creationId xmlns:p14="http://schemas.microsoft.com/office/powerpoint/2010/main" val="374646537"/>
+        <p14:creationId xmlns:p14="http://schemas.microsoft.com/office/powerpoint/2010/main" val="2714939200"/>
       </p:ext>
     </p:extLst>
   </p:cSld>
@@ -5546,13 +4739,7 @@
       </p:grpSpPr>
       <p:sp>
         <p:nvSpPr>
-          <p:cNvPr id="2" name="Title 1">
-            <a:extLst>
-              <a:ext uri="{FF2B5EF4-FFF2-40B4-BE49-F238E27FC236}">
-                <a16:creationId xmlns:a16="http://schemas.microsoft.com/office/drawing/2014/main" id="{9C055714-807D-4FCD-8D5F-6ADE371CAD05}"/>
-              </a:ext>
-            </a:extLst>
-          </p:cNvPr>
+          <p:cNvPr id="2" name="Title 1"/>
           <p:cNvSpPr>
             <a:spLocks noGrp="1"/>
           </p:cNvSpPr>
@@ -5567,7 +4754,7 @@
           <a:p>
             <a:r>
               <a:rPr lang="en-US" dirty="0"/>
-              <a:t>Memory Profiling</a:t>
+              <a:t>Summary</a:t>
             </a:r>
             <a:endParaRPr lang="he-IL" dirty="0"/>
           </a:p>
@@ -5575,13 +4762,7 @@
       </p:sp>
       <p:sp>
         <p:nvSpPr>
-          <p:cNvPr id="3" name="Footer Placeholder 2">
-            <a:extLst>
-              <a:ext uri="{FF2B5EF4-FFF2-40B4-BE49-F238E27FC236}">
-                <a16:creationId xmlns:a16="http://schemas.microsoft.com/office/drawing/2014/main" id="{431F83B4-98CA-454C-AE4E-E2B5CCEE26A1}"/>
-              </a:ext>
-            </a:extLst>
-          </p:cNvPr>
+          <p:cNvPr id="3" name="Footer Placeholder 2"/>
           <p:cNvSpPr>
             <a:spLocks noGrp="1"/>
           </p:cNvSpPr>
@@ -5604,13 +4785,7 @@
       </p:sp>
       <p:sp>
         <p:nvSpPr>
-          <p:cNvPr id="4" name="Slide Number Placeholder 3">
-            <a:extLst>
-              <a:ext uri="{FF2B5EF4-FFF2-40B4-BE49-F238E27FC236}">
-                <a16:creationId xmlns:a16="http://schemas.microsoft.com/office/drawing/2014/main" id="{75EC0604-7C31-4C75-8178-9FC2DAED6CDA}"/>
-              </a:ext>
-            </a:extLst>
-          </p:cNvPr>
+          <p:cNvPr id="4" name="Slide Number Placeholder 3"/>
           <p:cNvSpPr>
             <a:spLocks noGrp="1"/>
           </p:cNvSpPr>
@@ -5629,423 +4804,6 @@
               <a:rPr lang="en-US" smtClean="0"/>
               <a:pPr/>
               <a:t>12</a:t>
-            </a:fld>
-            <a:endParaRPr lang="en-US"/>
-          </a:p>
-        </p:txBody>
-      </p:sp>
-      <p:sp>
-        <p:nvSpPr>
-          <p:cNvPr id="5" name="Content Placeholder 4">
-            <a:extLst>
-              <a:ext uri="{FF2B5EF4-FFF2-40B4-BE49-F238E27FC236}">
-                <a16:creationId xmlns:a16="http://schemas.microsoft.com/office/drawing/2014/main" id="{80E8F68E-5835-47C8-B3D0-FB5D4A0302F4}"/>
-              </a:ext>
-            </a:extLst>
-          </p:cNvPr>
-          <p:cNvSpPr>
-            <a:spLocks noGrp="1"/>
-          </p:cNvSpPr>
-          <p:nvPr>
-            <p:ph sz="quarter" idx="1"/>
-          </p:nvPr>
-        </p:nvSpPr>
-        <p:spPr/>
-        <p:txBody>
-          <a:bodyPr/>
-          <a:lstStyle/>
-          <a:p>
-            <a:endParaRPr lang="he-IL"/>
-          </a:p>
-        </p:txBody>
-      </p:sp>
-    </p:spTree>
-    <p:extLst>
-      <p:ext uri="{BB962C8B-B14F-4D97-AF65-F5344CB8AC3E}">
-        <p14:creationId xmlns:p14="http://schemas.microsoft.com/office/powerpoint/2010/main" val="1912152949"/>
-      </p:ext>
-    </p:extLst>
-  </p:cSld>
-  <p:clrMapOvr>
-    <a:masterClrMapping/>
-  </p:clrMapOvr>
-</p:sld>
-</file>
-
-<file path=ppt/slides/slide13.xml><?xml version="1.0" encoding="utf-8"?>
-<p:sld xmlns:a="http://schemas.openxmlformats.org/drawingml/2006/main" xmlns:r="http://schemas.openxmlformats.org/officeDocument/2006/relationships" xmlns:p="http://schemas.openxmlformats.org/presentationml/2006/main">
-  <p:cSld>
-    <p:spTree>
-      <p:nvGrpSpPr>
-        <p:cNvPr id="1" name=""/>
-        <p:cNvGrpSpPr/>
-        <p:nvPr/>
-      </p:nvGrpSpPr>
-      <p:grpSpPr>
-        <a:xfrm>
-          <a:off x="0" y="0"/>
-          <a:ext cx="0" cy="0"/>
-          <a:chOff x="0" y="0"/>
-          <a:chExt cx="0" cy="0"/>
-        </a:xfrm>
-      </p:grpSpPr>
-      <p:sp>
-        <p:nvSpPr>
-          <p:cNvPr id="2" name="Title 1">
-            <a:extLst>
-              <a:ext uri="{FF2B5EF4-FFF2-40B4-BE49-F238E27FC236}">
-                <a16:creationId xmlns:a16="http://schemas.microsoft.com/office/drawing/2014/main" id="{319EF3EC-649B-4053-B512-3CBFF9895B05}"/>
-              </a:ext>
-            </a:extLst>
-          </p:cNvPr>
-          <p:cNvSpPr>
-            <a:spLocks noGrp="1"/>
-          </p:cNvSpPr>
-          <p:nvPr>
-            <p:ph type="title"/>
-          </p:nvPr>
-        </p:nvSpPr>
-        <p:spPr/>
-        <p:txBody>
-          <a:bodyPr/>
-          <a:lstStyle/>
-          <a:p>
-            <a:r>
-              <a:rPr lang="en-US" dirty="0"/>
-              <a:t>Reduce Build Time</a:t>
-            </a:r>
-            <a:endParaRPr lang="he-IL" dirty="0"/>
-          </a:p>
-        </p:txBody>
-      </p:sp>
-      <p:sp>
-        <p:nvSpPr>
-          <p:cNvPr id="3" name="Footer Placeholder 2">
-            <a:extLst>
-              <a:ext uri="{FF2B5EF4-FFF2-40B4-BE49-F238E27FC236}">
-                <a16:creationId xmlns:a16="http://schemas.microsoft.com/office/drawing/2014/main" id="{5B1988C8-2EE8-47C9-BDE5-0CE76C34BF5D}"/>
-              </a:ext>
-            </a:extLst>
-          </p:cNvPr>
-          <p:cNvSpPr>
-            <a:spLocks noGrp="1"/>
-          </p:cNvSpPr>
-          <p:nvPr>
-            <p:ph type="ftr" sz="quarter" idx="11"/>
-          </p:nvPr>
-        </p:nvSpPr>
-        <p:spPr/>
-        <p:txBody>
-          <a:bodyPr/>
-          <a:lstStyle/>
-          <a:p>
-            <a:r>
-              <a:rPr lang="en-US"/>
-              <a:t>© 2018 Ori Calvo</a:t>
-            </a:r>
-            <a:endParaRPr lang="en-US" dirty="0"/>
-          </a:p>
-        </p:txBody>
-      </p:sp>
-      <p:sp>
-        <p:nvSpPr>
-          <p:cNvPr id="4" name="Slide Number Placeholder 3">
-            <a:extLst>
-              <a:ext uri="{FF2B5EF4-FFF2-40B4-BE49-F238E27FC236}">
-                <a16:creationId xmlns:a16="http://schemas.microsoft.com/office/drawing/2014/main" id="{DACFA08C-5E55-4B50-9AC8-E55886C68573}"/>
-              </a:ext>
-            </a:extLst>
-          </p:cNvPr>
-          <p:cNvSpPr>
-            <a:spLocks noGrp="1"/>
-          </p:cNvSpPr>
-          <p:nvPr>
-            <p:ph type="sldNum" sz="quarter" idx="12"/>
-          </p:nvPr>
-        </p:nvSpPr>
-        <p:spPr/>
-        <p:txBody>
-          <a:bodyPr>
-            <a:normAutofit fontScale="85000" lnSpcReduction="20000"/>
-          </a:bodyPr>
-          <a:lstStyle/>
-          <a:p>
-            <a:fld id="{6EDEC3BC-0694-4586-AE63-02B4D54ABF43}" type="slidenum">
-              <a:rPr lang="en-US" smtClean="0"/>
-              <a:pPr/>
-              <a:t>13</a:t>
-            </a:fld>
-            <a:endParaRPr lang="en-US"/>
-          </a:p>
-        </p:txBody>
-      </p:sp>
-      <p:sp>
-        <p:nvSpPr>
-          <p:cNvPr id="5" name="Content Placeholder 4">
-            <a:extLst>
-              <a:ext uri="{FF2B5EF4-FFF2-40B4-BE49-F238E27FC236}">
-                <a16:creationId xmlns:a16="http://schemas.microsoft.com/office/drawing/2014/main" id="{AB1D257E-9360-40F6-B9CA-382C9218B483}"/>
-              </a:ext>
-            </a:extLst>
-          </p:cNvPr>
-          <p:cNvSpPr>
-            <a:spLocks noGrp="1"/>
-          </p:cNvSpPr>
-          <p:nvPr>
-            <p:ph sz="quarter" idx="1"/>
-          </p:nvPr>
-        </p:nvSpPr>
-        <p:spPr/>
-        <p:txBody>
-          <a:bodyPr/>
-          <a:lstStyle/>
-          <a:p>
-            <a:endParaRPr lang="he-IL"/>
-          </a:p>
-        </p:txBody>
-      </p:sp>
-    </p:spTree>
-    <p:extLst>
-      <p:ext uri="{BB962C8B-B14F-4D97-AF65-F5344CB8AC3E}">
-        <p14:creationId xmlns:p14="http://schemas.microsoft.com/office/powerpoint/2010/main" val="1192187413"/>
-      </p:ext>
-    </p:extLst>
-  </p:cSld>
-  <p:clrMapOvr>
-    <a:masterClrMapping/>
-  </p:clrMapOvr>
-</p:sld>
-</file>
-
-<file path=ppt/slides/slide14.xml><?xml version="1.0" encoding="utf-8"?>
-<p:sld xmlns:a="http://schemas.openxmlformats.org/drawingml/2006/main" xmlns:r="http://schemas.openxmlformats.org/officeDocument/2006/relationships" xmlns:p="http://schemas.openxmlformats.org/presentationml/2006/main">
-  <p:cSld>
-    <p:spTree>
-      <p:nvGrpSpPr>
-        <p:cNvPr id="1" name=""/>
-        <p:cNvGrpSpPr/>
-        <p:nvPr/>
-      </p:nvGrpSpPr>
-      <p:grpSpPr>
-        <a:xfrm>
-          <a:off x="0" y="0"/>
-          <a:ext cx="0" cy="0"/>
-          <a:chOff x="0" y="0"/>
-          <a:chExt cx="0" cy="0"/>
-        </a:xfrm>
-      </p:grpSpPr>
-      <p:sp>
-        <p:nvSpPr>
-          <p:cNvPr id="2" name="Title 1">
-            <a:extLst>
-              <a:ext uri="{FF2B5EF4-FFF2-40B4-BE49-F238E27FC236}">
-                <a16:creationId xmlns:a16="http://schemas.microsoft.com/office/drawing/2014/main" id="{1CA7EAFB-3EB9-4B20-B49D-0642ECE1813E}"/>
-              </a:ext>
-            </a:extLst>
-          </p:cNvPr>
-          <p:cNvSpPr>
-            <a:spLocks noGrp="1"/>
-          </p:cNvSpPr>
-          <p:nvPr>
-            <p:ph type="title"/>
-          </p:nvPr>
-        </p:nvSpPr>
-        <p:spPr/>
-        <p:txBody>
-          <a:bodyPr/>
-          <a:lstStyle/>
-          <a:p>
-            <a:r>
-              <a:rPr lang="en-US" dirty="0"/>
-              <a:t>Reduce Bundle Size</a:t>
-            </a:r>
-            <a:endParaRPr lang="he-IL" dirty="0"/>
-          </a:p>
-        </p:txBody>
-      </p:sp>
-      <p:sp>
-        <p:nvSpPr>
-          <p:cNvPr id="3" name="Footer Placeholder 2">
-            <a:extLst>
-              <a:ext uri="{FF2B5EF4-FFF2-40B4-BE49-F238E27FC236}">
-                <a16:creationId xmlns:a16="http://schemas.microsoft.com/office/drawing/2014/main" id="{36244A4F-03D8-440D-BFF4-261DFF71B7AE}"/>
-              </a:ext>
-            </a:extLst>
-          </p:cNvPr>
-          <p:cNvSpPr>
-            <a:spLocks noGrp="1"/>
-          </p:cNvSpPr>
-          <p:nvPr>
-            <p:ph type="ftr" sz="quarter" idx="11"/>
-          </p:nvPr>
-        </p:nvSpPr>
-        <p:spPr/>
-        <p:txBody>
-          <a:bodyPr/>
-          <a:lstStyle/>
-          <a:p>
-            <a:r>
-              <a:rPr lang="en-US"/>
-              <a:t>© 2018 Ori Calvo</a:t>
-            </a:r>
-            <a:endParaRPr lang="en-US" dirty="0"/>
-          </a:p>
-        </p:txBody>
-      </p:sp>
-      <p:sp>
-        <p:nvSpPr>
-          <p:cNvPr id="4" name="Slide Number Placeholder 3">
-            <a:extLst>
-              <a:ext uri="{FF2B5EF4-FFF2-40B4-BE49-F238E27FC236}">
-                <a16:creationId xmlns:a16="http://schemas.microsoft.com/office/drawing/2014/main" id="{8D764C44-B2C9-4DB9-AB66-E30BD0515ACA}"/>
-              </a:ext>
-            </a:extLst>
-          </p:cNvPr>
-          <p:cNvSpPr>
-            <a:spLocks noGrp="1"/>
-          </p:cNvSpPr>
-          <p:nvPr>
-            <p:ph type="sldNum" sz="quarter" idx="12"/>
-          </p:nvPr>
-        </p:nvSpPr>
-        <p:spPr/>
-        <p:txBody>
-          <a:bodyPr>
-            <a:normAutofit fontScale="85000" lnSpcReduction="20000"/>
-          </a:bodyPr>
-          <a:lstStyle/>
-          <a:p>
-            <a:fld id="{6EDEC3BC-0694-4586-AE63-02B4D54ABF43}" type="slidenum">
-              <a:rPr lang="en-US" smtClean="0"/>
-              <a:pPr/>
-              <a:t>14</a:t>
-            </a:fld>
-            <a:endParaRPr lang="en-US"/>
-          </a:p>
-        </p:txBody>
-      </p:sp>
-      <p:sp>
-        <p:nvSpPr>
-          <p:cNvPr id="5" name="Content Placeholder 4">
-            <a:extLst>
-              <a:ext uri="{FF2B5EF4-FFF2-40B4-BE49-F238E27FC236}">
-                <a16:creationId xmlns:a16="http://schemas.microsoft.com/office/drawing/2014/main" id="{966F93F3-6F11-4C04-B115-55DDEF315133}"/>
-              </a:ext>
-            </a:extLst>
-          </p:cNvPr>
-          <p:cNvSpPr>
-            <a:spLocks noGrp="1"/>
-          </p:cNvSpPr>
-          <p:nvPr>
-            <p:ph sz="quarter" idx="1"/>
-          </p:nvPr>
-        </p:nvSpPr>
-        <p:spPr/>
-        <p:txBody>
-          <a:bodyPr/>
-          <a:lstStyle/>
-          <a:p>
-            <a:endParaRPr lang="he-IL"/>
-          </a:p>
-        </p:txBody>
-      </p:sp>
-    </p:spTree>
-    <p:extLst>
-      <p:ext uri="{BB962C8B-B14F-4D97-AF65-F5344CB8AC3E}">
-        <p14:creationId xmlns:p14="http://schemas.microsoft.com/office/powerpoint/2010/main" val="3665427136"/>
-      </p:ext>
-    </p:extLst>
-  </p:cSld>
-  <p:clrMapOvr>
-    <a:masterClrMapping/>
-  </p:clrMapOvr>
-</p:sld>
-</file>
-
-<file path=ppt/slides/slide15.xml><?xml version="1.0" encoding="utf-8"?>
-<p:sld xmlns:a="http://schemas.openxmlformats.org/drawingml/2006/main" xmlns:r="http://schemas.openxmlformats.org/officeDocument/2006/relationships" xmlns:p="http://schemas.openxmlformats.org/presentationml/2006/main">
-  <p:cSld>
-    <p:spTree>
-      <p:nvGrpSpPr>
-        <p:cNvPr id="1" name=""/>
-        <p:cNvGrpSpPr/>
-        <p:nvPr/>
-      </p:nvGrpSpPr>
-      <p:grpSpPr>
-        <a:xfrm>
-          <a:off x="0" y="0"/>
-          <a:ext cx="0" cy="0"/>
-          <a:chOff x="0" y="0"/>
-          <a:chExt cx="0" cy="0"/>
-        </a:xfrm>
-      </p:grpSpPr>
-      <p:sp>
-        <p:nvSpPr>
-          <p:cNvPr id="2" name="Title 1"/>
-          <p:cNvSpPr>
-            <a:spLocks noGrp="1"/>
-          </p:cNvSpPr>
-          <p:nvPr>
-            <p:ph type="title"/>
-          </p:nvPr>
-        </p:nvSpPr>
-        <p:spPr/>
-        <p:txBody>
-          <a:bodyPr/>
-          <a:lstStyle/>
-          <a:p>
-            <a:r>
-              <a:rPr lang="en-US" dirty="0"/>
-              <a:t>Summary</a:t>
-            </a:r>
-            <a:endParaRPr lang="he-IL" dirty="0"/>
-          </a:p>
-        </p:txBody>
-      </p:sp>
-      <p:sp>
-        <p:nvSpPr>
-          <p:cNvPr id="3" name="Footer Placeholder 2"/>
-          <p:cNvSpPr>
-            <a:spLocks noGrp="1"/>
-          </p:cNvSpPr>
-          <p:nvPr>
-            <p:ph type="ftr" sz="quarter" idx="11"/>
-          </p:nvPr>
-        </p:nvSpPr>
-        <p:spPr/>
-        <p:txBody>
-          <a:bodyPr/>
-          <a:lstStyle/>
-          <a:p>
-            <a:r>
-              <a:rPr lang="en-US"/>
-              <a:t>© 2018 Ori Calvo</a:t>
-            </a:r>
-            <a:endParaRPr lang="en-US" dirty="0"/>
-          </a:p>
-        </p:txBody>
-      </p:sp>
-      <p:sp>
-        <p:nvSpPr>
-          <p:cNvPr id="4" name="Slide Number Placeholder 3"/>
-          <p:cNvSpPr>
-            <a:spLocks noGrp="1"/>
-          </p:cNvSpPr>
-          <p:nvPr>
-            <p:ph type="sldNum" sz="quarter" idx="12"/>
-          </p:nvPr>
-        </p:nvSpPr>
-        <p:spPr/>
-        <p:txBody>
-          <a:bodyPr>
-            <a:normAutofit fontScale="85000" lnSpcReduction="20000"/>
-          </a:bodyPr>
-          <a:lstStyle/>
-          <a:p>
-            <a:fld id="{6EDEC3BC-0694-4586-AE63-02B4D54ABF43}" type="slidenum">
-              <a:rPr lang="en-US" smtClean="0"/>
-              <a:pPr/>
-              <a:t>15</a:t>
             </a:fld>
             <a:endParaRPr lang="en-US"/>
           </a:p>
@@ -7421,7 +6179,7 @@
           <p:cNvPr id="2" name="Title 1">
             <a:extLst>
               <a:ext uri="{FF2B5EF4-FFF2-40B4-BE49-F238E27FC236}">
-                <a16:creationId xmlns:a16="http://schemas.microsoft.com/office/drawing/2014/main" id="{143D1544-6D68-4D71-AC59-460569F3DB22}"/>
+                <a16:creationId xmlns:a16="http://schemas.microsoft.com/office/drawing/2014/main" id="{F9004F0F-BC37-4CDE-B9E1-F02BCD83E81B}"/>
               </a:ext>
             </a:extLst>
           </p:cNvPr>
@@ -7438,8 +6196,12 @@
           <a:lstStyle/>
           <a:p>
             <a:r>
+              <a:rPr lang="en-US" dirty="0"/>
+              <a:t>Disable </a:t>
+            </a:r>
+            <a:r>
               <a:rPr lang="en-US" dirty="0" err="1"/>
-              <a:t>OnPush</a:t>
+              <a:t>ngZone</a:t>
             </a:r>
             <a:endParaRPr lang="he-IL" dirty="0"/>
           </a:p>
@@ -7450,7 +6212,7 @@
           <p:cNvPr id="3" name="Footer Placeholder 2">
             <a:extLst>
               <a:ext uri="{FF2B5EF4-FFF2-40B4-BE49-F238E27FC236}">
-                <a16:creationId xmlns:a16="http://schemas.microsoft.com/office/drawing/2014/main" id="{C5773D1D-9973-43E1-AE29-96235CCBDC84}"/>
+                <a16:creationId xmlns:a16="http://schemas.microsoft.com/office/drawing/2014/main" id="{B4A916AF-D8B4-406A-B2A2-3517B094AB62}"/>
               </a:ext>
             </a:extLst>
           </p:cNvPr>
@@ -7479,7 +6241,7 @@
           <p:cNvPr id="4" name="Slide Number Placeholder 3">
             <a:extLst>
               <a:ext uri="{FF2B5EF4-FFF2-40B4-BE49-F238E27FC236}">
-                <a16:creationId xmlns:a16="http://schemas.microsoft.com/office/drawing/2014/main" id="{2B263530-6B25-4A2F-BF24-4C591E2C6BCA}"/>
+                <a16:creationId xmlns:a16="http://schemas.microsoft.com/office/drawing/2014/main" id="{7C874D9F-C925-4A1B-A211-5910D9609F0C}"/>
               </a:ext>
             </a:extLst>
           </p:cNvPr>
@@ -7511,7 +6273,7 @@
           <p:cNvPr id="5" name="Content Placeholder 4">
             <a:extLst>
               <a:ext uri="{FF2B5EF4-FFF2-40B4-BE49-F238E27FC236}">
-                <a16:creationId xmlns:a16="http://schemas.microsoft.com/office/drawing/2014/main" id="{AE773C41-8672-4307-B862-07A792FC9BFA}"/>
+                <a16:creationId xmlns:a16="http://schemas.microsoft.com/office/drawing/2014/main" id="{F86DB544-CF11-4AC4-BCCA-91D95C60CE98}"/>
               </a:ext>
             </a:extLst>
           </p:cNvPr>
@@ -7534,7 +6296,7 @@
     </p:spTree>
     <p:extLst>
       <p:ext uri="{BB962C8B-B14F-4D97-AF65-F5344CB8AC3E}">
-        <p14:creationId xmlns:p14="http://schemas.microsoft.com/office/powerpoint/2010/main" val="3554921720"/>
+        <p14:creationId xmlns:p14="http://schemas.microsoft.com/office/powerpoint/2010/main" val="2130649131"/>
       </p:ext>
     </p:extLst>
   </p:cSld>
@@ -7566,7 +6328,7 @@
           <p:cNvPr id="2" name="Title 1">
             <a:extLst>
               <a:ext uri="{FF2B5EF4-FFF2-40B4-BE49-F238E27FC236}">
-                <a16:creationId xmlns:a16="http://schemas.microsoft.com/office/drawing/2014/main" id="{5765550A-AFD1-48E5-94D9-036FCB638F95}"/>
+                <a16:creationId xmlns:a16="http://schemas.microsoft.com/office/drawing/2014/main" id="{9C055714-807D-4FCD-8D5F-6ADE371CAD05}"/>
               </a:ext>
             </a:extLst>
           </p:cNvPr>
@@ -7583,12 +6345,8 @@
           <a:lstStyle/>
           <a:p>
             <a:r>
-              <a:rPr lang="en-US" dirty="0" err="1"/>
-              <a:t>Async</a:t>
-            </a:r>
-            <a:r>
               <a:rPr lang="en-US" dirty="0"/>
-              <a:t> Pipe</a:t>
+              <a:t>Memory Profiling</a:t>
             </a:r>
             <a:endParaRPr lang="he-IL" dirty="0"/>
           </a:p>
@@ -7599,7 +6357,7 @@
           <p:cNvPr id="3" name="Footer Placeholder 2">
             <a:extLst>
               <a:ext uri="{FF2B5EF4-FFF2-40B4-BE49-F238E27FC236}">
-                <a16:creationId xmlns:a16="http://schemas.microsoft.com/office/drawing/2014/main" id="{F2A887BE-5082-40E9-95A4-EBE78F3816E6}"/>
+                <a16:creationId xmlns:a16="http://schemas.microsoft.com/office/drawing/2014/main" id="{431F83B4-98CA-454C-AE4E-E2B5CCEE26A1}"/>
               </a:ext>
             </a:extLst>
           </p:cNvPr>
@@ -7628,7 +6386,7 @@
           <p:cNvPr id="4" name="Slide Number Placeholder 3">
             <a:extLst>
               <a:ext uri="{FF2B5EF4-FFF2-40B4-BE49-F238E27FC236}">
-                <a16:creationId xmlns:a16="http://schemas.microsoft.com/office/drawing/2014/main" id="{C0BAE0D3-8712-4044-9695-056A29C72A36}"/>
+                <a16:creationId xmlns:a16="http://schemas.microsoft.com/office/drawing/2014/main" id="{75EC0604-7C31-4C75-8178-9FC2DAED6CDA}"/>
               </a:ext>
             </a:extLst>
           </p:cNvPr>
@@ -7660,7 +6418,7 @@
           <p:cNvPr id="5" name="Content Placeholder 4">
             <a:extLst>
               <a:ext uri="{FF2B5EF4-FFF2-40B4-BE49-F238E27FC236}">
-                <a16:creationId xmlns:a16="http://schemas.microsoft.com/office/drawing/2014/main" id="{6B2464DD-CC18-4B43-A154-DD8C7A83887B}"/>
+                <a16:creationId xmlns:a16="http://schemas.microsoft.com/office/drawing/2014/main" id="{80E8F68E-5835-47C8-B3D0-FB5D4A0302F4}"/>
               </a:ext>
             </a:extLst>
           </p:cNvPr>
@@ -7683,7 +6441,7 @@
     </p:spTree>
     <p:extLst>
       <p:ext uri="{BB962C8B-B14F-4D97-AF65-F5344CB8AC3E}">
-        <p14:creationId xmlns:p14="http://schemas.microsoft.com/office/powerpoint/2010/main" val="2185429748"/>
+        <p14:creationId xmlns:p14="http://schemas.microsoft.com/office/powerpoint/2010/main" val="1912152949"/>
       </p:ext>
     </p:extLst>
   </p:cSld>

--- a/Optimizing Angular.pptx
+++ b/Optimizing Angular.pptx
@@ -224,7 +224,7 @@
             <a:fld id="{4991502B-FFA8-47B9-B4E5-980CA415BAFF}" type="datetimeFigureOut">
               <a:rPr lang="en-US" smtClean="0"/>
               <a:pPr/>
-              <a:t>1/22/2018</a:t>
+              <a:t>1/23/2018</a:t>
             </a:fld>
             <a:endParaRPr lang="en-US"/>
           </a:p>
@@ -4703,7 +4703,59 @@
           <a:bodyPr/>
           <a:lstStyle/>
           <a:p>
-            <a:endParaRPr lang="he-IL"/>
+            <a:r>
+              <a:rPr lang="en-US" dirty="0"/>
+              <a:t>Hot Module Reload</a:t>
+            </a:r>
+          </a:p>
+          <a:p>
+            <a:r>
+              <a:rPr lang="en-US" dirty="0"/>
+              <a:t>Following guidelines at https://github.com/angular/angular-cli/wiki/stories-configure-hmr</a:t>
+            </a:r>
+          </a:p>
+          <a:p>
+            <a:r>
+              <a:rPr lang="en-US" dirty="0" err="1"/>
+              <a:t>Webpack</a:t>
+            </a:r>
+            <a:r>
+              <a:rPr lang="en-US" dirty="0"/>
+              <a:t> detects changes to specific files</a:t>
+            </a:r>
+          </a:p>
+          <a:p>
+            <a:r>
+              <a:rPr lang="en-US" dirty="0"/>
+              <a:t>Only those files are reloaded inside the browser</a:t>
+            </a:r>
+          </a:p>
+          <a:p>
+            <a:r>
+              <a:rPr lang="en-US" dirty="0"/>
+              <a:t>No page refresh </a:t>
+            </a:r>
+            <a:r>
+              <a:rPr lang="en-US" dirty="0">
+                <a:sym typeface="Wingdings" panose="05000000000000000000" pitchFamily="2" charset="2"/>
+              </a:rPr>
+              <a:t> Application state does not reset</a:t>
+            </a:r>
+          </a:p>
+          <a:p>
+            <a:r>
+              <a:rPr lang="en-US">
+                <a:sym typeface="Wingdings" panose="05000000000000000000" pitchFamily="2" charset="2"/>
+              </a:rPr>
+              <a:t>Angular re-renders </a:t>
+            </a:r>
+            <a:r>
+              <a:rPr lang="en-US" dirty="0">
+                <a:sym typeface="Wingdings" panose="05000000000000000000" pitchFamily="2" charset="2"/>
+              </a:rPr>
+              <a:t>all components</a:t>
+            </a:r>
+            <a:endParaRPr lang="he-IL" dirty="0"/>
           </a:p>
         </p:txBody>
       </p:sp>

--- a/Optimizing Angular.pptx
+++ b/Optimizing Angular.pptx
@@ -5,7 +5,7 @@
     <p:sldMasterId id="2147483672" r:id="rId1"/>
   </p:sldMasterIdLst>
   <p:notesMasterIdLst>
-    <p:notesMasterId r:id="rId14"/>
+    <p:notesMasterId r:id="rId15"/>
   </p:notesMasterIdLst>
   <p:sldIdLst>
     <p:sldId id="256" r:id="rId2"/>
@@ -16,10 +16,11 @@
     <p:sldId id="323" r:id="rId7"/>
     <p:sldId id="324" r:id="rId8"/>
     <p:sldId id="325" r:id="rId9"/>
-    <p:sldId id="320" r:id="rId10"/>
-    <p:sldId id="321" r:id="rId11"/>
-    <p:sldId id="326" r:id="rId12"/>
-    <p:sldId id="313" r:id="rId13"/>
+    <p:sldId id="326" r:id="rId10"/>
+    <p:sldId id="327" r:id="rId11"/>
+    <p:sldId id="320" r:id="rId12"/>
+    <p:sldId id="321" r:id="rId13"/>
+    <p:sldId id="313" r:id="rId14"/>
   </p:sldIdLst>
   <p:sldSz cx="9144000" cy="6858000" type="screen4x3"/>
   <p:notesSz cx="6858000" cy="9144000"/>
@@ -4452,7 +4453,7 @@
           <p:cNvPr id="2" name="Title 1">
             <a:extLst>
               <a:ext uri="{FF2B5EF4-FFF2-40B4-BE49-F238E27FC236}">
-                <a16:creationId xmlns:a16="http://schemas.microsoft.com/office/drawing/2014/main" id="{319EF3EC-649B-4053-B512-3CBFF9895B05}"/>
+                <a16:creationId xmlns:a16="http://schemas.microsoft.com/office/drawing/2014/main" id="{04E76C7D-9A6F-4C34-9741-C5ED7BC5CF96}"/>
               </a:ext>
             </a:extLst>
           </p:cNvPr>
@@ -4470,7 +4471,7 @@
           <a:p>
             <a:r>
               <a:rPr lang="en-US" dirty="0"/>
-              <a:t>Reduce Build Time</a:t>
+              <a:t>Server Side Rendering</a:t>
             </a:r>
             <a:endParaRPr lang="he-IL" dirty="0"/>
           </a:p>
@@ -4481,7 +4482,7 @@
           <p:cNvPr id="3" name="Footer Placeholder 2">
             <a:extLst>
               <a:ext uri="{FF2B5EF4-FFF2-40B4-BE49-F238E27FC236}">
-                <a16:creationId xmlns:a16="http://schemas.microsoft.com/office/drawing/2014/main" id="{5B1988C8-2EE8-47C9-BDE5-0CE76C34BF5D}"/>
+                <a16:creationId xmlns:a16="http://schemas.microsoft.com/office/drawing/2014/main" id="{F43977BA-73D5-4023-B748-FA318CE63D5B}"/>
               </a:ext>
             </a:extLst>
           </p:cNvPr>
@@ -4510,7 +4511,7 @@
           <p:cNvPr id="4" name="Slide Number Placeholder 3">
             <a:extLst>
               <a:ext uri="{FF2B5EF4-FFF2-40B4-BE49-F238E27FC236}">
-                <a16:creationId xmlns:a16="http://schemas.microsoft.com/office/drawing/2014/main" id="{DACFA08C-5E55-4B50-9AC8-E55886C68573}"/>
+                <a16:creationId xmlns:a16="http://schemas.microsoft.com/office/drawing/2014/main" id="{BED07252-C564-45D1-9FD3-EA5915F0ADDA}"/>
               </a:ext>
             </a:extLst>
           </p:cNvPr>
@@ -4542,7 +4543,7 @@
           <p:cNvPr id="5" name="Content Placeholder 4">
             <a:extLst>
               <a:ext uri="{FF2B5EF4-FFF2-40B4-BE49-F238E27FC236}">
-                <a16:creationId xmlns:a16="http://schemas.microsoft.com/office/drawing/2014/main" id="{AB1D257E-9360-40F6-B9CA-382C9218B483}"/>
+                <a16:creationId xmlns:a16="http://schemas.microsoft.com/office/drawing/2014/main" id="{BCAF06DF-5A1F-47BB-B255-7632CC337FC1}"/>
               </a:ext>
             </a:extLst>
           </p:cNvPr>
@@ -4555,17 +4556,83 @@
         </p:nvSpPr>
         <p:spPr/>
         <p:txBody>
-          <a:bodyPr/>
-          <a:lstStyle/>
-          <a:p>
-            <a:endParaRPr lang="he-IL"/>
+          <a:bodyPr>
+            <a:normAutofit lnSpcReduction="10000"/>
+          </a:bodyPr>
+          <a:lstStyle/>
+          <a:p>
+            <a:r>
+              <a:rPr lang="en-US" dirty="0"/>
+              <a:t>ng g universal</a:t>
+            </a:r>
+          </a:p>
+          <a:p>
+            <a:r>
+              <a:rPr lang="en-US" dirty="0"/>
+              <a:t>Review modified files</a:t>
+            </a:r>
+          </a:p>
+          <a:p>
+            <a:r>
+              <a:rPr lang="en-US" dirty="0"/>
+              <a:t>Create Express server according to </a:t>
+            </a:r>
+            <a:r>
+              <a:rPr lang="en-US" dirty="0">
+                <a:hlinkClick r:id="rId2"/>
+              </a:rPr>
+              <a:t>https://github.com/angular/angular-cli/wiki/stories-universal-rendering#step-4-setting-up-an-express-server-to-run-our-universal-bundles</a:t>
+            </a:r>
+            <a:endParaRPr lang="en-US" dirty="0"/>
+          </a:p>
+          <a:p>
+            <a:r>
+              <a:rPr lang="en-US" dirty="0"/>
+              <a:t>Use </a:t>
+            </a:r>
+            <a:r>
+              <a:rPr lang="en-US" dirty="0" err="1"/>
+              <a:t>TransferState</a:t>
+            </a:r>
+            <a:r>
+              <a:rPr lang="en-US" dirty="0"/>
+              <a:t> provider</a:t>
+            </a:r>
+          </a:p>
+          <a:p>
+            <a:pPr lvl="1"/>
+            <a:r>
+              <a:rPr lang="en-US" dirty="0" err="1"/>
+              <a:t>ServerTransferStateModule</a:t>
+            </a:r>
+            <a:r>
+              <a:rPr lang="en-US" dirty="0"/>
+              <a:t> &amp; </a:t>
+            </a:r>
+            <a:r>
+              <a:rPr lang="en-US" dirty="0" err="1"/>
+              <a:t>BrowserTransferStateModule</a:t>
+            </a:r>
+            <a:endParaRPr lang="en-US" dirty="0"/>
+          </a:p>
+          <a:p>
+            <a:pPr lvl="1"/>
+            <a:r>
+              <a:rPr lang="en-US" dirty="0" err="1"/>
+              <a:t>makeStateKey</a:t>
+            </a:r>
+            <a:endParaRPr lang="he-IL" dirty="0"/>
+          </a:p>
+          <a:p>
+            <a:pPr lvl="1"/>
+            <a:endParaRPr lang="he-IL" dirty="0"/>
           </a:p>
         </p:txBody>
       </p:sp>
     </p:spTree>
     <p:extLst>
       <p:ext uri="{BB962C8B-B14F-4D97-AF65-F5344CB8AC3E}">
-        <p14:creationId xmlns:p14="http://schemas.microsoft.com/office/powerpoint/2010/main" val="1192187413"/>
+        <p14:creationId xmlns:p14="http://schemas.microsoft.com/office/powerpoint/2010/main" val="3447346670"/>
       </p:ext>
     </p:extLst>
   </p:cSld>
@@ -4597,7 +4664,7 @@
           <p:cNvPr id="2" name="Title 1">
             <a:extLst>
               <a:ext uri="{FF2B5EF4-FFF2-40B4-BE49-F238E27FC236}">
-                <a16:creationId xmlns:a16="http://schemas.microsoft.com/office/drawing/2014/main" id="{B0170519-BEC0-4C63-A98E-725B8E4B039F}"/>
+                <a16:creationId xmlns:a16="http://schemas.microsoft.com/office/drawing/2014/main" id="{9C055714-807D-4FCD-8D5F-6ADE371CAD05}"/>
               </a:ext>
             </a:extLst>
           </p:cNvPr>
@@ -4615,7 +4682,7 @@
           <a:p>
             <a:r>
               <a:rPr lang="en-US" dirty="0"/>
-              <a:t>HMR</a:t>
+              <a:t>Memory Profiling</a:t>
             </a:r>
             <a:endParaRPr lang="he-IL" dirty="0"/>
           </a:p>
@@ -4626,7 +4693,7 @@
           <p:cNvPr id="3" name="Footer Placeholder 2">
             <a:extLst>
               <a:ext uri="{FF2B5EF4-FFF2-40B4-BE49-F238E27FC236}">
-                <a16:creationId xmlns:a16="http://schemas.microsoft.com/office/drawing/2014/main" id="{CBE90FFB-1331-4E2A-880A-4E12A721EA2D}"/>
+                <a16:creationId xmlns:a16="http://schemas.microsoft.com/office/drawing/2014/main" id="{431F83B4-98CA-454C-AE4E-E2B5CCEE26A1}"/>
               </a:ext>
             </a:extLst>
           </p:cNvPr>
@@ -4655,7 +4722,7 @@
           <p:cNvPr id="4" name="Slide Number Placeholder 3">
             <a:extLst>
               <a:ext uri="{FF2B5EF4-FFF2-40B4-BE49-F238E27FC236}">
-                <a16:creationId xmlns:a16="http://schemas.microsoft.com/office/drawing/2014/main" id="{9A9BE35D-D035-45AC-B8ED-345E886DECB6}"/>
+                <a16:creationId xmlns:a16="http://schemas.microsoft.com/office/drawing/2014/main" id="{75EC0604-7C31-4C75-8178-9FC2DAED6CDA}"/>
               </a:ext>
             </a:extLst>
           </p:cNvPr>
@@ -4687,7 +4754,7 @@
           <p:cNvPr id="5" name="Content Placeholder 4">
             <a:extLst>
               <a:ext uri="{FF2B5EF4-FFF2-40B4-BE49-F238E27FC236}">
-                <a16:creationId xmlns:a16="http://schemas.microsoft.com/office/drawing/2014/main" id="{A3476A0E-525B-42F1-B3AD-C617423E9B00}"/>
+                <a16:creationId xmlns:a16="http://schemas.microsoft.com/office/drawing/2014/main" id="{80E8F68E-5835-47C8-B3D0-FB5D4A0302F4}"/>
               </a:ext>
             </a:extLst>
           </p:cNvPr>
@@ -4703,66 +4770,14 @@
           <a:bodyPr/>
           <a:lstStyle/>
           <a:p>
-            <a:r>
-              <a:rPr lang="en-US" dirty="0"/>
-              <a:t>Hot Module Reload</a:t>
-            </a:r>
-          </a:p>
-          <a:p>
-            <a:r>
-              <a:rPr lang="en-US" dirty="0"/>
-              <a:t>Following guidelines at https://github.com/angular/angular-cli/wiki/stories-configure-hmr</a:t>
-            </a:r>
-          </a:p>
-          <a:p>
-            <a:r>
-              <a:rPr lang="en-US" dirty="0" err="1"/>
-              <a:t>Webpack</a:t>
-            </a:r>
-            <a:r>
-              <a:rPr lang="en-US" dirty="0"/>
-              <a:t> detects changes to specific files</a:t>
-            </a:r>
-          </a:p>
-          <a:p>
-            <a:r>
-              <a:rPr lang="en-US" dirty="0"/>
-              <a:t>Only those files are reloaded inside the browser</a:t>
-            </a:r>
-          </a:p>
-          <a:p>
-            <a:r>
-              <a:rPr lang="en-US" dirty="0"/>
-              <a:t>No page refresh </a:t>
-            </a:r>
-            <a:r>
-              <a:rPr lang="en-US" dirty="0">
-                <a:sym typeface="Wingdings" panose="05000000000000000000" pitchFamily="2" charset="2"/>
-              </a:rPr>
-              <a:t> Application state does not reset</a:t>
-            </a:r>
-          </a:p>
-          <a:p>
-            <a:r>
-              <a:rPr lang="en-US">
-                <a:sym typeface="Wingdings" panose="05000000000000000000" pitchFamily="2" charset="2"/>
-              </a:rPr>
-              <a:t>Angular re-renders </a:t>
-            </a:r>
-            <a:r>
-              <a:rPr lang="en-US" dirty="0">
-                <a:sym typeface="Wingdings" panose="05000000000000000000" pitchFamily="2" charset="2"/>
-              </a:rPr>
-              <a:t>all components</a:t>
-            </a:r>
-            <a:endParaRPr lang="he-IL" dirty="0"/>
+            <a:endParaRPr lang="he-IL"/>
           </a:p>
         </p:txBody>
       </p:sp>
     </p:spTree>
     <p:extLst>
       <p:ext uri="{BB962C8B-B14F-4D97-AF65-F5344CB8AC3E}">
-        <p14:creationId xmlns:p14="http://schemas.microsoft.com/office/powerpoint/2010/main" val="2714939200"/>
+        <p14:creationId xmlns:p14="http://schemas.microsoft.com/office/powerpoint/2010/main" val="1912152949"/>
       </p:ext>
     </p:extLst>
   </p:cSld>
@@ -4791,7 +4806,13 @@
       </p:grpSpPr>
       <p:sp>
         <p:nvSpPr>
-          <p:cNvPr id="2" name="Title 1"/>
+          <p:cNvPr id="2" name="Title 1">
+            <a:extLst>
+              <a:ext uri="{FF2B5EF4-FFF2-40B4-BE49-F238E27FC236}">
+                <a16:creationId xmlns:a16="http://schemas.microsoft.com/office/drawing/2014/main" id="{319EF3EC-649B-4053-B512-3CBFF9895B05}"/>
+              </a:ext>
+            </a:extLst>
+          </p:cNvPr>
           <p:cNvSpPr>
             <a:spLocks noGrp="1"/>
           </p:cNvSpPr>
@@ -4806,7 +4827,7 @@
           <a:p>
             <a:r>
               <a:rPr lang="en-US" dirty="0"/>
-              <a:t>Summary</a:t>
+              <a:t>Reduce Build Time</a:t>
             </a:r>
             <a:endParaRPr lang="he-IL" dirty="0"/>
           </a:p>
@@ -4814,7 +4835,13 @@
       </p:sp>
       <p:sp>
         <p:nvSpPr>
-          <p:cNvPr id="3" name="Footer Placeholder 2"/>
+          <p:cNvPr id="3" name="Footer Placeholder 2">
+            <a:extLst>
+              <a:ext uri="{FF2B5EF4-FFF2-40B4-BE49-F238E27FC236}">
+                <a16:creationId xmlns:a16="http://schemas.microsoft.com/office/drawing/2014/main" id="{5B1988C8-2EE8-47C9-BDE5-0CE76C34BF5D}"/>
+              </a:ext>
+            </a:extLst>
+          </p:cNvPr>
           <p:cNvSpPr>
             <a:spLocks noGrp="1"/>
           </p:cNvSpPr>
@@ -4837,7 +4864,13 @@
       </p:sp>
       <p:sp>
         <p:nvSpPr>
-          <p:cNvPr id="4" name="Slide Number Placeholder 3"/>
+          <p:cNvPr id="4" name="Slide Number Placeholder 3">
+            <a:extLst>
+              <a:ext uri="{FF2B5EF4-FFF2-40B4-BE49-F238E27FC236}">
+                <a16:creationId xmlns:a16="http://schemas.microsoft.com/office/drawing/2014/main" id="{DACFA08C-5E55-4B50-9AC8-E55886C68573}"/>
+              </a:ext>
+            </a:extLst>
+          </p:cNvPr>
           <p:cNvSpPr>
             <a:spLocks noGrp="1"/>
           </p:cNvSpPr>
@@ -4856,6 +4889,133 @@
               <a:rPr lang="en-US" smtClean="0"/>
               <a:pPr/>
               <a:t>12</a:t>
+            </a:fld>
+            <a:endParaRPr lang="en-US"/>
+          </a:p>
+        </p:txBody>
+      </p:sp>
+      <p:sp>
+        <p:nvSpPr>
+          <p:cNvPr id="5" name="Content Placeholder 4">
+            <a:extLst>
+              <a:ext uri="{FF2B5EF4-FFF2-40B4-BE49-F238E27FC236}">
+                <a16:creationId xmlns:a16="http://schemas.microsoft.com/office/drawing/2014/main" id="{AB1D257E-9360-40F6-B9CA-382C9218B483}"/>
+              </a:ext>
+            </a:extLst>
+          </p:cNvPr>
+          <p:cNvSpPr>
+            <a:spLocks noGrp="1"/>
+          </p:cNvSpPr>
+          <p:nvPr>
+            <p:ph sz="quarter" idx="1"/>
+          </p:nvPr>
+        </p:nvSpPr>
+        <p:spPr/>
+        <p:txBody>
+          <a:bodyPr/>
+          <a:lstStyle/>
+          <a:p>
+            <a:endParaRPr lang="he-IL"/>
+          </a:p>
+        </p:txBody>
+      </p:sp>
+    </p:spTree>
+    <p:extLst>
+      <p:ext uri="{BB962C8B-B14F-4D97-AF65-F5344CB8AC3E}">
+        <p14:creationId xmlns:p14="http://schemas.microsoft.com/office/powerpoint/2010/main" val="1192187413"/>
+      </p:ext>
+    </p:extLst>
+  </p:cSld>
+  <p:clrMapOvr>
+    <a:masterClrMapping/>
+  </p:clrMapOvr>
+</p:sld>
+</file>
+
+<file path=ppt/slides/slide13.xml><?xml version="1.0" encoding="utf-8"?>
+<p:sld xmlns:a="http://schemas.openxmlformats.org/drawingml/2006/main" xmlns:r="http://schemas.openxmlformats.org/officeDocument/2006/relationships" xmlns:p="http://schemas.openxmlformats.org/presentationml/2006/main">
+  <p:cSld>
+    <p:spTree>
+      <p:nvGrpSpPr>
+        <p:cNvPr id="1" name=""/>
+        <p:cNvGrpSpPr/>
+        <p:nvPr/>
+      </p:nvGrpSpPr>
+      <p:grpSpPr>
+        <a:xfrm>
+          <a:off x="0" y="0"/>
+          <a:ext cx="0" cy="0"/>
+          <a:chOff x="0" y="0"/>
+          <a:chExt cx="0" cy="0"/>
+        </a:xfrm>
+      </p:grpSpPr>
+      <p:sp>
+        <p:nvSpPr>
+          <p:cNvPr id="2" name="Title 1"/>
+          <p:cNvSpPr>
+            <a:spLocks noGrp="1"/>
+          </p:cNvSpPr>
+          <p:nvPr>
+            <p:ph type="title"/>
+          </p:nvPr>
+        </p:nvSpPr>
+        <p:spPr/>
+        <p:txBody>
+          <a:bodyPr/>
+          <a:lstStyle/>
+          <a:p>
+            <a:r>
+              <a:rPr lang="en-US" dirty="0"/>
+              <a:t>Summary</a:t>
+            </a:r>
+            <a:endParaRPr lang="he-IL" dirty="0"/>
+          </a:p>
+        </p:txBody>
+      </p:sp>
+      <p:sp>
+        <p:nvSpPr>
+          <p:cNvPr id="3" name="Footer Placeholder 2"/>
+          <p:cNvSpPr>
+            <a:spLocks noGrp="1"/>
+          </p:cNvSpPr>
+          <p:nvPr>
+            <p:ph type="ftr" sz="quarter" idx="11"/>
+          </p:nvPr>
+        </p:nvSpPr>
+        <p:spPr/>
+        <p:txBody>
+          <a:bodyPr/>
+          <a:lstStyle/>
+          <a:p>
+            <a:r>
+              <a:rPr lang="en-US"/>
+              <a:t>© 2018 Ori Calvo</a:t>
+            </a:r>
+            <a:endParaRPr lang="en-US" dirty="0"/>
+          </a:p>
+        </p:txBody>
+      </p:sp>
+      <p:sp>
+        <p:nvSpPr>
+          <p:cNvPr id="4" name="Slide Number Placeholder 3"/>
+          <p:cNvSpPr>
+            <a:spLocks noGrp="1"/>
+          </p:cNvSpPr>
+          <p:nvPr>
+            <p:ph type="sldNum" sz="quarter" idx="12"/>
+          </p:nvPr>
+        </p:nvSpPr>
+        <p:spPr/>
+        <p:txBody>
+          <a:bodyPr>
+            <a:normAutofit fontScale="85000" lnSpcReduction="20000"/>
+          </a:bodyPr>
+          <a:lstStyle/>
+          <a:p>
+            <a:fld id="{6EDEC3BC-0694-4586-AE63-02B4D54ABF43}" type="slidenum">
+              <a:rPr lang="en-US" smtClean="0"/>
+              <a:pPr/>
+              <a:t>13</a:t>
             </a:fld>
             <a:endParaRPr lang="en-US"/>
           </a:p>
@@ -6341,6 +6501,29 @@
           <a:bodyPr/>
           <a:lstStyle/>
           <a:p>
+            <a:r>
+              <a:rPr lang="en-US" dirty="0"/>
+              <a:t>No more automatic change detection</a:t>
+            </a:r>
+          </a:p>
+          <a:p>
+            <a:r>
+              <a:rPr lang="en-US" dirty="0"/>
+              <a:t>You must invoke change detection manually when application’s state changes</a:t>
+            </a:r>
+          </a:p>
+          <a:p>
+            <a:r>
+              <a:rPr lang="en-US" dirty="0" err="1"/>
+              <a:t>ApplicationRef.tick</a:t>
+            </a:r>
+            <a:endParaRPr lang="en-US" dirty="0"/>
+          </a:p>
+          <a:p>
+            <a:r>
+              <a:rPr lang="en-US"/>
+              <a:t>ChangeDetectorRef</a:t>
+            </a:r>
             <a:endParaRPr lang="he-IL"/>
           </a:p>
         </p:txBody>
@@ -6380,7 +6563,7 @@
           <p:cNvPr id="2" name="Title 1">
             <a:extLst>
               <a:ext uri="{FF2B5EF4-FFF2-40B4-BE49-F238E27FC236}">
-                <a16:creationId xmlns:a16="http://schemas.microsoft.com/office/drawing/2014/main" id="{9C055714-807D-4FCD-8D5F-6ADE371CAD05}"/>
+                <a16:creationId xmlns:a16="http://schemas.microsoft.com/office/drawing/2014/main" id="{B0170519-BEC0-4C63-A98E-725B8E4B039F}"/>
               </a:ext>
             </a:extLst>
           </p:cNvPr>
@@ -6398,7 +6581,7 @@
           <a:p>
             <a:r>
               <a:rPr lang="en-US" dirty="0"/>
-              <a:t>Memory Profiling</a:t>
+              <a:t>HMR</a:t>
             </a:r>
             <a:endParaRPr lang="he-IL" dirty="0"/>
           </a:p>
@@ -6409,7 +6592,7 @@
           <p:cNvPr id="3" name="Footer Placeholder 2">
             <a:extLst>
               <a:ext uri="{FF2B5EF4-FFF2-40B4-BE49-F238E27FC236}">
-                <a16:creationId xmlns:a16="http://schemas.microsoft.com/office/drawing/2014/main" id="{431F83B4-98CA-454C-AE4E-E2B5CCEE26A1}"/>
+                <a16:creationId xmlns:a16="http://schemas.microsoft.com/office/drawing/2014/main" id="{CBE90FFB-1331-4E2A-880A-4E12A721EA2D}"/>
               </a:ext>
             </a:extLst>
           </p:cNvPr>
@@ -6438,7 +6621,7 @@
           <p:cNvPr id="4" name="Slide Number Placeholder 3">
             <a:extLst>
               <a:ext uri="{FF2B5EF4-FFF2-40B4-BE49-F238E27FC236}">
-                <a16:creationId xmlns:a16="http://schemas.microsoft.com/office/drawing/2014/main" id="{75EC0604-7C31-4C75-8178-9FC2DAED6CDA}"/>
+                <a16:creationId xmlns:a16="http://schemas.microsoft.com/office/drawing/2014/main" id="{9A9BE35D-D035-45AC-B8ED-345E886DECB6}"/>
               </a:ext>
             </a:extLst>
           </p:cNvPr>
@@ -6470,7 +6653,7 @@
           <p:cNvPr id="5" name="Content Placeholder 4">
             <a:extLst>
               <a:ext uri="{FF2B5EF4-FFF2-40B4-BE49-F238E27FC236}">
-                <a16:creationId xmlns:a16="http://schemas.microsoft.com/office/drawing/2014/main" id="{80E8F68E-5835-47C8-B3D0-FB5D4A0302F4}"/>
+                <a16:creationId xmlns:a16="http://schemas.microsoft.com/office/drawing/2014/main" id="{A3476A0E-525B-42F1-B3AD-C617423E9B00}"/>
               </a:ext>
             </a:extLst>
           </p:cNvPr>
@@ -6486,14 +6669,66 @@
           <a:bodyPr/>
           <a:lstStyle/>
           <a:p>
-            <a:endParaRPr lang="he-IL"/>
+            <a:r>
+              <a:rPr lang="en-US" dirty="0"/>
+              <a:t>Hot Module Reload</a:t>
+            </a:r>
+          </a:p>
+          <a:p>
+            <a:r>
+              <a:rPr lang="en-US" dirty="0"/>
+              <a:t>Following guidelines at https://github.com/angular/angular-cli/wiki/stories-configure-hmr</a:t>
+            </a:r>
+          </a:p>
+          <a:p>
+            <a:r>
+              <a:rPr lang="en-US" dirty="0" err="1"/>
+              <a:t>Webpack</a:t>
+            </a:r>
+            <a:r>
+              <a:rPr lang="en-US" dirty="0"/>
+              <a:t> detects changes to specific files</a:t>
+            </a:r>
+          </a:p>
+          <a:p>
+            <a:r>
+              <a:rPr lang="en-US" dirty="0"/>
+              <a:t>Only those files are reloaded inside the browser</a:t>
+            </a:r>
+          </a:p>
+          <a:p>
+            <a:r>
+              <a:rPr lang="en-US" dirty="0"/>
+              <a:t>No page refresh </a:t>
+            </a:r>
+            <a:r>
+              <a:rPr lang="en-US" dirty="0">
+                <a:sym typeface="Wingdings" panose="05000000000000000000" pitchFamily="2" charset="2"/>
+              </a:rPr>
+              <a:t> Application state does not reset</a:t>
+            </a:r>
+          </a:p>
+          <a:p>
+            <a:r>
+              <a:rPr lang="en-US">
+                <a:sym typeface="Wingdings" panose="05000000000000000000" pitchFamily="2" charset="2"/>
+              </a:rPr>
+              <a:t>Angular re-renders </a:t>
+            </a:r>
+            <a:r>
+              <a:rPr lang="en-US" dirty="0">
+                <a:sym typeface="Wingdings" panose="05000000000000000000" pitchFamily="2" charset="2"/>
+              </a:rPr>
+              <a:t>all components</a:t>
+            </a:r>
+            <a:endParaRPr lang="he-IL" dirty="0"/>
           </a:p>
         </p:txBody>
       </p:sp>
     </p:spTree>
     <p:extLst>
       <p:ext uri="{BB962C8B-B14F-4D97-AF65-F5344CB8AC3E}">
-        <p14:creationId xmlns:p14="http://schemas.microsoft.com/office/powerpoint/2010/main" val="1912152949"/>
+        <p14:creationId xmlns:p14="http://schemas.microsoft.com/office/powerpoint/2010/main" val="2714939200"/>
       </p:ext>
     </p:extLst>
   </p:cSld>

--- a/Optimizing Angular.pptx
+++ b/Optimizing Angular.pptx
@@ -5,7 +5,7 @@
     <p:sldMasterId id="2147483672" r:id="rId1"/>
   </p:sldMasterIdLst>
   <p:notesMasterIdLst>
-    <p:notesMasterId r:id="rId15"/>
+    <p:notesMasterId r:id="rId16"/>
   </p:notesMasterIdLst>
   <p:sldIdLst>
     <p:sldId id="256" r:id="rId2"/>
@@ -14,13 +14,14 @@
     <p:sldId id="315" r:id="rId5"/>
     <p:sldId id="316" r:id="rId6"/>
     <p:sldId id="323" r:id="rId7"/>
-    <p:sldId id="324" r:id="rId8"/>
-    <p:sldId id="325" r:id="rId9"/>
+    <p:sldId id="325" r:id="rId8"/>
+    <p:sldId id="324" r:id="rId9"/>
     <p:sldId id="326" r:id="rId10"/>
     <p:sldId id="327" r:id="rId11"/>
-    <p:sldId id="320" r:id="rId12"/>
-    <p:sldId id="321" r:id="rId13"/>
-    <p:sldId id="313" r:id="rId14"/>
+    <p:sldId id="328" r:id="rId12"/>
+    <p:sldId id="320" r:id="rId13"/>
+    <p:sldId id="321" r:id="rId14"/>
+    <p:sldId id="313" r:id="rId15"/>
   </p:sldIdLst>
   <p:sldSz cx="9144000" cy="6858000" type="screen4x3"/>
   <p:notesSz cx="6858000" cy="9144000"/>
@@ -4664,7 +4665,7 @@
           <p:cNvPr id="2" name="Title 1">
             <a:extLst>
               <a:ext uri="{FF2B5EF4-FFF2-40B4-BE49-F238E27FC236}">
-                <a16:creationId xmlns:a16="http://schemas.microsoft.com/office/drawing/2014/main" id="{9C055714-807D-4FCD-8D5F-6ADE371CAD05}"/>
+                <a16:creationId xmlns:a16="http://schemas.microsoft.com/office/drawing/2014/main" id="{8B65FC7B-B473-4DB9-8F21-5769CB6AF3A8}"/>
               </a:ext>
             </a:extLst>
           </p:cNvPr>
@@ -4682,9 +4683,8 @@
           <a:p>
             <a:r>
               <a:rPr lang="en-US" dirty="0"/>
-              <a:t>Memory Profiling</a:t>
-            </a:r>
-            <a:endParaRPr lang="he-IL" dirty="0"/>
+              <a:t>Optimize Bundle</a:t>
+            </a:r>
           </a:p>
         </p:txBody>
       </p:sp>
@@ -4693,7 +4693,7 @@
           <p:cNvPr id="3" name="Footer Placeholder 2">
             <a:extLst>
               <a:ext uri="{FF2B5EF4-FFF2-40B4-BE49-F238E27FC236}">
-                <a16:creationId xmlns:a16="http://schemas.microsoft.com/office/drawing/2014/main" id="{431F83B4-98CA-454C-AE4E-E2B5CCEE26A1}"/>
+                <a16:creationId xmlns:a16="http://schemas.microsoft.com/office/drawing/2014/main" id="{95EF8977-9592-406D-83A6-1FA1653A69B3}"/>
               </a:ext>
             </a:extLst>
           </p:cNvPr>
@@ -4722,7 +4722,7 @@
           <p:cNvPr id="4" name="Slide Number Placeholder 3">
             <a:extLst>
               <a:ext uri="{FF2B5EF4-FFF2-40B4-BE49-F238E27FC236}">
-                <a16:creationId xmlns:a16="http://schemas.microsoft.com/office/drawing/2014/main" id="{75EC0604-7C31-4C75-8178-9FC2DAED6CDA}"/>
+                <a16:creationId xmlns:a16="http://schemas.microsoft.com/office/drawing/2014/main" id="{DADB00A0-1F98-43CC-9E58-59500CF3C4B5}"/>
               </a:ext>
             </a:extLst>
           </p:cNvPr>
@@ -4754,7 +4754,7 @@
           <p:cNvPr id="5" name="Content Placeholder 4">
             <a:extLst>
               <a:ext uri="{FF2B5EF4-FFF2-40B4-BE49-F238E27FC236}">
-                <a16:creationId xmlns:a16="http://schemas.microsoft.com/office/drawing/2014/main" id="{80E8F68E-5835-47C8-B3D0-FB5D4A0302F4}"/>
+                <a16:creationId xmlns:a16="http://schemas.microsoft.com/office/drawing/2014/main" id="{69182CFB-0CF4-45DA-85F3-8ADDE5CBCE2B}"/>
               </a:ext>
             </a:extLst>
           </p:cNvPr>
@@ -4770,14 +4770,67 @@
           <a:bodyPr/>
           <a:lstStyle/>
           <a:p>
-            <a:endParaRPr lang="he-IL"/>
+            <a:r>
+              <a:rPr lang="en-US" dirty="0" err="1"/>
+              <a:t>Webpack</a:t>
+            </a:r>
+            <a:r>
+              <a:rPr lang="en-US" dirty="0"/>
+              <a:t> is the most popular</a:t>
+            </a:r>
+          </a:p>
+          <a:p>
+            <a:r>
+              <a:rPr lang="en-US" dirty="0"/>
+              <a:t>However not the most efficient</a:t>
+            </a:r>
+          </a:p>
+          <a:p>
+            <a:r>
+              <a:rPr lang="en-US" dirty="0"/>
+              <a:t>Consider using Rollup</a:t>
+            </a:r>
+          </a:p>
+          <a:p>
+            <a:pPr lvl="1"/>
+            <a:r>
+              <a:rPr lang="en-US" dirty="0"/>
+              <a:t>Better tree shaking</a:t>
+            </a:r>
+          </a:p>
+          <a:p>
+            <a:pPr lvl="1"/>
+            <a:r>
+              <a:rPr lang="en-US" dirty="0"/>
+              <a:t>Better boot time</a:t>
+            </a:r>
+          </a:p>
+          <a:p>
+            <a:r>
+              <a:rPr lang="en-US" dirty="0"/>
+              <a:t>Compile to ES2017 instead of ES5</a:t>
+            </a:r>
+          </a:p>
+          <a:p>
+            <a:pPr lvl="1"/>
+            <a:r>
+              <a:rPr lang="en-US" dirty="0"/>
+              <a:t>Smaller</a:t>
+            </a:r>
+          </a:p>
+          <a:p>
+            <a:pPr lvl="1"/>
+            <a:r>
+              <a:rPr lang="en-US" dirty="0"/>
+              <a:t>Faster</a:t>
+            </a:r>
           </a:p>
         </p:txBody>
       </p:sp>
     </p:spTree>
     <p:extLst>
       <p:ext uri="{BB962C8B-B14F-4D97-AF65-F5344CB8AC3E}">
-        <p14:creationId xmlns:p14="http://schemas.microsoft.com/office/powerpoint/2010/main" val="1912152949"/>
+        <p14:creationId xmlns:p14="http://schemas.microsoft.com/office/powerpoint/2010/main" val="3924665867"/>
       </p:ext>
     </p:extLst>
   </p:cSld>
@@ -4809,7 +4862,7 @@
           <p:cNvPr id="2" name="Title 1">
             <a:extLst>
               <a:ext uri="{FF2B5EF4-FFF2-40B4-BE49-F238E27FC236}">
-                <a16:creationId xmlns:a16="http://schemas.microsoft.com/office/drawing/2014/main" id="{319EF3EC-649B-4053-B512-3CBFF9895B05}"/>
+                <a16:creationId xmlns:a16="http://schemas.microsoft.com/office/drawing/2014/main" id="{9C055714-807D-4FCD-8D5F-6ADE371CAD05}"/>
               </a:ext>
             </a:extLst>
           </p:cNvPr>
@@ -4827,7 +4880,7 @@
           <a:p>
             <a:r>
               <a:rPr lang="en-US" dirty="0"/>
-              <a:t>Reduce Build Time</a:t>
+              <a:t>Memory Profiling</a:t>
             </a:r>
             <a:endParaRPr lang="he-IL" dirty="0"/>
           </a:p>
@@ -4838,7 +4891,7 @@
           <p:cNvPr id="3" name="Footer Placeholder 2">
             <a:extLst>
               <a:ext uri="{FF2B5EF4-FFF2-40B4-BE49-F238E27FC236}">
-                <a16:creationId xmlns:a16="http://schemas.microsoft.com/office/drawing/2014/main" id="{5B1988C8-2EE8-47C9-BDE5-0CE76C34BF5D}"/>
+                <a16:creationId xmlns:a16="http://schemas.microsoft.com/office/drawing/2014/main" id="{431F83B4-98CA-454C-AE4E-E2B5CCEE26A1}"/>
               </a:ext>
             </a:extLst>
           </p:cNvPr>
@@ -4867,7 +4920,7 @@
           <p:cNvPr id="4" name="Slide Number Placeholder 3">
             <a:extLst>
               <a:ext uri="{FF2B5EF4-FFF2-40B4-BE49-F238E27FC236}">
-                <a16:creationId xmlns:a16="http://schemas.microsoft.com/office/drawing/2014/main" id="{DACFA08C-5E55-4B50-9AC8-E55886C68573}"/>
+                <a16:creationId xmlns:a16="http://schemas.microsoft.com/office/drawing/2014/main" id="{75EC0604-7C31-4C75-8178-9FC2DAED6CDA}"/>
               </a:ext>
             </a:extLst>
           </p:cNvPr>
@@ -4899,7 +4952,7 @@
           <p:cNvPr id="5" name="Content Placeholder 4">
             <a:extLst>
               <a:ext uri="{FF2B5EF4-FFF2-40B4-BE49-F238E27FC236}">
-                <a16:creationId xmlns:a16="http://schemas.microsoft.com/office/drawing/2014/main" id="{AB1D257E-9360-40F6-B9CA-382C9218B483}"/>
+                <a16:creationId xmlns:a16="http://schemas.microsoft.com/office/drawing/2014/main" id="{80E8F68E-5835-47C8-B3D0-FB5D4A0302F4}"/>
               </a:ext>
             </a:extLst>
           </p:cNvPr>
@@ -4922,7 +4975,7 @@
     </p:spTree>
     <p:extLst>
       <p:ext uri="{BB962C8B-B14F-4D97-AF65-F5344CB8AC3E}">
-        <p14:creationId xmlns:p14="http://schemas.microsoft.com/office/powerpoint/2010/main" val="1192187413"/>
+        <p14:creationId xmlns:p14="http://schemas.microsoft.com/office/powerpoint/2010/main" val="1912152949"/>
       </p:ext>
     </p:extLst>
   </p:cSld>
@@ -4951,7 +5004,13 @@
       </p:grpSpPr>
       <p:sp>
         <p:nvSpPr>
-          <p:cNvPr id="2" name="Title 1"/>
+          <p:cNvPr id="2" name="Title 1">
+            <a:extLst>
+              <a:ext uri="{FF2B5EF4-FFF2-40B4-BE49-F238E27FC236}">
+                <a16:creationId xmlns:a16="http://schemas.microsoft.com/office/drawing/2014/main" id="{319EF3EC-649B-4053-B512-3CBFF9895B05}"/>
+              </a:ext>
+            </a:extLst>
+          </p:cNvPr>
           <p:cNvSpPr>
             <a:spLocks noGrp="1"/>
           </p:cNvSpPr>
@@ -4966,7 +5025,7 @@
           <a:p>
             <a:r>
               <a:rPr lang="en-US" dirty="0"/>
-              <a:t>Summary</a:t>
+              <a:t>Reduce Build Time</a:t>
             </a:r>
             <a:endParaRPr lang="he-IL" dirty="0"/>
           </a:p>
@@ -4974,7 +5033,13 @@
       </p:sp>
       <p:sp>
         <p:nvSpPr>
-          <p:cNvPr id="3" name="Footer Placeholder 2"/>
+          <p:cNvPr id="3" name="Footer Placeholder 2">
+            <a:extLst>
+              <a:ext uri="{FF2B5EF4-FFF2-40B4-BE49-F238E27FC236}">
+                <a16:creationId xmlns:a16="http://schemas.microsoft.com/office/drawing/2014/main" id="{5B1988C8-2EE8-47C9-BDE5-0CE76C34BF5D}"/>
+              </a:ext>
+            </a:extLst>
+          </p:cNvPr>
           <p:cNvSpPr>
             <a:spLocks noGrp="1"/>
           </p:cNvSpPr>
@@ -4997,7 +5062,13 @@
       </p:sp>
       <p:sp>
         <p:nvSpPr>
-          <p:cNvPr id="4" name="Slide Number Placeholder 3"/>
+          <p:cNvPr id="4" name="Slide Number Placeholder 3">
+            <a:extLst>
+              <a:ext uri="{FF2B5EF4-FFF2-40B4-BE49-F238E27FC236}">
+                <a16:creationId xmlns:a16="http://schemas.microsoft.com/office/drawing/2014/main" id="{DACFA08C-5E55-4B50-9AC8-E55886C68573}"/>
+              </a:ext>
+            </a:extLst>
+          </p:cNvPr>
           <p:cNvSpPr>
             <a:spLocks noGrp="1"/>
           </p:cNvSpPr>
@@ -5016,6 +5087,133 @@
               <a:rPr lang="en-US" smtClean="0"/>
               <a:pPr/>
               <a:t>13</a:t>
+            </a:fld>
+            <a:endParaRPr lang="en-US"/>
+          </a:p>
+        </p:txBody>
+      </p:sp>
+      <p:sp>
+        <p:nvSpPr>
+          <p:cNvPr id="5" name="Content Placeholder 4">
+            <a:extLst>
+              <a:ext uri="{FF2B5EF4-FFF2-40B4-BE49-F238E27FC236}">
+                <a16:creationId xmlns:a16="http://schemas.microsoft.com/office/drawing/2014/main" id="{AB1D257E-9360-40F6-B9CA-382C9218B483}"/>
+              </a:ext>
+            </a:extLst>
+          </p:cNvPr>
+          <p:cNvSpPr>
+            <a:spLocks noGrp="1"/>
+          </p:cNvSpPr>
+          <p:nvPr>
+            <p:ph sz="quarter" idx="1"/>
+          </p:nvPr>
+        </p:nvSpPr>
+        <p:spPr/>
+        <p:txBody>
+          <a:bodyPr/>
+          <a:lstStyle/>
+          <a:p>
+            <a:endParaRPr lang="he-IL"/>
+          </a:p>
+        </p:txBody>
+      </p:sp>
+    </p:spTree>
+    <p:extLst>
+      <p:ext uri="{BB962C8B-B14F-4D97-AF65-F5344CB8AC3E}">
+        <p14:creationId xmlns:p14="http://schemas.microsoft.com/office/powerpoint/2010/main" val="1192187413"/>
+      </p:ext>
+    </p:extLst>
+  </p:cSld>
+  <p:clrMapOvr>
+    <a:masterClrMapping/>
+  </p:clrMapOvr>
+</p:sld>
+</file>
+
+<file path=ppt/slides/slide14.xml><?xml version="1.0" encoding="utf-8"?>
+<p:sld xmlns:a="http://schemas.openxmlformats.org/drawingml/2006/main" xmlns:r="http://schemas.openxmlformats.org/officeDocument/2006/relationships" xmlns:p="http://schemas.openxmlformats.org/presentationml/2006/main">
+  <p:cSld>
+    <p:spTree>
+      <p:nvGrpSpPr>
+        <p:cNvPr id="1" name=""/>
+        <p:cNvGrpSpPr/>
+        <p:nvPr/>
+      </p:nvGrpSpPr>
+      <p:grpSpPr>
+        <a:xfrm>
+          <a:off x="0" y="0"/>
+          <a:ext cx="0" cy="0"/>
+          <a:chOff x="0" y="0"/>
+          <a:chExt cx="0" cy="0"/>
+        </a:xfrm>
+      </p:grpSpPr>
+      <p:sp>
+        <p:nvSpPr>
+          <p:cNvPr id="2" name="Title 1"/>
+          <p:cNvSpPr>
+            <a:spLocks noGrp="1"/>
+          </p:cNvSpPr>
+          <p:nvPr>
+            <p:ph type="title"/>
+          </p:nvPr>
+        </p:nvSpPr>
+        <p:spPr/>
+        <p:txBody>
+          <a:bodyPr/>
+          <a:lstStyle/>
+          <a:p>
+            <a:r>
+              <a:rPr lang="en-US" dirty="0"/>
+              <a:t>Summary</a:t>
+            </a:r>
+            <a:endParaRPr lang="he-IL" dirty="0"/>
+          </a:p>
+        </p:txBody>
+      </p:sp>
+      <p:sp>
+        <p:nvSpPr>
+          <p:cNvPr id="3" name="Footer Placeholder 2"/>
+          <p:cNvSpPr>
+            <a:spLocks noGrp="1"/>
+          </p:cNvSpPr>
+          <p:nvPr>
+            <p:ph type="ftr" sz="quarter" idx="11"/>
+          </p:nvPr>
+        </p:nvSpPr>
+        <p:spPr/>
+        <p:txBody>
+          <a:bodyPr/>
+          <a:lstStyle/>
+          <a:p>
+            <a:r>
+              <a:rPr lang="en-US"/>
+              <a:t>© 2018 Ori Calvo</a:t>
+            </a:r>
+            <a:endParaRPr lang="en-US" dirty="0"/>
+          </a:p>
+        </p:txBody>
+      </p:sp>
+      <p:sp>
+        <p:nvSpPr>
+          <p:cNvPr id="4" name="Slide Number Placeholder 3"/>
+          <p:cNvSpPr>
+            <a:spLocks noGrp="1"/>
+          </p:cNvSpPr>
+          <p:nvPr>
+            <p:ph type="sldNum" sz="quarter" idx="12"/>
+          </p:nvPr>
+        </p:nvSpPr>
+        <p:spPr/>
+        <p:txBody>
+          <a:bodyPr>
+            <a:normAutofit fontScale="85000" lnSpcReduction="20000"/>
+          </a:bodyPr>
+          <a:lstStyle/>
+          <a:p>
+            <a:fld id="{6EDEC3BC-0694-4586-AE63-02B4D54ABF43}" type="slidenum">
+              <a:rPr lang="en-US" smtClean="0"/>
+              <a:pPr/>
+              <a:t>14</a:t>
             </a:fld>
             <a:endParaRPr lang="en-US"/>
           </a:p>
@@ -5211,7 +5409,7 @@
           <a:p>
             <a:r>
               <a:rPr lang="en-US" dirty="0"/>
-              <a:t>Not only runtime performance</a:t>
+              <a:t>Not only production performance</a:t>
             </a:r>
           </a:p>
         </p:txBody>
@@ -5377,7 +5575,7 @@
           <a:p>
             <a:r>
               <a:rPr lang="en-US" dirty="0"/>
-              <a:t>How come most of our software systems do no perform well ?</a:t>
+              <a:t>How come most of our software systems do not perform well ?</a:t>
             </a:r>
             <a:endParaRPr lang="he-IL" dirty="0"/>
           </a:p>
@@ -5436,7 +5634,7 @@
           <a:p>
             <a:r>
               <a:rPr lang="en-US" dirty="0"/>
-              <a:t>Angular Stats</a:t>
+              <a:t>Collect Angular Statistics</a:t>
             </a:r>
             <a:endParaRPr lang="he-IL" dirty="0"/>
           </a:p>
@@ -6212,7 +6410,7 @@
           <p:cNvPr id="2" name="Title 1">
             <a:extLst>
               <a:ext uri="{FF2B5EF4-FFF2-40B4-BE49-F238E27FC236}">
-                <a16:creationId xmlns:a16="http://schemas.microsoft.com/office/drawing/2014/main" id="{C7E8F571-D9D5-4A3A-BF88-59AF6FF4A545}"/>
+                <a16:creationId xmlns:a16="http://schemas.microsoft.com/office/drawing/2014/main" id="{F9004F0F-BC37-4CDE-B9E1-F02BCD83E81B}"/>
               </a:ext>
             </a:extLst>
           </p:cNvPr>
@@ -6230,7 +6428,11 @@
           <a:p>
             <a:r>
               <a:rPr lang="en-US" dirty="0"/>
-              <a:t>Reducing Change Detection</a:t>
+              <a:t>Disable </a:t>
+            </a:r>
+            <a:r>
+              <a:rPr lang="en-US" dirty="0" err="1"/>
+              <a:t>ngZone</a:t>
             </a:r>
             <a:endParaRPr lang="he-IL" dirty="0"/>
           </a:p>
@@ -6241,7 +6443,7 @@
           <p:cNvPr id="3" name="Footer Placeholder 2">
             <a:extLst>
               <a:ext uri="{FF2B5EF4-FFF2-40B4-BE49-F238E27FC236}">
-                <a16:creationId xmlns:a16="http://schemas.microsoft.com/office/drawing/2014/main" id="{365D1AD2-6B8D-4F7E-B3CD-E2B618D4230E}"/>
+                <a16:creationId xmlns:a16="http://schemas.microsoft.com/office/drawing/2014/main" id="{B4A916AF-D8B4-406A-B2A2-3517B094AB62}"/>
               </a:ext>
             </a:extLst>
           </p:cNvPr>
@@ -6270,7 +6472,7 @@
           <p:cNvPr id="4" name="Slide Number Placeholder 3">
             <a:extLst>
               <a:ext uri="{FF2B5EF4-FFF2-40B4-BE49-F238E27FC236}">
-                <a16:creationId xmlns:a16="http://schemas.microsoft.com/office/drawing/2014/main" id="{9A320F99-262A-41A5-B849-99467775E002}"/>
+                <a16:creationId xmlns:a16="http://schemas.microsoft.com/office/drawing/2014/main" id="{7C874D9F-C925-4A1B-A211-5910D9609F0C}"/>
               </a:ext>
             </a:extLst>
           </p:cNvPr>
@@ -6302,7 +6504,7 @@
           <p:cNvPr id="5" name="Content Placeholder 4">
             <a:extLst>
               <a:ext uri="{FF2B5EF4-FFF2-40B4-BE49-F238E27FC236}">
-                <a16:creationId xmlns:a16="http://schemas.microsoft.com/office/drawing/2014/main" id="{E4C7BE46-A9E5-4847-B71E-14755EB8F06F}"/>
+                <a16:creationId xmlns:a16="http://schemas.microsoft.com/office/drawing/2014/main" id="{F86DB544-CF11-4AC4-BCCA-91D95C60CE98}"/>
               </a:ext>
             </a:extLst>
           </p:cNvPr>
@@ -6319,47 +6521,36 @@
           <a:lstStyle/>
           <a:p>
             <a:r>
+              <a:rPr lang="en-US" dirty="0"/>
+              <a:t>No more automatic change detection</a:t>
+            </a:r>
+          </a:p>
+          <a:p>
+            <a:r>
+              <a:rPr lang="en-US" dirty="0"/>
+              <a:t>You must invoke change detection manually when application’s state changes</a:t>
+            </a:r>
+          </a:p>
+          <a:p>
+            <a:r>
               <a:rPr lang="en-US" dirty="0" err="1"/>
-              <a:t>ChangeDetectionStrategy.OnPush</a:t>
+              <a:t>ApplicationRef.tick</a:t>
             </a:r>
             <a:endParaRPr lang="en-US" dirty="0"/>
           </a:p>
           <a:p>
             <a:r>
-              <a:rPr lang="en-US" dirty="0" err="1"/>
-              <a:t>Async</a:t>
-            </a:r>
-            <a:r>
-              <a:rPr lang="en-US" dirty="0"/>
-              <a:t> Pipe</a:t>
-            </a:r>
-          </a:p>
-          <a:p>
-            <a:r>
-              <a:rPr lang="en-US" dirty="0"/>
-              <a:t>Working directly with </a:t>
-            </a:r>
-            <a:r>
-              <a:rPr lang="en-US" dirty="0" err="1"/>
+              <a:rPr lang="en-US"/>
               <a:t>ChangeDetectorRef</a:t>
             </a:r>
-            <a:endParaRPr lang="en-US" dirty="0"/>
-          </a:p>
-          <a:p>
-            <a:r>
-              <a:rPr lang="en-US" dirty="0"/>
-              <a:t>Long running properties/methods</a:t>
-            </a:r>
-          </a:p>
-          <a:p>
-            <a:endParaRPr lang="he-IL" dirty="0"/>
+            <a:endParaRPr lang="he-IL"/>
           </a:p>
         </p:txBody>
       </p:sp>
     </p:spTree>
     <p:extLst>
       <p:ext uri="{BB962C8B-B14F-4D97-AF65-F5344CB8AC3E}">
-        <p14:creationId xmlns:p14="http://schemas.microsoft.com/office/powerpoint/2010/main" val="919454451"/>
+        <p14:creationId xmlns:p14="http://schemas.microsoft.com/office/powerpoint/2010/main" val="2130649131"/>
       </p:ext>
     </p:extLst>
   </p:cSld>
@@ -6391,7 +6582,7 @@
           <p:cNvPr id="2" name="Title 1">
             <a:extLst>
               <a:ext uri="{FF2B5EF4-FFF2-40B4-BE49-F238E27FC236}">
-                <a16:creationId xmlns:a16="http://schemas.microsoft.com/office/drawing/2014/main" id="{F9004F0F-BC37-4CDE-B9E1-F02BCD83E81B}"/>
+                <a16:creationId xmlns:a16="http://schemas.microsoft.com/office/drawing/2014/main" id="{C7E8F571-D9D5-4A3A-BF88-59AF6FF4A545}"/>
               </a:ext>
             </a:extLst>
           </p:cNvPr>
@@ -6409,11 +6600,7 @@
           <a:p>
             <a:r>
               <a:rPr lang="en-US" dirty="0"/>
-              <a:t>Disable </a:t>
-            </a:r>
-            <a:r>
-              <a:rPr lang="en-US" dirty="0" err="1"/>
-              <a:t>ngZone</a:t>
+              <a:t>Reducing Change Detection</a:t>
             </a:r>
             <a:endParaRPr lang="he-IL" dirty="0"/>
           </a:p>
@@ -6424,7 +6611,7 @@
           <p:cNvPr id="3" name="Footer Placeholder 2">
             <a:extLst>
               <a:ext uri="{FF2B5EF4-FFF2-40B4-BE49-F238E27FC236}">
-                <a16:creationId xmlns:a16="http://schemas.microsoft.com/office/drawing/2014/main" id="{B4A916AF-D8B4-406A-B2A2-3517B094AB62}"/>
+                <a16:creationId xmlns:a16="http://schemas.microsoft.com/office/drawing/2014/main" id="{365D1AD2-6B8D-4F7E-B3CD-E2B618D4230E}"/>
               </a:ext>
             </a:extLst>
           </p:cNvPr>
@@ -6453,7 +6640,7 @@
           <p:cNvPr id="4" name="Slide Number Placeholder 3">
             <a:extLst>
               <a:ext uri="{FF2B5EF4-FFF2-40B4-BE49-F238E27FC236}">
-                <a16:creationId xmlns:a16="http://schemas.microsoft.com/office/drawing/2014/main" id="{7C874D9F-C925-4A1B-A211-5910D9609F0C}"/>
+                <a16:creationId xmlns:a16="http://schemas.microsoft.com/office/drawing/2014/main" id="{9A320F99-262A-41A5-B849-99467775E002}"/>
               </a:ext>
             </a:extLst>
           </p:cNvPr>
@@ -6485,7 +6672,7 @@
           <p:cNvPr id="5" name="Content Placeholder 4">
             <a:extLst>
               <a:ext uri="{FF2B5EF4-FFF2-40B4-BE49-F238E27FC236}">
-                <a16:creationId xmlns:a16="http://schemas.microsoft.com/office/drawing/2014/main" id="{F86DB544-CF11-4AC4-BCCA-91D95C60CE98}"/>
+                <a16:creationId xmlns:a16="http://schemas.microsoft.com/office/drawing/2014/main" id="{E4C7BE46-A9E5-4847-B71E-14755EB8F06F}"/>
               </a:ext>
             </a:extLst>
           </p:cNvPr>
@@ -6503,35 +6690,57 @@
           <a:p>
             <a:r>
               <a:rPr lang="en-US" dirty="0"/>
-              <a:t>No more automatic change detection</a:t>
-            </a:r>
-          </a:p>
-          <a:p>
+              <a:t>Hide vs. </a:t>
+            </a:r>
+            <a:r>
+              <a:rPr lang="en-US" dirty="0" err="1"/>
+              <a:t>ngIf</a:t>
+            </a:r>
+            <a:endParaRPr lang="en-US" dirty="0"/>
+          </a:p>
+          <a:p>
+            <a:r>
+              <a:rPr lang="en-US" dirty="0" err="1"/>
+              <a:t>ChangeDetectionStrategy.OnPush</a:t>
+            </a:r>
+            <a:endParaRPr lang="en-US" dirty="0"/>
+          </a:p>
+          <a:p>
+            <a:r>
+              <a:rPr lang="en-US" dirty="0" err="1"/>
+              <a:t>Async</a:t>
+            </a:r>
             <a:r>
               <a:rPr lang="en-US" dirty="0"/>
-              <a:t>You must invoke change detection manually when application’s state changes</a:t>
-            </a:r>
-          </a:p>
-          <a:p>
+              <a:t> Pipe</a:t>
+            </a:r>
+          </a:p>
+          <a:p>
+            <a:r>
+              <a:rPr lang="en-US" dirty="0"/>
+              <a:t>Working directly with </a:t>
+            </a:r>
             <a:r>
               <a:rPr lang="en-US" dirty="0" err="1"/>
-              <a:t>ApplicationRef.tick</a:t>
+              <a:t>ChangeDetectorRef</a:t>
             </a:r>
             <a:endParaRPr lang="en-US" dirty="0"/>
           </a:p>
           <a:p>
             <a:r>
-              <a:rPr lang="en-US"/>
-              <a:t>ChangeDetectorRef</a:t>
-            </a:r>
-            <a:endParaRPr lang="he-IL"/>
+              <a:rPr lang="en-US" dirty="0"/>
+              <a:t>Long running properties/methods</a:t>
+            </a:r>
+          </a:p>
+          <a:p>
+            <a:endParaRPr lang="he-IL" dirty="0"/>
           </a:p>
         </p:txBody>
       </p:sp>
     </p:spTree>
     <p:extLst>
       <p:ext uri="{BB962C8B-B14F-4D97-AF65-F5344CB8AC3E}">
-        <p14:creationId xmlns:p14="http://schemas.microsoft.com/office/powerpoint/2010/main" val="2130649131"/>
+        <p14:creationId xmlns:p14="http://schemas.microsoft.com/office/powerpoint/2010/main" val="919454451"/>
       </p:ext>
     </p:extLst>
   </p:cSld>
@@ -6693,33 +6902,24 @@
           <a:p>
             <a:r>
               <a:rPr lang="en-US" dirty="0"/>
-              <a:t>Only those files are reloaded inside the browser</a:t>
+              <a:t>Only modified files are “pushed” to the browser</a:t>
             </a:r>
           </a:p>
           <a:p>
             <a:r>
               <a:rPr lang="en-US" dirty="0"/>
-              <a:t>No page refresh </a:t>
-            </a:r>
+              <a:t>No page refresh</a:t>
+            </a:r>
+            <a:endParaRPr lang="en-US" dirty="0">
+              <a:sym typeface="Wingdings" panose="05000000000000000000" pitchFamily="2" charset="2"/>
+            </a:endParaRPr>
+          </a:p>
+          <a:p>
             <a:r>
               <a:rPr lang="en-US" dirty="0">
                 <a:sym typeface="Wingdings" panose="05000000000000000000" pitchFamily="2" charset="2"/>
               </a:rPr>
-              <a:t> Application state does not reset</a:t>
-            </a:r>
-          </a:p>
-          <a:p>
-            <a:r>
-              <a:rPr lang="en-US">
-                <a:sym typeface="Wingdings" panose="05000000000000000000" pitchFamily="2" charset="2"/>
-              </a:rPr>
-              <a:t>Angular re-renders </a:t>
-            </a:r>
-            <a:r>
-              <a:rPr lang="en-US" dirty="0">
-                <a:sym typeface="Wingdings" panose="05000000000000000000" pitchFamily="2" charset="2"/>
-              </a:rPr>
-              <a:t>all components</a:t>
+              <a:t>Angular re-renders all components</a:t>
             </a:r>
             <a:endParaRPr lang="he-IL" dirty="0"/>
           </a:p>

--- a/Optimizing Angular.pptx
+++ b/Optimizing Angular.pptx
@@ -5753,6 +5753,23 @@
               <a:t>Bindings</a:t>
             </a:r>
           </a:p>
+          <a:p>
+            <a:r>
+              <a:rPr lang="en-US" dirty="0" err="1"/>
+              <a:t>ApplicationRef</a:t>
+            </a:r>
+            <a:r>
+              <a:rPr lang="en-US" dirty="0"/>
+              <a:t> is a good object to start with</a:t>
+            </a:r>
+          </a:p>
+          <a:p>
+            <a:pPr lvl="1"/>
+            <a:r>
+              <a:rPr lang="en-US" dirty="0"/>
+              <a:t>Many undocumented interesting fields</a:t>
+            </a:r>
+          </a:p>
         </p:txBody>
       </p:sp>
     </p:spTree>
@@ -5898,13 +5915,13 @@
           <a:p>
             <a:r>
               <a:rPr lang="en-US" dirty="0"/>
-              <a:t>Most public documentation deals with reducing a single change detection cycle</a:t>
+              <a:t>Most public documentation deals with reducing change detection duration</a:t>
             </a:r>
           </a:p>
           <a:p>
             <a:r>
               <a:rPr lang="en-US" dirty="0"/>
-              <a:t>However, the number of times Angular performs change detection is probably more significant</a:t>
+              <a:t>However, the number of times Angular executes change detection is more significant</a:t>
             </a:r>
             <a:endParaRPr lang="he-IL" dirty="0"/>
           </a:p>

--- a/Optimizing Angular.pptx
+++ b/Optimizing Angular.pptx
@@ -17,8 +17,8 @@
     <p:sldId id="325" r:id="rId8"/>
     <p:sldId id="324" r:id="rId9"/>
     <p:sldId id="326" r:id="rId10"/>
-    <p:sldId id="327" r:id="rId11"/>
-    <p:sldId id="328" r:id="rId12"/>
+    <p:sldId id="328" r:id="rId11"/>
+    <p:sldId id="327" r:id="rId12"/>
     <p:sldId id="320" r:id="rId13"/>
     <p:sldId id="321" r:id="rId14"/>
     <p:sldId id="313" r:id="rId15"/>
@@ -4454,7 +4454,7 @@
           <p:cNvPr id="2" name="Title 1">
             <a:extLst>
               <a:ext uri="{FF2B5EF4-FFF2-40B4-BE49-F238E27FC236}">
-                <a16:creationId xmlns:a16="http://schemas.microsoft.com/office/drawing/2014/main" id="{04E76C7D-9A6F-4C34-9741-C5ED7BC5CF96}"/>
+                <a16:creationId xmlns:a16="http://schemas.microsoft.com/office/drawing/2014/main" id="{8B65FC7B-B473-4DB9-8F21-5769CB6AF3A8}"/>
               </a:ext>
             </a:extLst>
           </p:cNvPr>
@@ -4472,9 +4472,8 @@
           <a:p>
             <a:r>
               <a:rPr lang="en-US" dirty="0"/>
-              <a:t>Server Side Rendering</a:t>
-            </a:r>
-            <a:endParaRPr lang="he-IL" dirty="0"/>
+              <a:t>Optimize Bundle</a:t>
+            </a:r>
           </a:p>
         </p:txBody>
       </p:sp>
@@ -4483,7 +4482,7 @@
           <p:cNvPr id="3" name="Footer Placeholder 2">
             <a:extLst>
               <a:ext uri="{FF2B5EF4-FFF2-40B4-BE49-F238E27FC236}">
-                <a16:creationId xmlns:a16="http://schemas.microsoft.com/office/drawing/2014/main" id="{F43977BA-73D5-4023-B748-FA318CE63D5B}"/>
+                <a16:creationId xmlns:a16="http://schemas.microsoft.com/office/drawing/2014/main" id="{95EF8977-9592-406D-83A6-1FA1653A69B3}"/>
               </a:ext>
             </a:extLst>
           </p:cNvPr>
@@ -4512,7 +4511,7 @@
           <p:cNvPr id="4" name="Slide Number Placeholder 3">
             <a:extLst>
               <a:ext uri="{FF2B5EF4-FFF2-40B4-BE49-F238E27FC236}">
-                <a16:creationId xmlns:a16="http://schemas.microsoft.com/office/drawing/2014/main" id="{BED07252-C564-45D1-9FD3-EA5915F0ADDA}"/>
+                <a16:creationId xmlns:a16="http://schemas.microsoft.com/office/drawing/2014/main" id="{DADB00A0-1F98-43CC-9E58-59500CF3C4B5}"/>
               </a:ext>
             </a:extLst>
           </p:cNvPr>
@@ -4544,7 +4543,7 @@
           <p:cNvPr id="5" name="Content Placeholder 4">
             <a:extLst>
               <a:ext uri="{FF2B5EF4-FFF2-40B4-BE49-F238E27FC236}">
-                <a16:creationId xmlns:a16="http://schemas.microsoft.com/office/drawing/2014/main" id="{BCAF06DF-5A1F-47BB-B255-7632CC337FC1}"/>
+                <a16:creationId xmlns:a16="http://schemas.microsoft.com/office/drawing/2014/main" id="{69182CFB-0CF4-45DA-85F3-8ADDE5CBCE2B}"/>
               </a:ext>
             </a:extLst>
           </p:cNvPr>
@@ -4557,83 +4556,71 @@
         </p:nvSpPr>
         <p:spPr/>
         <p:txBody>
-          <a:bodyPr>
-            <a:normAutofit lnSpcReduction="10000"/>
-          </a:bodyPr>
-          <a:lstStyle/>
-          <a:p>
+          <a:bodyPr/>
+          <a:lstStyle/>
+          <a:p>
+            <a:r>
+              <a:rPr lang="en-US" dirty="0" err="1"/>
+              <a:t>Webpack</a:t>
+            </a:r>
             <a:r>
               <a:rPr lang="en-US" dirty="0"/>
-              <a:t>ng g universal</a:t>
-            </a:r>
-          </a:p>
-          <a:p>
+              <a:t> is the most popular</a:t>
+            </a:r>
+          </a:p>
+          <a:p>
+            <a:pPr lvl="1"/>
             <a:r>
               <a:rPr lang="en-US" dirty="0"/>
-              <a:t>Review modified files</a:t>
+              <a:t>However not the most efficient</a:t>
             </a:r>
           </a:p>
           <a:p>
             <a:r>
               <a:rPr lang="en-US" dirty="0"/>
-              <a:t>Create Express server according to </a:t>
-            </a:r>
-            <a:r>
-              <a:rPr lang="en-US" dirty="0">
-                <a:hlinkClick r:id="rId2"/>
-              </a:rPr>
-              <a:t>https://github.com/angular/angular-cli/wiki/stories-universal-rendering#step-4-setting-up-an-express-server-to-run-our-universal-bundles</a:t>
-            </a:r>
-            <a:endParaRPr lang="en-US" dirty="0"/>
-          </a:p>
-          <a:p>
+              <a:t>Consider using Rollup</a:t>
+            </a:r>
+          </a:p>
+          <a:p>
+            <a:pPr lvl="1"/>
             <a:r>
               <a:rPr lang="en-US" dirty="0"/>
-              <a:t>Use </a:t>
-            </a:r>
-            <a:r>
-              <a:rPr lang="en-US" dirty="0" err="1"/>
-              <a:t>TransferState</a:t>
-            </a:r>
+              <a:t>Better tree shaking</a:t>
+            </a:r>
+          </a:p>
+          <a:p>
+            <a:pPr lvl="1"/>
             <a:r>
               <a:rPr lang="en-US" dirty="0"/>
-              <a:t> provider</a:t>
+              <a:t>Better boot time</a:t>
+            </a:r>
+          </a:p>
+          <a:p>
+            <a:r>
+              <a:rPr lang="en-US" dirty="0"/>
+              <a:t>Compile to ES2017 instead of ES5</a:t>
             </a:r>
           </a:p>
           <a:p>
             <a:pPr lvl="1"/>
             <a:r>
-              <a:rPr lang="en-US" dirty="0" err="1"/>
-              <a:t>ServerTransferStateModule</a:t>
-            </a:r>
-            <a:r>
               <a:rPr lang="en-US" dirty="0"/>
-              <a:t> &amp; </a:t>
-            </a:r>
-            <a:r>
-              <a:rPr lang="en-US" dirty="0" err="1"/>
-              <a:t>BrowserTransferStateModule</a:t>
-            </a:r>
-            <a:endParaRPr lang="en-US" dirty="0"/>
+              <a:t>Smaller</a:t>
+            </a:r>
           </a:p>
           <a:p>
             <a:pPr lvl="1"/>
             <a:r>
-              <a:rPr lang="en-US" dirty="0" err="1"/>
-              <a:t>makeStateKey</a:t>
-            </a:r>
-            <a:endParaRPr lang="he-IL" dirty="0"/>
-          </a:p>
-          <a:p>
-            <a:pPr lvl="1"/>
-            <a:endParaRPr lang="he-IL" dirty="0"/>
+              <a:rPr lang="en-US" dirty="0"/>
+              <a:t>Faster</a:t>
+            </a:r>
           </a:p>
         </p:txBody>
       </p:sp>
     </p:spTree>
     <p:extLst>
       <p:ext uri="{BB962C8B-B14F-4D97-AF65-F5344CB8AC3E}">
-        <p14:creationId xmlns:p14="http://schemas.microsoft.com/office/powerpoint/2010/main" val="3447346670"/>
+        <p14:creationId xmlns:p14="http://schemas.microsoft.com/office/powerpoint/2010/main" val="3924665867"/>
       </p:ext>
     </p:extLst>
   </p:cSld>
@@ -4665,7 +4652,7 @@
           <p:cNvPr id="2" name="Title 1">
             <a:extLst>
               <a:ext uri="{FF2B5EF4-FFF2-40B4-BE49-F238E27FC236}">
-                <a16:creationId xmlns:a16="http://schemas.microsoft.com/office/drawing/2014/main" id="{8B65FC7B-B473-4DB9-8F21-5769CB6AF3A8}"/>
+                <a16:creationId xmlns:a16="http://schemas.microsoft.com/office/drawing/2014/main" id="{04E76C7D-9A6F-4C34-9741-C5ED7BC5CF96}"/>
               </a:ext>
             </a:extLst>
           </p:cNvPr>
@@ -4683,8 +4670,9 @@
           <a:p>
             <a:r>
               <a:rPr lang="en-US" dirty="0"/>
-              <a:t>Optimize Bundle</a:t>
-            </a:r>
+              <a:t>Server Side Rendering</a:t>
+            </a:r>
+            <a:endParaRPr lang="he-IL" dirty="0"/>
           </a:p>
         </p:txBody>
       </p:sp>
@@ -4693,7 +4681,7 @@
           <p:cNvPr id="3" name="Footer Placeholder 2">
             <a:extLst>
               <a:ext uri="{FF2B5EF4-FFF2-40B4-BE49-F238E27FC236}">
-                <a16:creationId xmlns:a16="http://schemas.microsoft.com/office/drawing/2014/main" id="{95EF8977-9592-406D-83A6-1FA1653A69B3}"/>
+                <a16:creationId xmlns:a16="http://schemas.microsoft.com/office/drawing/2014/main" id="{F43977BA-73D5-4023-B748-FA318CE63D5B}"/>
               </a:ext>
             </a:extLst>
           </p:cNvPr>
@@ -4722,7 +4710,7 @@
           <p:cNvPr id="4" name="Slide Number Placeholder 3">
             <a:extLst>
               <a:ext uri="{FF2B5EF4-FFF2-40B4-BE49-F238E27FC236}">
-                <a16:creationId xmlns:a16="http://schemas.microsoft.com/office/drawing/2014/main" id="{DADB00A0-1F98-43CC-9E58-59500CF3C4B5}"/>
+                <a16:creationId xmlns:a16="http://schemas.microsoft.com/office/drawing/2014/main" id="{BED07252-C564-45D1-9FD3-EA5915F0ADDA}"/>
               </a:ext>
             </a:extLst>
           </p:cNvPr>
@@ -4754,7 +4742,7 @@
           <p:cNvPr id="5" name="Content Placeholder 4">
             <a:extLst>
               <a:ext uri="{FF2B5EF4-FFF2-40B4-BE49-F238E27FC236}">
-                <a16:creationId xmlns:a16="http://schemas.microsoft.com/office/drawing/2014/main" id="{69182CFB-0CF4-45DA-85F3-8ADDE5CBCE2B}"/>
+                <a16:creationId xmlns:a16="http://schemas.microsoft.com/office/drawing/2014/main" id="{BCAF06DF-5A1F-47BB-B255-7632CC337FC1}"/>
               </a:ext>
             </a:extLst>
           </p:cNvPr>
@@ -4767,70 +4755,83 @@
         </p:nvSpPr>
         <p:spPr/>
         <p:txBody>
-          <a:bodyPr/>
-          <a:lstStyle/>
-          <a:p>
+          <a:bodyPr>
+            <a:normAutofit lnSpcReduction="10000"/>
+          </a:bodyPr>
+          <a:lstStyle/>
+          <a:p>
+            <a:r>
+              <a:rPr lang="en-US" dirty="0"/>
+              <a:t>ng g universal</a:t>
+            </a:r>
+          </a:p>
+          <a:p>
+            <a:r>
+              <a:rPr lang="en-US" dirty="0"/>
+              <a:t>Review modified files</a:t>
+            </a:r>
+          </a:p>
+          <a:p>
+            <a:r>
+              <a:rPr lang="en-US" dirty="0"/>
+              <a:t>Create Express server according to </a:t>
+            </a:r>
+            <a:r>
+              <a:rPr lang="en-US" dirty="0">
+                <a:hlinkClick r:id="rId2"/>
+              </a:rPr>
+              <a:t>https://github.com/angular/angular-cli/wiki/stories-universal-rendering#step-4-setting-up-an-express-server-to-run-our-universal-bundles</a:t>
+            </a:r>
+            <a:endParaRPr lang="en-US" dirty="0"/>
+          </a:p>
+          <a:p>
+            <a:r>
+              <a:rPr lang="en-US" dirty="0"/>
+              <a:t>Use </a:t>
+            </a:r>
             <a:r>
               <a:rPr lang="en-US" dirty="0" err="1"/>
-              <a:t>Webpack</a:t>
+              <a:t>TransferState</a:t>
             </a:r>
             <a:r>
               <a:rPr lang="en-US" dirty="0"/>
-              <a:t> is the most popular</a:t>
-            </a:r>
-          </a:p>
-          <a:p>
+              <a:t> provider</a:t>
+            </a:r>
+          </a:p>
+          <a:p>
+            <a:pPr lvl="1"/>
+            <a:r>
+              <a:rPr lang="en-US" dirty="0" err="1"/>
+              <a:t>ServerTransferStateModule</a:t>
+            </a:r>
             <a:r>
               <a:rPr lang="en-US" dirty="0"/>
-              <a:t>However not the most efficient</a:t>
-            </a:r>
-          </a:p>
-          <a:p>
-            <a:r>
-              <a:rPr lang="en-US" dirty="0"/>
-              <a:t>Consider using Rollup</a:t>
-            </a:r>
+              <a:t> &amp; </a:t>
+            </a:r>
+            <a:r>
+              <a:rPr lang="en-US" dirty="0" err="1"/>
+              <a:t>BrowserTransferStateModule</a:t>
+            </a:r>
+            <a:endParaRPr lang="en-US" dirty="0"/>
           </a:p>
           <a:p>
             <a:pPr lvl="1"/>
             <a:r>
-              <a:rPr lang="en-US" dirty="0"/>
-              <a:t>Better tree shaking</a:t>
-            </a:r>
+              <a:rPr lang="en-US" dirty="0" err="1"/>
+              <a:t>makeStateKey</a:t>
+            </a:r>
+            <a:endParaRPr lang="he-IL" dirty="0"/>
           </a:p>
           <a:p>
             <a:pPr lvl="1"/>
-            <a:r>
-              <a:rPr lang="en-US" dirty="0"/>
-              <a:t>Better boot time</a:t>
-            </a:r>
-          </a:p>
-          <a:p>
-            <a:r>
-              <a:rPr lang="en-US" dirty="0"/>
-              <a:t>Compile to ES2017 instead of ES5</a:t>
-            </a:r>
-          </a:p>
-          <a:p>
-            <a:pPr lvl="1"/>
-            <a:r>
-              <a:rPr lang="en-US" dirty="0"/>
-              <a:t>Smaller</a:t>
-            </a:r>
-          </a:p>
-          <a:p>
-            <a:pPr lvl="1"/>
-            <a:r>
-              <a:rPr lang="en-US" dirty="0"/>
-              <a:t>Faster</a:t>
-            </a:r>
+            <a:endParaRPr lang="he-IL" dirty="0"/>
           </a:p>
         </p:txBody>
       </p:sp>
     </p:spTree>
     <p:extLst>
       <p:ext uri="{BB962C8B-B14F-4D97-AF65-F5344CB8AC3E}">
-        <p14:creationId xmlns:p14="http://schemas.microsoft.com/office/powerpoint/2010/main" val="3924665867"/>
+        <p14:creationId xmlns:p14="http://schemas.microsoft.com/office/powerpoint/2010/main" val="3447346670"/>
       </p:ext>
     </p:extLst>
   </p:cSld>

--- a/Optimizing Angular.pptx
+++ b/Optimizing Angular.pptx
@@ -18,9 +18,9 @@
     <p:sldId id="324" r:id="rId9"/>
     <p:sldId id="326" r:id="rId10"/>
     <p:sldId id="328" r:id="rId11"/>
-    <p:sldId id="327" r:id="rId12"/>
-    <p:sldId id="320" r:id="rId13"/>
-    <p:sldId id="321" r:id="rId14"/>
+    <p:sldId id="321" r:id="rId12"/>
+    <p:sldId id="327" r:id="rId13"/>
+    <p:sldId id="329" r:id="rId14"/>
     <p:sldId id="313" r:id="rId15"/>
   </p:sldIdLst>
   <p:sldSz cx="9144000" cy="6858000" type="screen4x3"/>
@@ -4652,7 +4652,7 @@
           <p:cNvPr id="2" name="Title 1">
             <a:extLst>
               <a:ext uri="{FF2B5EF4-FFF2-40B4-BE49-F238E27FC236}">
-                <a16:creationId xmlns:a16="http://schemas.microsoft.com/office/drawing/2014/main" id="{04E76C7D-9A6F-4C34-9741-C5ED7BC5CF96}"/>
+                <a16:creationId xmlns:a16="http://schemas.microsoft.com/office/drawing/2014/main" id="{319EF3EC-649B-4053-B512-3CBFF9895B05}"/>
               </a:ext>
             </a:extLst>
           </p:cNvPr>
@@ -4670,7 +4670,7 @@
           <a:p>
             <a:r>
               <a:rPr lang="en-US" dirty="0"/>
-              <a:t>Server Side Rendering</a:t>
+              <a:t>Reduce Build Time</a:t>
             </a:r>
             <a:endParaRPr lang="he-IL" dirty="0"/>
           </a:p>
@@ -4681,7 +4681,7 @@
           <p:cNvPr id="3" name="Footer Placeholder 2">
             <a:extLst>
               <a:ext uri="{FF2B5EF4-FFF2-40B4-BE49-F238E27FC236}">
-                <a16:creationId xmlns:a16="http://schemas.microsoft.com/office/drawing/2014/main" id="{F43977BA-73D5-4023-B748-FA318CE63D5B}"/>
+                <a16:creationId xmlns:a16="http://schemas.microsoft.com/office/drawing/2014/main" id="{5B1988C8-2EE8-47C9-BDE5-0CE76C34BF5D}"/>
               </a:ext>
             </a:extLst>
           </p:cNvPr>
@@ -4710,7 +4710,7 @@
           <p:cNvPr id="4" name="Slide Number Placeholder 3">
             <a:extLst>
               <a:ext uri="{FF2B5EF4-FFF2-40B4-BE49-F238E27FC236}">
-                <a16:creationId xmlns:a16="http://schemas.microsoft.com/office/drawing/2014/main" id="{BED07252-C564-45D1-9FD3-EA5915F0ADDA}"/>
+                <a16:creationId xmlns:a16="http://schemas.microsoft.com/office/drawing/2014/main" id="{DACFA08C-5E55-4B50-9AC8-E55886C68573}"/>
               </a:ext>
             </a:extLst>
           </p:cNvPr>
@@ -4742,7 +4742,7 @@
           <p:cNvPr id="5" name="Content Placeholder 4">
             <a:extLst>
               <a:ext uri="{FF2B5EF4-FFF2-40B4-BE49-F238E27FC236}">
-                <a16:creationId xmlns:a16="http://schemas.microsoft.com/office/drawing/2014/main" id="{BCAF06DF-5A1F-47BB-B255-7632CC337FC1}"/>
+                <a16:creationId xmlns:a16="http://schemas.microsoft.com/office/drawing/2014/main" id="{AB1D257E-9360-40F6-B9CA-382C9218B483}"/>
               </a:ext>
             </a:extLst>
           </p:cNvPr>
@@ -4755,34 +4755,13 @@
         </p:nvSpPr>
         <p:spPr/>
         <p:txBody>
-          <a:bodyPr>
-            <a:normAutofit lnSpcReduction="10000"/>
-          </a:bodyPr>
+          <a:bodyPr/>
           <a:lstStyle/>
           <a:p>
             <a:r>
               <a:rPr lang="en-US" dirty="0"/>
-              <a:t>ng g universal</a:t>
-            </a:r>
-          </a:p>
-          <a:p>
-            <a:r>
-              <a:rPr lang="en-US" dirty="0"/>
-              <a:t>Review modified files</a:t>
-            </a:r>
-          </a:p>
-          <a:p>
-            <a:r>
-              <a:rPr lang="en-US" dirty="0"/>
-              <a:t>Create Express server according to </a:t>
-            </a:r>
-            <a:r>
-              <a:rPr lang="en-US" dirty="0">
-                <a:hlinkClick r:id="rId2"/>
-              </a:rPr>
-              <a:t>https://github.com/angular/angular-cli/wiki/stories-universal-rendering#step-4-setting-up-an-express-server-to-run-our-universal-bundles</a:t>
-            </a:r>
-            <a:endParaRPr lang="en-US" dirty="0"/>
+              <a:t>ng eject</a:t>
+            </a:r>
           </a:p>
           <a:p>
             <a:r>
@@ -4791,39 +4770,26 @@
             </a:r>
             <a:r>
               <a:rPr lang="en-US" dirty="0" err="1"/>
-              <a:t>TransferState</a:t>
+              <a:t>webpack</a:t>
             </a:r>
             <a:r>
               <a:rPr lang="en-US" dirty="0"/>
-              <a:t> provider</a:t>
-            </a:r>
-          </a:p>
-          <a:p>
-            <a:pPr lvl="1"/>
+              <a:t> directly</a:t>
+            </a:r>
+          </a:p>
+          <a:p>
+            <a:r>
+              <a:rPr lang="en-US" dirty="0"/>
+              <a:t>yarn add hard-source-</a:t>
+            </a:r>
             <a:r>
               <a:rPr lang="en-US" dirty="0" err="1"/>
-              <a:t>ServerTransferStateModule</a:t>
+              <a:t>webpack</a:t>
             </a:r>
             <a:r>
               <a:rPr lang="en-US" dirty="0"/>
-              <a:t> &amp; </a:t>
-            </a:r>
-            <a:r>
-              <a:rPr lang="en-US" dirty="0" err="1"/>
-              <a:t>BrowserTransferStateModule</a:t>
-            </a:r>
-            <a:endParaRPr lang="en-US" dirty="0"/>
-          </a:p>
-          <a:p>
-            <a:pPr lvl="1"/>
-            <a:r>
-              <a:rPr lang="en-US" dirty="0" err="1"/>
-              <a:t>makeStateKey</a:t>
-            </a:r>
-            <a:endParaRPr lang="he-IL" dirty="0"/>
-          </a:p>
-          <a:p>
-            <a:pPr lvl="1"/>
+              <a:t>-plugin</a:t>
+            </a:r>
             <a:endParaRPr lang="he-IL" dirty="0"/>
           </a:p>
         </p:txBody>
@@ -4831,7 +4797,7 @@
     </p:spTree>
     <p:extLst>
       <p:ext uri="{BB962C8B-B14F-4D97-AF65-F5344CB8AC3E}">
-        <p14:creationId xmlns:p14="http://schemas.microsoft.com/office/powerpoint/2010/main" val="3447346670"/>
+        <p14:creationId xmlns:p14="http://schemas.microsoft.com/office/powerpoint/2010/main" val="1192187413"/>
       </p:ext>
     </p:extLst>
   </p:cSld>
@@ -4863,7 +4829,7 @@
           <p:cNvPr id="2" name="Title 1">
             <a:extLst>
               <a:ext uri="{FF2B5EF4-FFF2-40B4-BE49-F238E27FC236}">
-                <a16:creationId xmlns:a16="http://schemas.microsoft.com/office/drawing/2014/main" id="{9C055714-807D-4FCD-8D5F-6ADE371CAD05}"/>
+                <a16:creationId xmlns:a16="http://schemas.microsoft.com/office/drawing/2014/main" id="{04E76C7D-9A6F-4C34-9741-C5ED7BC5CF96}"/>
               </a:ext>
             </a:extLst>
           </p:cNvPr>
@@ -4881,7 +4847,7 @@
           <a:p>
             <a:r>
               <a:rPr lang="en-US" dirty="0"/>
-              <a:t>Memory Profiling</a:t>
+              <a:t>Server Side Rendering</a:t>
             </a:r>
             <a:endParaRPr lang="he-IL" dirty="0"/>
           </a:p>
@@ -4892,7 +4858,7 @@
           <p:cNvPr id="3" name="Footer Placeholder 2">
             <a:extLst>
               <a:ext uri="{FF2B5EF4-FFF2-40B4-BE49-F238E27FC236}">
-                <a16:creationId xmlns:a16="http://schemas.microsoft.com/office/drawing/2014/main" id="{431F83B4-98CA-454C-AE4E-E2B5CCEE26A1}"/>
+                <a16:creationId xmlns:a16="http://schemas.microsoft.com/office/drawing/2014/main" id="{F43977BA-73D5-4023-B748-FA318CE63D5B}"/>
               </a:ext>
             </a:extLst>
           </p:cNvPr>
@@ -4921,7 +4887,7 @@
           <p:cNvPr id="4" name="Slide Number Placeholder 3">
             <a:extLst>
               <a:ext uri="{FF2B5EF4-FFF2-40B4-BE49-F238E27FC236}">
-                <a16:creationId xmlns:a16="http://schemas.microsoft.com/office/drawing/2014/main" id="{75EC0604-7C31-4C75-8178-9FC2DAED6CDA}"/>
+                <a16:creationId xmlns:a16="http://schemas.microsoft.com/office/drawing/2014/main" id="{BED07252-C564-45D1-9FD3-EA5915F0ADDA}"/>
               </a:ext>
             </a:extLst>
           </p:cNvPr>
@@ -4953,7 +4919,7 @@
           <p:cNvPr id="5" name="Content Placeholder 4">
             <a:extLst>
               <a:ext uri="{FF2B5EF4-FFF2-40B4-BE49-F238E27FC236}">
-                <a16:creationId xmlns:a16="http://schemas.microsoft.com/office/drawing/2014/main" id="{80E8F68E-5835-47C8-B3D0-FB5D4A0302F4}"/>
+                <a16:creationId xmlns:a16="http://schemas.microsoft.com/office/drawing/2014/main" id="{BCAF06DF-5A1F-47BB-B255-7632CC337FC1}"/>
               </a:ext>
             </a:extLst>
           </p:cNvPr>
@@ -4966,17 +4932,83 @@
         </p:nvSpPr>
         <p:spPr/>
         <p:txBody>
-          <a:bodyPr/>
-          <a:lstStyle/>
-          <a:p>
-            <a:endParaRPr lang="he-IL"/>
+          <a:bodyPr>
+            <a:normAutofit lnSpcReduction="10000"/>
+          </a:bodyPr>
+          <a:lstStyle/>
+          <a:p>
+            <a:r>
+              <a:rPr lang="en-US" dirty="0"/>
+              <a:t>ng g universal</a:t>
+            </a:r>
+          </a:p>
+          <a:p>
+            <a:r>
+              <a:rPr lang="en-US" dirty="0"/>
+              <a:t>Review modified files</a:t>
+            </a:r>
+          </a:p>
+          <a:p>
+            <a:r>
+              <a:rPr lang="en-US" dirty="0"/>
+              <a:t>Create Express server according to </a:t>
+            </a:r>
+            <a:r>
+              <a:rPr lang="en-US" dirty="0">
+                <a:hlinkClick r:id="rId2"/>
+              </a:rPr>
+              <a:t>https://github.com/angular/angular-cli/wiki/stories-universal-rendering#step-4-setting-up-an-express-server-to-run-our-universal-bundles</a:t>
+            </a:r>
+            <a:endParaRPr lang="en-US" dirty="0"/>
+          </a:p>
+          <a:p>
+            <a:r>
+              <a:rPr lang="en-US" dirty="0"/>
+              <a:t>Use </a:t>
+            </a:r>
+            <a:r>
+              <a:rPr lang="en-US" dirty="0" err="1"/>
+              <a:t>TransferState</a:t>
+            </a:r>
+            <a:r>
+              <a:rPr lang="en-US" dirty="0"/>
+              <a:t> provider</a:t>
+            </a:r>
+          </a:p>
+          <a:p>
+            <a:pPr lvl="1"/>
+            <a:r>
+              <a:rPr lang="en-US" dirty="0" err="1"/>
+              <a:t>ServerTransferStateModule</a:t>
+            </a:r>
+            <a:r>
+              <a:rPr lang="en-US" dirty="0"/>
+              <a:t> &amp; </a:t>
+            </a:r>
+            <a:r>
+              <a:rPr lang="en-US" dirty="0" err="1"/>
+              <a:t>BrowserTransferStateModule</a:t>
+            </a:r>
+            <a:endParaRPr lang="en-US" dirty="0"/>
+          </a:p>
+          <a:p>
+            <a:pPr lvl="1"/>
+            <a:r>
+              <a:rPr lang="en-US" dirty="0" err="1"/>
+              <a:t>makeStateKey</a:t>
+            </a:r>
+            <a:endParaRPr lang="he-IL" dirty="0"/>
+          </a:p>
+          <a:p>
+            <a:pPr lvl="1"/>
+            <a:endParaRPr lang="he-IL" dirty="0"/>
           </a:p>
         </p:txBody>
       </p:sp>
     </p:spTree>
     <p:extLst>
       <p:ext uri="{BB962C8B-B14F-4D97-AF65-F5344CB8AC3E}">
-        <p14:creationId xmlns:p14="http://schemas.microsoft.com/office/powerpoint/2010/main" val="1912152949"/>
+        <p14:creationId xmlns:p14="http://schemas.microsoft.com/office/powerpoint/2010/main" val="3447346670"/>
       </p:ext>
     </p:extLst>
   </p:cSld>
@@ -5008,7 +5040,7 @@
           <p:cNvPr id="2" name="Title 1">
             <a:extLst>
               <a:ext uri="{FF2B5EF4-FFF2-40B4-BE49-F238E27FC236}">
-                <a16:creationId xmlns:a16="http://schemas.microsoft.com/office/drawing/2014/main" id="{319EF3EC-649B-4053-B512-3CBFF9895B05}"/>
+                <a16:creationId xmlns:a16="http://schemas.microsoft.com/office/drawing/2014/main" id="{1D51C9CE-B530-4830-AE7C-E24CBBD6E454}"/>
               </a:ext>
             </a:extLst>
           </p:cNvPr>
@@ -5026,9 +5058,8 @@
           <a:p>
             <a:r>
               <a:rPr lang="en-US" dirty="0"/>
-              <a:t>Reduce Build Time</a:t>
-            </a:r>
-            <a:endParaRPr lang="he-IL" dirty="0"/>
+              <a:t>More</a:t>
+            </a:r>
           </a:p>
         </p:txBody>
       </p:sp>
@@ -5037,7 +5068,7 @@
           <p:cNvPr id="3" name="Footer Placeholder 2">
             <a:extLst>
               <a:ext uri="{FF2B5EF4-FFF2-40B4-BE49-F238E27FC236}">
-                <a16:creationId xmlns:a16="http://schemas.microsoft.com/office/drawing/2014/main" id="{5B1988C8-2EE8-47C9-BDE5-0CE76C34BF5D}"/>
+                <a16:creationId xmlns:a16="http://schemas.microsoft.com/office/drawing/2014/main" id="{AF91B983-258D-48FE-A3E4-62B916B5D147}"/>
               </a:ext>
             </a:extLst>
           </p:cNvPr>
@@ -5066,7 +5097,7 @@
           <p:cNvPr id="4" name="Slide Number Placeholder 3">
             <a:extLst>
               <a:ext uri="{FF2B5EF4-FFF2-40B4-BE49-F238E27FC236}">
-                <a16:creationId xmlns:a16="http://schemas.microsoft.com/office/drawing/2014/main" id="{DACFA08C-5E55-4B50-9AC8-E55886C68573}"/>
+                <a16:creationId xmlns:a16="http://schemas.microsoft.com/office/drawing/2014/main" id="{9A82B5D9-89D2-44BE-AA52-8F02D9ED46C2}"/>
               </a:ext>
             </a:extLst>
           </p:cNvPr>
@@ -5098,7 +5129,7 @@
           <p:cNvPr id="5" name="Content Placeholder 4">
             <a:extLst>
               <a:ext uri="{FF2B5EF4-FFF2-40B4-BE49-F238E27FC236}">
-                <a16:creationId xmlns:a16="http://schemas.microsoft.com/office/drawing/2014/main" id="{AB1D257E-9360-40F6-B9CA-382C9218B483}"/>
+                <a16:creationId xmlns:a16="http://schemas.microsoft.com/office/drawing/2014/main" id="{5D1E9CD2-CA98-4D78-AEB2-C2A2750D6298}"/>
               </a:ext>
             </a:extLst>
           </p:cNvPr>
@@ -5114,14 +5145,29 @@
           <a:bodyPr/>
           <a:lstStyle/>
           <a:p>
-            <a:endParaRPr lang="he-IL"/>
+            <a:r>
+              <a:rPr lang="en-US" dirty="0"/>
+              <a:t>Memory profiling</a:t>
+            </a:r>
+          </a:p>
+          <a:p>
+            <a:r>
+              <a:rPr lang="en-US" dirty="0"/>
+              <a:t>Angular service worker support</a:t>
+            </a:r>
+          </a:p>
+          <a:p>
+            <a:r>
+              <a:rPr lang="en-US" dirty="0"/>
+              <a:t>Angular web worker support</a:t>
+            </a:r>
           </a:p>
         </p:txBody>
       </p:sp>
     </p:spTree>
     <p:extLst>
       <p:ext uri="{BB962C8B-B14F-4D97-AF65-F5344CB8AC3E}">
-        <p14:creationId xmlns:p14="http://schemas.microsoft.com/office/powerpoint/2010/main" val="1192187413"/>
+        <p14:creationId xmlns:p14="http://schemas.microsoft.com/office/powerpoint/2010/main" val="2519867175"/>
       </p:ext>
     </p:extLst>
   </p:cSld>
@@ -5237,48 +5283,64 @@
           <a:p>
             <a:r>
               <a:rPr lang="en-US" dirty="0"/>
-              <a:t>There are many aspects to consider when implementing a component</a:t>
+              <a:t>Measure</a:t>
             </a:r>
           </a:p>
           <a:p>
             <a:r>
               <a:rPr lang="en-US" dirty="0"/>
-              <a:t>Most of the time Angular’s defaults are good enough</a:t>
-            </a:r>
-          </a:p>
-          <a:p>
+              <a:t>Reduce change detection</a:t>
+            </a:r>
+          </a:p>
+          <a:p>
+            <a:pPr lvl="1"/>
+            <a:r>
+              <a:rPr lang="en-US" dirty="0" err="1"/>
+              <a:t>runOutsideAngular</a:t>
+            </a:r>
+            <a:endParaRPr lang="en-US" dirty="0"/>
+          </a:p>
+          <a:p>
+            <a:pPr lvl="1"/>
             <a:r>
               <a:rPr lang="en-US" dirty="0"/>
-              <a:t>You may want to customize</a:t>
-            </a:r>
-          </a:p>
-          <a:p>
-            <a:pPr lvl="1"/>
+              <a:t>Disable ng-zone</a:t>
+            </a:r>
+          </a:p>
+          <a:p>
             <a:r>
               <a:rPr lang="en-US" dirty="0"/>
-              <a:t>View Encapsulation</a:t>
-            </a:r>
-          </a:p>
-          <a:p>
-            <a:pPr lvl="1"/>
+              <a:t>Hot Module Reload</a:t>
+            </a:r>
+          </a:p>
+          <a:p>
             <a:r>
               <a:rPr lang="en-US" dirty="0"/>
-              <a:t>Lifecyle Hooks</a:t>
-            </a:r>
-          </a:p>
-          <a:p>
-            <a:pPr lvl="1"/>
+              <a:t>Optimize production bundle</a:t>
+            </a:r>
+          </a:p>
+          <a:p>
             <a:r>
               <a:rPr lang="en-US" dirty="0"/>
-              <a:t>Pipes</a:t>
-            </a:r>
-          </a:p>
-          <a:p>
-            <a:pPr lvl="1"/>
-            <a:r>
-              <a:rPr lang="en-US"/>
-              <a:t>More …</a:t>
-            </a:r>
+              <a:t>Reduce build time</a:t>
+            </a:r>
+          </a:p>
+          <a:p>
+            <a:r>
+              <a:rPr lang="en-US" dirty="0"/>
+              <a:t>Server side rendering</a:t>
+            </a:r>
+          </a:p>
+          <a:p>
+            <a:endParaRPr lang="en-US" dirty="0"/>
+          </a:p>
+          <a:p>
+            <a:endParaRPr lang="en-US" dirty="0"/>
+          </a:p>
+          <a:p>
+            <a:endParaRPr lang="en-US" dirty="0"/>
+          </a:p>
+          <a:p>
             <a:endParaRPr lang="he-IL" dirty="0"/>
           </a:p>
         </p:txBody>
